--- a/PureComponent-vs-memo.pptx
+++ b/PureComponent-vs-memo.pptx
@@ -5,7 +5,7 @@
     <p:sldMasterId id="2147483696" r:id="rId1"/>
   </p:sldMasterIdLst>
   <p:notesMasterIdLst>
-    <p:notesMasterId r:id="rId33"/>
+    <p:notesMasterId r:id="rId44"/>
   </p:notesMasterIdLst>
   <p:sldIdLst>
     <p:sldId id="315" r:id="rId2"/>
@@ -36,9 +36,20 @@
     <p:sldId id="340" r:id="rId27"/>
     <p:sldId id="345" r:id="rId28"/>
     <p:sldId id="346" r:id="rId29"/>
-    <p:sldId id="347" r:id="rId30"/>
-    <p:sldId id="348" r:id="rId31"/>
-    <p:sldId id="291" r:id="rId32"/>
+    <p:sldId id="350" r:id="rId30"/>
+    <p:sldId id="351" r:id="rId31"/>
+    <p:sldId id="354" r:id="rId32"/>
+    <p:sldId id="352" r:id="rId33"/>
+    <p:sldId id="355" r:id="rId34"/>
+    <p:sldId id="356" r:id="rId35"/>
+    <p:sldId id="357" r:id="rId36"/>
+    <p:sldId id="358" r:id="rId37"/>
+    <p:sldId id="359" r:id="rId38"/>
+    <p:sldId id="360" r:id="rId39"/>
+    <p:sldId id="361" r:id="rId40"/>
+    <p:sldId id="347" r:id="rId41"/>
+    <p:sldId id="348" r:id="rId42"/>
+    <p:sldId id="291" r:id="rId43"/>
   </p:sldIdLst>
   <p:sldSz cx="12192000" cy="6858000"/>
   <p:notesSz cx="6858000" cy="9144000"/>
@@ -12929,10 +12940,10 @@
       </p:grpSpPr>
       <p:sp>
         <p:nvSpPr>
-          <p:cNvPr id="2" name="Заголовок 1">
-            <a:extLst>
-              <a:ext uri="{FF2B5EF4-FFF2-40B4-BE49-F238E27FC236}">
-                <a16:creationId xmlns:a16="http://schemas.microsoft.com/office/drawing/2014/main" id="{207B9884-F3ED-4073-9958-49B53CF20EB1}"/>
+          <p:cNvPr id="2" name="Title 1">
+            <a:extLst>
+              <a:ext uri="{FF2B5EF4-FFF2-40B4-BE49-F238E27FC236}">
+                <a16:creationId xmlns:a16="http://schemas.microsoft.com/office/drawing/2014/main" id="{AB935D05-93F8-43F8-B5A5-A5D7E0390ABD}"/>
               </a:ext>
             </a:extLst>
           </p:cNvPr>
@@ -12945,99 +12956,401 @@
         </p:nvSpPr>
         <p:spPr/>
         <p:txBody>
-          <a:bodyPr/>
-          <a:lstStyle/>
-          <a:p>
-            <a:r>
-              <a:rPr lang="ru-RU" dirty="0"/>
-              <a:t>ВЫВОД</a:t>
-            </a:r>
-          </a:p>
-        </p:txBody>
-      </p:sp>
-      <p:sp>
-        <p:nvSpPr>
-          <p:cNvPr id="3" name="Объект 2">
-            <a:extLst>
-              <a:ext uri="{FF2B5EF4-FFF2-40B4-BE49-F238E27FC236}">
-                <a16:creationId xmlns:a16="http://schemas.microsoft.com/office/drawing/2014/main" id="{F952C990-63F9-4596-B8EF-126A2461AF0C}"/>
-              </a:ext>
-            </a:extLst>
-          </p:cNvPr>
-          <p:cNvSpPr>
-            <a:spLocks noGrp="1"/>
-          </p:cNvSpPr>
-          <p:nvPr>
-            <p:ph idx="1"/>
-          </p:nvPr>
-        </p:nvSpPr>
-        <p:spPr/>
-        <p:txBody>
-          <a:bodyPr/>
-          <a:lstStyle/>
-          <a:p>
+          <a:bodyPr>
+            <a:normAutofit/>
+          </a:bodyPr>
+          <a:lstStyle/>
+          <a:p>
+            <a:r>
+              <a:rPr lang="ru-RU" dirty="0"/>
+              <a:t>Обернем </a:t>
+            </a:r>
+            <a:r>
+              <a:rPr lang="en-US" dirty="0"/>
+              <a:t>memo(app)</a:t>
+            </a:r>
+            <a:r>
+              <a:rPr lang="ru-RU" dirty="0"/>
+              <a:t> в </a:t>
+            </a:r>
+            <a:r>
+              <a:rPr lang="en-US" dirty="0"/>
+              <a:t>connect</a:t>
+            </a:r>
+          </a:p>
+        </p:txBody>
+      </p:sp>
+      <p:sp>
+        <p:nvSpPr>
+          <p:cNvPr id="4" name="Rectangle 3">
+            <a:extLst>
+              <a:ext uri="{FF2B5EF4-FFF2-40B4-BE49-F238E27FC236}">
+                <a16:creationId xmlns:a16="http://schemas.microsoft.com/office/drawing/2014/main" id="{31F8E340-F741-40C7-ADDD-A0E4E26D9C30}"/>
+              </a:ext>
+            </a:extLst>
+          </p:cNvPr>
+          <p:cNvSpPr/>
+          <p:nvPr/>
+        </p:nvSpPr>
+        <p:spPr>
+          <a:xfrm>
+            <a:off x="5095513" y="3647320"/>
+            <a:ext cx="2490652" cy="1053737"/>
+          </a:xfrm>
+          <a:prstGeom prst="rect">
+            <a:avLst/>
+          </a:prstGeom>
+        </p:spPr>
+        <p:style>
+          <a:lnRef idx="2">
+            <a:schemeClr val="accent1">
+              <a:shade val="50000"/>
+            </a:schemeClr>
+          </a:lnRef>
+          <a:fillRef idx="1">
+            <a:schemeClr val="accent1"/>
+          </a:fillRef>
+          <a:effectRef idx="0">
+            <a:schemeClr val="accent1"/>
+          </a:effectRef>
+          <a:fontRef idx="minor">
+            <a:schemeClr val="lt1"/>
+          </a:fontRef>
+        </p:style>
+        <p:txBody>
+          <a:bodyPr rtlCol="0" anchor="ctr"/>
+          <a:lstStyle/>
+          <a:p>
+            <a:pPr algn="ctr"/>
+            <a:r>
+              <a:rPr lang="en-US" dirty="0"/>
+              <a:t>App</a:t>
+            </a:r>
+            <a:endParaRPr lang="ru-RU" dirty="0"/>
+          </a:p>
+          <a:p>
+            <a:pPr algn="ctr"/>
+            <a:r>
+              <a:rPr lang="en-US" dirty="0"/>
+              <a:t>connect(</a:t>
+            </a:r>
             <a:r>
               <a:rPr lang="en-US" dirty="0" err="1"/>
               <a:t>React.memo</a:t>
             </a:r>
             <a:r>
-              <a:rPr lang="ru-RU" dirty="0"/>
-              <a:t> и </a:t>
-            </a:r>
+              <a:rPr lang="en-US" dirty="0"/>
+              <a:t>)</a:t>
+            </a:r>
+          </a:p>
+        </p:txBody>
+      </p:sp>
+      <p:sp>
+        <p:nvSpPr>
+          <p:cNvPr id="5" name="Rectangle 4">
+            <a:extLst>
+              <a:ext uri="{FF2B5EF4-FFF2-40B4-BE49-F238E27FC236}">
+                <a16:creationId xmlns:a16="http://schemas.microsoft.com/office/drawing/2014/main" id="{865AEC67-0C30-44FF-8582-9C72295BC9D6}"/>
+              </a:ext>
+            </a:extLst>
+          </p:cNvPr>
+          <p:cNvSpPr/>
+          <p:nvPr/>
+        </p:nvSpPr>
+        <p:spPr>
+          <a:xfrm>
+            <a:off x="3235236" y="5227925"/>
+            <a:ext cx="2490652" cy="1053737"/>
+          </a:xfrm>
+          <a:prstGeom prst="rect">
+            <a:avLst/>
+          </a:prstGeom>
+        </p:spPr>
+        <p:style>
+          <a:lnRef idx="2">
+            <a:schemeClr val="accent4">
+              <a:shade val="50000"/>
+            </a:schemeClr>
+          </a:lnRef>
+          <a:fillRef idx="1">
+            <a:schemeClr val="accent4"/>
+          </a:fillRef>
+          <a:effectRef idx="0">
+            <a:schemeClr val="accent4"/>
+          </a:effectRef>
+          <a:fontRef idx="minor">
+            <a:schemeClr val="lt1"/>
+          </a:fontRef>
+        </p:style>
+        <p:txBody>
+          <a:bodyPr rtlCol="0" anchor="ctr"/>
+          <a:lstStyle/>
+          <a:p>
+            <a:pPr algn="ctr"/>
             <a:r>
               <a:rPr lang="en-US" dirty="0" err="1"/>
-              <a:t>PureComponent</a:t>
-            </a:r>
-            <a:r>
-              <a:rPr lang="ru-RU" dirty="0"/>
-              <a:t> одинаково хорошо оптимизируют компоненты.</a:t>
-            </a:r>
-          </a:p>
-          <a:p>
-            <a:r>
-              <a:rPr lang="ru-RU" dirty="0"/>
-              <a:t>В </a:t>
-            </a:r>
+              <a:t>ComponentWithNames</a:t>
+            </a:r>
+            <a:endParaRPr lang="en-US" dirty="0"/>
+          </a:p>
+          <a:p>
+            <a:pPr algn="ctr"/>
             <a:r>
               <a:rPr lang="en-US" dirty="0" err="1"/>
               <a:t>React.memo</a:t>
             </a:r>
-            <a:r>
-              <a:rPr lang="ru-RU" dirty="0"/>
-              <a:t> следует хранить ссылки на функции между итерациями (особенности функциональных компонентов) для того, чтобы избежать лишних вызовов </a:t>
-            </a:r>
-            <a:r>
-              <a:rPr lang="en-US" dirty="0"/>
-              <a:t>render()</a:t>
-            </a:r>
-            <a:r>
-              <a:rPr lang="ru-RU" dirty="0"/>
-              <a:t> в дочерних компонентах.</a:t>
-            </a:r>
             <a:endParaRPr lang="en-US" dirty="0"/>
           </a:p>
-          <a:p>
-            <a:r>
-              <a:rPr lang="ru-RU" dirty="0"/>
-              <a:t>Лишний вызов </a:t>
-            </a:r>
-            <a:r>
-              <a:rPr lang="en-US" dirty="0"/>
-              <a:t>render()</a:t>
-            </a:r>
-            <a:r>
-              <a:rPr lang="ru-RU" dirty="0"/>
-              <a:t> у дочерних компонентов критичен в случае, когда дочерние компоненты тяжелые.</a:t>
-            </a:r>
-          </a:p>
-        </p:txBody>
-      </p:sp>
-      <p:sp>
-        <p:nvSpPr>
-          <p:cNvPr id="4" name="Номер слайда 3">
-            <a:extLst>
-              <a:ext uri="{FF2B5EF4-FFF2-40B4-BE49-F238E27FC236}">
-                <a16:creationId xmlns:a16="http://schemas.microsoft.com/office/drawing/2014/main" id="{11D0F1AA-5CC7-4C8B-AC0B-2C2B0699050F}"/>
+        </p:txBody>
+      </p:sp>
+      <p:sp>
+        <p:nvSpPr>
+          <p:cNvPr id="6" name="Rectangle 5">
+            <a:extLst>
+              <a:ext uri="{FF2B5EF4-FFF2-40B4-BE49-F238E27FC236}">
+                <a16:creationId xmlns:a16="http://schemas.microsoft.com/office/drawing/2014/main" id="{36FBB88C-78FB-469E-83B4-A972A90F7CE8}"/>
+              </a:ext>
+            </a:extLst>
+          </p:cNvPr>
+          <p:cNvSpPr/>
+          <p:nvPr/>
+        </p:nvSpPr>
+        <p:spPr>
+          <a:xfrm>
+            <a:off x="6866706" y="5221575"/>
+            <a:ext cx="2490652" cy="1053737"/>
+          </a:xfrm>
+          <a:prstGeom prst="rect">
+            <a:avLst/>
+          </a:prstGeom>
+        </p:spPr>
+        <p:style>
+          <a:lnRef idx="2">
+            <a:schemeClr val="accent4">
+              <a:shade val="50000"/>
+            </a:schemeClr>
+          </a:lnRef>
+          <a:fillRef idx="1">
+            <a:schemeClr val="accent4"/>
+          </a:fillRef>
+          <a:effectRef idx="0">
+            <a:schemeClr val="accent4"/>
+          </a:effectRef>
+          <a:fontRef idx="minor">
+            <a:schemeClr val="lt1"/>
+          </a:fontRef>
+        </p:style>
+        <p:txBody>
+          <a:bodyPr rtlCol="0" anchor="ctr"/>
+          <a:lstStyle/>
+          <a:p>
+            <a:pPr algn="ctr"/>
+            <a:r>
+              <a:rPr lang="en-US" dirty="0" err="1"/>
+              <a:t>SingleName</a:t>
+            </a:r>
+            <a:endParaRPr lang="en-US" dirty="0"/>
+          </a:p>
+          <a:p>
+            <a:pPr algn="ctr"/>
+            <a:r>
+              <a:rPr lang="en-US" dirty="0" err="1"/>
+              <a:t>React.memo</a:t>
+            </a:r>
+            <a:endParaRPr lang="en-US" dirty="0"/>
+          </a:p>
+        </p:txBody>
+      </p:sp>
+      <p:cxnSp>
+        <p:nvCxnSpPr>
+          <p:cNvPr id="8" name="Connector: Elbow 7">
+            <a:extLst>
+              <a:ext uri="{FF2B5EF4-FFF2-40B4-BE49-F238E27FC236}">
+                <a16:creationId xmlns:a16="http://schemas.microsoft.com/office/drawing/2014/main" id="{5222BBFF-64D7-418F-8EB3-A4D177EEB2F4}"/>
+              </a:ext>
+            </a:extLst>
+          </p:cNvPr>
+          <p:cNvCxnSpPr>
+            <a:cxnSpLocks/>
+            <a:stCxn id="4" idx="2"/>
+            <a:endCxn id="6" idx="0"/>
+          </p:cNvCxnSpPr>
+          <p:nvPr/>
+        </p:nvCxnSpPr>
+        <p:spPr>
+          <a:xfrm rot="16200000" flipH="1">
+            <a:off x="6966176" y="4075719"/>
+            <a:ext cx="520518" cy="1771193"/>
+          </a:xfrm>
+          <a:prstGeom prst="bentConnector3">
+            <a:avLst/>
+          </a:prstGeom>
+          <a:ln>
+            <a:tailEnd type="triangle"/>
+          </a:ln>
+        </p:spPr>
+        <p:style>
+          <a:lnRef idx="1">
+            <a:schemeClr val="accent1"/>
+          </a:lnRef>
+          <a:fillRef idx="0">
+            <a:schemeClr val="accent1"/>
+          </a:fillRef>
+          <a:effectRef idx="0">
+            <a:schemeClr val="accent1"/>
+          </a:effectRef>
+          <a:fontRef idx="minor">
+            <a:schemeClr val="tx1"/>
+          </a:fontRef>
+        </p:style>
+      </p:cxnSp>
+      <p:cxnSp>
+        <p:nvCxnSpPr>
+          <p:cNvPr id="11" name="Connector: Elbow 10">
+            <a:extLst>
+              <a:ext uri="{FF2B5EF4-FFF2-40B4-BE49-F238E27FC236}">
+                <a16:creationId xmlns:a16="http://schemas.microsoft.com/office/drawing/2014/main" id="{23007C76-E689-42FD-ADC6-43154FAA6EED}"/>
+              </a:ext>
+            </a:extLst>
+          </p:cNvPr>
+          <p:cNvCxnSpPr>
+            <a:stCxn id="4" idx="2"/>
+            <a:endCxn id="5" idx="0"/>
+          </p:cNvCxnSpPr>
+          <p:nvPr/>
+        </p:nvCxnSpPr>
+        <p:spPr>
+          <a:xfrm rot="5400000">
+            <a:off x="5147267" y="4034353"/>
+            <a:ext cx="526868" cy="1860277"/>
+          </a:xfrm>
+          <a:prstGeom prst="bentConnector3">
+            <a:avLst/>
+          </a:prstGeom>
+          <a:ln>
+            <a:tailEnd type="triangle"/>
+          </a:ln>
+        </p:spPr>
+        <p:style>
+          <a:lnRef idx="1">
+            <a:schemeClr val="accent1"/>
+          </a:lnRef>
+          <a:fillRef idx="0">
+            <a:schemeClr val="accent1"/>
+          </a:fillRef>
+          <a:effectRef idx="0">
+            <a:schemeClr val="accent1"/>
+          </a:effectRef>
+          <a:fontRef idx="minor">
+            <a:schemeClr val="tx1"/>
+          </a:fontRef>
+        </p:style>
+      </p:cxnSp>
+      <p:sp>
+        <p:nvSpPr>
+          <p:cNvPr id="26" name="Rectangle 25">
+            <a:extLst>
+              <a:ext uri="{FF2B5EF4-FFF2-40B4-BE49-F238E27FC236}">
+                <a16:creationId xmlns:a16="http://schemas.microsoft.com/office/drawing/2014/main" id="{78E91107-2425-4855-B2F3-D5F82F96EF91}"/>
+              </a:ext>
+            </a:extLst>
+          </p:cNvPr>
+          <p:cNvSpPr/>
+          <p:nvPr/>
+        </p:nvSpPr>
+        <p:spPr>
+          <a:xfrm>
+            <a:off x="5095513" y="2333323"/>
+            <a:ext cx="2490652" cy="1053737"/>
+          </a:xfrm>
+          <a:prstGeom prst="rect">
+            <a:avLst/>
+          </a:prstGeom>
+        </p:spPr>
+        <p:style>
+          <a:lnRef idx="2">
+            <a:schemeClr val="dk1">
+              <a:shade val="50000"/>
+            </a:schemeClr>
+          </a:lnRef>
+          <a:fillRef idx="1">
+            <a:schemeClr val="dk1"/>
+          </a:fillRef>
+          <a:effectRef idx="0">
+            <a:schemeClr val="dk1"/>
+          </a:effectRef>
+          <a:fontRef idx="minor">
+            <a:schemeClr val="lt1"/>
+          </a:fontRef>
+        </p:style>
+        <p:txBody>
+          <a:bodyPr rtlCol="0" anchor="ctr"/>
+          <a:lstStyle/>
+          <a:p>
+            <a:pPr algn="ctr"/>
+            <a:r>
+              <a:rPr lang="en-US" dirty="0"/>
+              <a:t>Parent</a:t>
+            </a:r>
+          </a:p>
+          <a:p>
+            <a:pPr algn="ctr"/>
+            <a:r>
+              <a:rPr lang="en-US" dirty="0" err="1"/>
+              <a:t>React.memo</a:t>
+            </a:r>
+            <a:endParaRPr lang="en-US" dirty="0"/>
+          </a:p>
+        </p:txBody>
+      </p:sp>
+      <p:cxnSp>
+        <p:nvCxnSpPr>
+          <p:cNvPr id="35" name="Straight Arrow Connector 34">
+            <a:extLst>
+              <a:ext uri="{FF2B5EF4-FFF2-40B4-BE49-F238E27FC236}">
+                <a16:creationId xmlns:a16="http://schemas.microsoft.com/office/drawing/2014/main" id="{B50E4B17-8544-40C7-91D3-7CF9A964BA83}"/>
+              </a:ext>
+            </a:extLst>
+          </p:cNvPr>
+          <p:cNvCxnSpPr>
+            <a:stCxn id="26" idx="2"/>
+            <a:endCxn id="4" idx="0"/>
+          </p:cNvCxnSpPr>
+          <p:nvPr/>
+        </p:nvCxnSpPr>
+        <p:spPr>
+          <a:xfrm>
+            <a:off x="6340839" y="3387060"/>
+            <a:ext cx="0" cy="260260"/>
+          </a:xfrm>
+          <a:prstGeom prst="straightConnector1">
+            <a:avLst/>
+          </a:prstGeom>
+          <a:ln>
+            <a:tailEnd type="triangle"/>
+          </a:ln>
+        </p:spPr>
+        <p:style>
+          <a:lnRef idx="1">
+            <a:schemeClr val="accent1"/>
+          </a:lnRef>
+          <a:fillRef idx="0">
+            <a:schemeClr val="accent1"/>
+          </a:fillRef>
+          <a:effectRef idx="0">
+            <a:schemeClr val="accent1"/>
+          </a:effectRef>
+          <a:fontRef idx="minor">
+            <a:schemeClr val="tx1"/>
+          </a:fontRef>
+        </p:style>
+      </p:cxnSp>
+      <p:sp>
+        <p:nvSpPr>
+          <p:cNvPr id="3" name="Номер слайда 2">
+            <a:extLst>
+              <a:ext uri="{FF2B5EF4-FFF2-40B4-BE49-F238E27FC236}">
+                <a16:creationId xmlns:a16="http://schemas.microsoft.com/office/drawing/2014/main" id="{CB520C9A-7765-4A6D-864A-847679D7F24E}"/>
               </a:ext>
             </a:extLst>
           </p:cNvPr>
@@ -13064,7 +13377,7 @@
     </p:spTree>
     <p:extLst>
       <p:ext uri="{BB962C8B-B14F-4D97-AF65-F5344CB8AC3E}">
-        <p14:creationId xmlns:p14="http://schemas.microsoft.com/office/powerpoint/2010/main" val="1410031772"/>
+        <p14:creationId xmlns:p14="http://schemas.microsoft.com/office/powerpoint/2010/main" val="2179950284"/>
       </p:ext>
     </p:extLst>
   </p:cSld>
@@ -13328,7 +13641,7 @@
           <p:cNvPr id="2" name="Заголовок 1">
             <a:extLst>
               <a:ext uri="{FF2B5EF4-FFF2-40B4-BE49-F238E27FC236}">
-                <a16:creationId xmlns:a16="http://schemas.microsoft.com/office/drawing/2014/main" id="{3A522856-C4E0-402C-92AD-D03D563A443F}"/>
+                <a16:creationId xmlns:a16="http://schemas.microsoft.com/office/drawing/2014/main" id="{7A488705-4B93-4ED6-8B21-0C3C5D06A2D5}"/>
               </a:ext>
             </a:extLst>
           </p:cNvPr>
@@ -13346,8 +13659,21 @@
           <a:p>
             <a:r>
               <a:rPr lang="ru-RU" dirty="0"/>
-              <a:t>Полезные ссылки</a:t>
-            </a:r>
+              <a:t>Обернем </a:t>
+            </a:r>
+            <a:r>
+              <a:rPr lang="en-US" dirty="0"/>
+              <a:t>memo(app)</a:t>
+            </a:r>
+            <a:r>
+              <a:rPr lang="ru-RU" dirty="0"/>
+              <a:t> в </a:t>
+            </a:r>
+            <a:r>
+              <a:rPr lang="en-US" dirty="0"/>
+              <a:t>connect</a:t>
+            </a:r>
+            <a:endParaRPr lang="ru-RU" dirty="0"/>
           </a:p>
         </p:txBody>
       </p:sp>
@@ -13356,7 +13682,7 @@
           <p:cNvPr id="3" name="Объект 2">
             <a:extLst>
               <a:ext uri="{FF2B5EF4-FFF2-40B4-BE49-F238E27FC236}">
-                <a16:creationId xmlns:a16="http://schemas.microsoft.com/office/drawing/2014/main" id="{D3C3D9D3-4628-4E29-8D2B-CB5FAB60E73D}"/>
+                <a16:creationId xmlns:a16="http://schemas.microsoft.com/office/drawing/2014/main" id="{AAD73EE9-45F8-4696-BE37-B617689F881D}"/>
               </a:ext>
             </a:extLst>
           </p:cNvPr>
@@ -13373,14 +13699,24 @@
           <a:lstStyle/>
           <a:p>
             <a:r>
-              <a:rPr lang="en-US" dirty="0">
-                <a:hlinkClick r:id="rId2"/>
-              </a:rPr>
-              <a:t>https://github.com/artem-gorokhovskii/PureComponent-VS-memo</a:t>
-            </a:r>
-            <a:r>
-              <a:rPr lang="ru-RU" dirty="0"/>
-              <a:t> – репозиторий с приложением, которое рассматривали в данном разделе.</a:t>
+              <a:rPr lang="ru-RU" dirty="0"/>
+              <a:t>После добавления обертки из </a:t>
+            </a:r>
+            <a:r>
+              <a:rPr lang="en-US" dirty="0"/>
+              <a:t>connect</a:t>
+            </a:r>
+            <a:r>
+              <a:rPr lang="ru-RU" dirty="0"/>
+              <a:t> вокруг </a:t>
+            </a:r>
+            <a:r>
+              <a:rPr lang="en-US" dirty="0" err="1"/>
+              <a:t>react.memo</a:t>
+            </a:r>
+            <a:r>
+              <a:rPr lang="ru-RU" dirty="0"/>
+              <a:t> дополнительных перерисовок не добавилось.</a:t>
             </a:r>
           </a:p>
         </p:txBody>
@@ -13390,7 +13726,7 @@
           <p:cNvPr id="4" name="Номер слайда 3">
             <a:extLst>
               <a:ext uri="{FF2B5EF4-FFF2-40B4-BE49-F238E27FC236}">
-                <a16:creationId xmlns:a16="http://schemas.microsoft.com/office/drawing/2014/main" id="{5041A5FC-B3AE-408A-8866-156C52909513}"/>
+                <a16:creationId xmlns:a16="http://schemas.microsoft.com/office/drawing/2014/main" id="{5EDCAB68-583F-4DBD-BDE1-17022FD20A42}"/>
               </a:ext>
             </a:extLst>
           </p:cNvPr>
@@ -13414,10 +13750,40 @@
           </a:p>
         </p:txBody>
       </p:sp>
+      <p:pic>
+        <p:nvPicPr>
+          <p:cNvPr id="5" name="Рисунок 4">
+            <a:extLst>
+              <a:ext uri="{FF2B5EF4-FFF2-40B4-BE49-F238E27FC236}">
+                <a16:creationId xmlns:a16="http://schemas.microsoft.com/office/drawing/2014/main" id="{7AA5496B-5169-4607-956B-A422E6052E9F}"/>
+              </a:ext>
+            </a:extLst>
+          </p:cNvPr>
+          <p:cNvPicPr>
+            <a:picLocks noChangeAspect="1"/>
+          </p:cNvPicPr>
+          <p:nvPr/>
+        </p:nvPicPr>
+        <p:blipFill>
+          <a:blip r:embed="rId2"/>
+          <a:stretch>
+            <a:fillRect/>
+          </a:stretch>
+        </p:blipFill>
+        <p:spPr>
+          <a:xfrm>
+            <a:off x="1581150" y="3507557"/>
+            <a:ext cx="9029700" cy="1476375"/>
+          </a:xfrm>
+          <a:prstGeom prst="rect">
+            <a:avLst/>
+          </a:prstGeom>
+        </p:spPr>
+      </p:pic>
     </p:spTree>
     <p:extLst>
       <p:ext uri="{BB962C8B-B14F-4D97-AF65-F5344CB8AC3E}">
-        <p14:creationId xmlns:p14="http://schemas.microsoft.com/office/powerpoint/2010/main" val="979466617"/>
+        <p14:creationId xmlns:p14="http://schemas.microsoft.com/office/powerpoint/2010/main" val="3166602334"/>
       </p:ext>
     </p:extLst>
   </p:cSld>
@@ -13430,14 +13796,6 @@
 <file path=ppt/slides/slide31.xml><?xml version="1.0" encoding="utf-8"?>
 <p:sld xmlns:a="http://schemas.openxmlformats.org/drawingml/2006/main" xmlns:r="http://schemas.openxmlformats.org/officeDocument/2006/relationships" xmlns:p="http://schemas.openxmlformats.org/presentationml/2006/main">
   <p:cSld>
-    <p:bg>
-      <p:bgPr>
-        <a:solidFill>
-          <a:schemeClr val="bg2"/>
-        </a:solidFill>
-        <a:effectLst/>
-      </p:bgPr>
-    </p:bg>
     <p:spTree>
       <p:nvGrpSpPr>
         <p:cNvPr id="1" name=""/>
@@ -13454,10 +13812,509 @@
       </p:grpSpPr>
       <p:sp>
         <p:nvSpPr>
-          <p:cNvPr id="3" name="Content Placeholder 2">
-            <a:extLst>
-              <a:ext uri="{FF2B5EF4-FFF2-40B4-BE49-F238E27FC236}">
-                <a16:creationId xmlns:a16="http://schemas.microsoft.com/office/drawing/2014/main" id="{98795A92-AB14-42C5-9537-09362C7125D6}"/>
+          <p:cNvPr id="2" name="Title 1">
+            <a:extLst>
+              <a:ext uri="{FF2B5EF4-FFF2-40B4-BE49-F238E27FC236}">
+                <a16:creationId xmlns:a16="http://schemas.microsoft.com/office/drawing/2014/main" id="{AB935D05-93F8-43F8-B5A5-A5D7E0390ABD}"/>
+              </a:ext>
+            </a:extLst>
+          </p:cNvPr>
+          <p:cNvSpPr>
+            <a:spLocks noGrp="1"/>
+          </p:cNvSpPr>
+          <p:nvPr>
+            <p:ph type="title"/>
+          </p:nvPr>
+        </p:nvSpPr>
+        <p:spPr/>
+        <p:txBody>
+          <a:bodyPr>
+            <a:normAutofit/>
+          </a:bodyPr>
+          <a:lstStyle/>
+          <a:p>
+            <a:r>
+              <a:rPr lang="ru-RU" dirty="0"/>
+              <a:t>Удалим </a:t>
+            </a:r>
+            <a:r>
+              <a:rPr lang="en-US" dirty="0"/>
+              <a:t>memo</a:t>
+            </a:r>
+            <a:r>
+              <a:rPr lang="ru-RU" dirty="0"/>
+              <a:t> из </a:t>
+            </a:r>
+            <a:r>
+              <a:rPr lang="en-US" dirty="0"/>
+              <a:t>app</a:t>
+            </a:r>
+          </a:p>
+        </p:txBody>
+      </p:sp>
+      <p:sp>
+        <p:nvSpPr>
+          <p:cNvPr id="4" name="Rectangle 3">
+            <a:extLst>
+              <a:ext uri="{FF2B5EF4-FFF2-40B4-BE49-F238E27FC236}">
+                <a16:creationId xmlns:a16="http://schemas.microsoft.com/office/drawing/2014/main" id="{31F8E340-F741-40C7-ADDD-A0E4E26D9C30}"/>
+              </a:ext>
+            </a:extLst>
+          </p:cNvPr>
+          <p:cNvSpPr/>
+          <p:nvPr/>
+        </p:nvSpPr>
+        <p:spPr>
+          <a:xfrm>
+            <a:off x="5095513" y="3647320"/>
+            <a:ext cx="2490652" cy="1053737"/>
+          </a:xfrm>
+          <a:prstGeom prst="rect">
+            <a:avLst/>
+          </a:prstGeom>
+        </p:spPr>
+        <p:style>
+          <a:lnRef idx="2">
+            <a:schemeClr val="accent1">
+              <a:shade val="50000"/>
+            </a:schemeClr>
+          </a:lnRef>
+          <a:fillRef idx="1">
+            <a:schemeClr val="accent1"/>
+          </a:fillRef>
+          <a:effectRef idx="0">
+            <a:schemeClr val="accent1"/>
+          </a:effectRef>
+          <a:fontRef idx="minor">
+            <a:schemeClr val="lt1"/>
+          </a:fontRef>
+        </p:style>
+        <p:txBody>
+          <a:bodyPr rtlCol="0" anchor="ctr"/>
+          <a:lstStyle/>
+          <a:p>
+            <a:pPr algn="ctr"/>
+            <a:r>
+              <a:rPr lang="en-US" dirty="0"/>
+              <a:t>App</a:t>
+            </a:r>
+            <a:endParaRPr lang="ru-RU" dirty="0"/>
+          </a:p>
+          <a:p>
+            <a:pPr algn="ctr"/>
+            <a:r>
+              <a:rPr lang="en-US" dirty="0"/>
+              <a:t>connect( FC )</a:t>
+            </a:r>
+          </a:p>
+        </p:txBody>
+      </p:sp>
+      <p:sp>
+        <p:nvSpPr>
+          <p:cNvPr id="5" name="Rectangle 4">
+            <a:extLst>
+              <a:ext uri="{FF2B5EF4-FFF2-40B4-BE49-F238E27FC236}">
+                <a16:creationId xmlns:a16="http://schemas.microsoft.com/office/drawing/2014/main" id="{865AEC67-0C30-44FF-8582-9C72295BC9D6}"/>
+              </a:ext>
+            </a:extLst>
+          </p:cNvPr>
+          <p:cNvSpPr/>
+          <p:nvPr/>
+        </p:nvSpPr>
+        <p:spPr>
+          <a:xfrm>
+            <a:off x="3235236" y="5227925"/>
+            <a:ext cx="2490652" cy="1053737"/>
+          </a:xfrm>
+          <a:prstGeom prst="rect">
+            <a:avLst/>
+          </a:prstGeom>
+        </p:spPr>
+        <p:style>
+          <a:lnRef idx="2">
+            <a:schemeClr val="accent4">
+              <a:shade val="50000"/>
+            </a:schemeClr>
+          </a:lnRef>
+          <a:fillRef idx="1">
+            <a:schemeClr val="accent4"/>
+          </a:fillRef>
+          <a:effectRef idx="0">
+            <a:schemeClr val="accent4"/>
+          </a:effectRef>
+          <a:fontRef idx="minor">
+            <a:schemeClr val="lt1"/>
+          </a:fontRef>
+        </p:style>
+        <p:txBody>
+          <a:bodyPr rtlCol="0" anchor="ctr"/>
+          <a:lstStyle/>
+          <a:p>
+            <a:pPr algn="ctr"/>
+            <a:r>
+              <a:rPr lang="en-US" dirty="0" err="1"/>
+              <a:t>ComponentWithNames</a:t>
+            </a:r>
+            <a:endParaRPr lang="en-US" dirty="0"/>
+          </a:p>
+          <a:p>
+            <a:pPr algn="ctr"/>
+            <a:r>
+              <a:rPr lang="en-US" dirty="0" err="1"/>
+              <a:t>React.memo</a:t>
+            </a:r>
+            <a:endParaRPr lang="en-US" dirty="0"/>
+          </a:p>
+        </p:txBody>
+      </p:sp>
+      <p:sp>
+        <p:nvSpPr>
+          <p:cNvPr id="6" name="Rectangle 5">
+            <a:extLst>
+              <a:ext uri="{FF2B5EF4-FFF2-40B4-BE49-F238E27FC236}">
+                <a16:creationId xmlns:a16="http://schemas.microsoft.com/office/drawing/2014/main" id="{36FBB88C-78FB-469E-83B4-A972A90F7CE8}"/>
+              </a:ext>
+            </a:extLst>
+          </p:cNvPr>
+          <p:cNvSpPr/>
+          <p:nvPr/>
+        </p:nvSpPr>
+        <p:spPr>
+          <a:xfrm>
+            <a:off x="6866706" y="5221575"/>
+            <a:ext cx="2490652" cy="1053737"/>
+          </a:xfrm>
+          <a:prstGeom prst="rect">
+            <a:avLst/>
+          </a:prstGeom>
+        </p:spPr>
+        <p:style>
+          <a:lnRef idx="2">
+            <a:schemeClr val="accent4">
+              <a:shade val="50000"/>
+            </a:schemeClr>
+          </a:lnRef>
+          <a:fillRef idx="1">
+            <a:schemeClr val="accent4"/>
+          </a:fillRef>
+          <a:effectRef idx="0">
+            <a:schemeClr val="accent4"/>
+          </a:effectRef>
+          <a:fontRef idx="minor">
+            <a:schemeClr val="lt1"/>
+          </a:fontRef>
+        </p:style>
+        <p:txBody>
+          <a:bodyPr rtlCol="0" anchor="ctr"/>
+          <a:lstStyle/>
+          <a:p>
+            <a:pPr algn="ctr"/>
+            <a:r>
+              <a:rPr lang="en-US" dirty="0" err="1"/>
+              <a:t>SingleName</a:t>
+            </a:r>
+            <a:endParaRPr lang="en-US" dirty="0"/>
+          </a:p>
+          <a:p>
+            <a:pPr algn="ctr"/>
+            <a:r>
+              <a:rPr lang="en-US" dirty="0" err="1"/>
+              <a:t>React.memo</a:t>
+            </a:r>
+            <a:endParaRPr lang="en-US" dirty="0"/>
+          </a:p>
+        </p:txBody>
+      </p:sp>
+      <p:cxnSp>
+        <p:nvCxnSpPr>
+          <p:cNvPr id="8" name="Connector: Elbow 7">
+            <a:extLst>
+              <a:ext uri="{FF2B5EF4-FFF2-40B4-BE49-F238E27FC236}">
+                <a16:creationId xmlns:a16="http://schemas.microsoft.com/office/drawing/2014/main" id="{5222BBFF-64D7-418F-8EB3-A4D177EEB2F4}"/>
+              </a:ext>
+            </a:extLst>
+          </p:cNvPr>
+          <p:cNvCxnSpPr>
+            <a:cxnSpLocks/>
+            <a:stCxn id="4" idx="2"/>
+            <a:endCxn id="6" idx="0"/>
+          </p:cNvCxnSpPr>
+          <p:nvPr/>
+        </p:nvCxnSpPr>
+        <p:spPr>
+          <a:xfrm rot="16200000" flipH="1">
+            <a:off x="6966176" y="4075719"/>
+            <a:ext cx="520518" cy="1771193"/>
+          </a:xfrm>
+          <a:prstGeom prst="bentConnector3">
+            <a:avLst/>
+          </a:prstGeom>
+          <a:ln>
+            <a:tailEnd type="triangle"/>
+          </a:ln>
+        </p:spPr>
+        <p:style>
+          <a:lnRef idx="1">
+            <a:schemeClr val="accent1"/>
+          </a:lnRef>
+          <a:fillRef idx="0">
+            <a:schemeClr val="accent1"/>
+          </a:fillRef>
+          <a:effectRef idx="0">
+            <a:schemeClr val="accent1"/>
+          </a:effectRef>
+          <a:fontRef idx="minor">
+            <a:schemeClr val="tx1"/>
+          </a:fontRef>
+        </p:style>
+      </p:cxnSp>
+      <p:cxnSp>
+        <p:nvCxnSpPr>
+          <p:cNvPr id="11" name="Connector: Elbow 10">
+            <a:extLst>
+              <a:ext uri="{FF2B5EF4-FFF2-40B4-BE49-F238E27FC236}">
+                <a16:creationId xmlns:a16="http://schemas.microsoft.com/office/drawing/2014/main" id="{23007C76-E689-42FD-ADC6-43154FAA6EED}"/>
+              </a:ext>
+            </a:extLst>
+          </p:cNvPr>
+          <p:cNvCxnSpPr>
+            <a:stCxn id="4" idx="2"/>
+            <a:endCxn id="5" idx="0"/>
+          </p:cNvCxnSpPr>
+          <p:nvPr/>
+        </p:nvCxnSpPr>
+        <p:spPr>
+          <a:xfrm rot="5400000">
+            <a:off x="5147267" y="4034353"/>
+            <a:ext cx="526868" cy="1860277"/>
+          </a:xfrm>
+          <a:prstGeom prst="bentConnector3">
+            <a:avLst/>
+          </a:prstGeom>
+          <a:ln>
+            <a:tailEnd type="triangle"/>
+          </a:ln>
+        </p:spPr>
+        <p:style>
+          <a:lnRef idx="1">
+            <a:schemeClr val="accent1"/>
+          </a:lnRef>
+          <a:fillRef idx="0">
+            <a:schemeClr val="accent1"/>
+          </a:fillRef>
+          <a:effectRef idx="0">
+            <a:schemeClr val="accent1"/>
+          </a:effectRef>
+          <a:fontRef idx="minor">
+            <a:schemeClr val="tx1"/>
+          </a:fontRef>
+        </p:style>
+      </p:cxnSp>
+      <p:sp>
+        <p:nvSpPr>
+          <p:cNvPr id="26" name="Rectangle 25">
+            <a:extLst>
+              <a:ext uri="{FF2B5EF4-FFF2-40B4-BE49-F238E27FC236}">
+                <a16:creationId xmlns:a16="http://schemas.microsoft.com/office/drawing/2014/main" id="{78E91107-2425-4855-B2F3-D5F82F96EF91}"/>
+              </a:ext>
+            </a:extLst>
+          </p:cNvPr>
+          <p:cNvSpPr/>
+          <p:nvPr/>
+        </p:nvSpPr>
+        <p:spPr>
+          <a:xfrm>
+            <a:off x="5095513" y="2333323"/>
+            <a:ext cx="2490652" cy="1053737"/>
+          </a:xfrm>
+          <a:prstGeom prst="rect">
+            <a:avLst/>
+          </a:prstGeom>
+        </p:spPr>
+        <p:style>
+          <a:lnRef idx="2">
+            <a:schemeClr val="dk1">
+              <a:shade val="50000"/>
+            </a:schemeClr>
+          </a:lnRef>
+          <a:fillRef idx="1">
+            <a:schemeClr val="dk1"/>
+          </a:fillRef>
+          <a:effectRef idx="0">
+            <a:schemeClr val="dk1"/>
+          </a:effectRef>
+          <a:fontRef idx="minor">
+            <a:schemeClr val="lt1"/>
+          </a:fontRef>
+        </p:style>
+        <p:txBody>
+          <a:bodyPr rtlCol="0" anchor="ctr"/>
+          <a:lstStyle/>
+          <a:p>
+            <a:pPr algn="ctr"/>
+            <a:r>
+              <a:rPr lang="en-US" dirty="0"/>
+              <a:t>Parent</a:t>
+            </a:r>
+          </a:p>
+          <a:p>
+            <a:pPr algn="ctr"/>
+            <a:r>
+              <a:rPr lang="en-US" dirty="0" err="1"/>
+              <a:t>React.memo</a:t>
+            </a:r>
+            <a:endParaRPr lang="en-US" dirty="0"/>
+          </a:p>
+        </p:txBody>
+      </p:sp>
+      <p:cxnSp>
+        <p:nvCxnSpPr>
+          <p:cNvPr id="35" name="Straight Arrow Connector 34">
+            <a:extLst>
+              <a:ext uri="{FF2B5EF4-FFF2-40B4-BE49-F238E27FC236}">
+                <a16:creationId xmlns:a16="http://schemas.microsoft.com/office/drawing/2014/main" id="{B50E4B17-8544-40C7-91D3-7CF9A964BA83}"/>
+              </a:ext>
+            </a:extLst>
+          </p:cNvPr>
+          <p:cNvCxnSpPr>
+            <a:stCxn id="26" idx="2"/>
+            <a:endCxn id="4" idx="0"/>
+          </p:cNvCxnSpPr>
+          <p:nvPr/>
+        </p:nvCxnSpPr>
+        <p:spPr>
+          <a:xfrm>
+            <a:off x="6340839" y="3387060"/>
+            <a:ext cx="0" cy="260260"/>
+          </a:xfrm>
+          <a:prstGeom prst="straightConnector1">
+            <a:avLst/>
+          </a:prstGeom>
+          <a:ln>
+            <a:tailEnd type="triangle"/>
+          </a:ln>
+        </p:spPr>
+        <p:style>
+          <a:lnRef idx="1">
+            <a:schemeClr val="accent1"/>
+          </a:lnRef>
+          <a:fillRef idx="0">
+            <a:schemeClr val="accent1"/>
+          </a:fillRef>
+          <a:effectRef idx="0">
+            <a:schemeClr val="accent1"/>
+          </a:effectRef>
+          <a:fontRef idx="minor">
+            <a:schemeClr val="tx1"/>
+          </a:fontRef>
+        </p:style>
+      </p:cxnSp>
+      <p:sp>
+        <p:nvSpPr>
+          <p:cNvPr id="3" name="Номер слайда 2">
+            <a:extLst>
+              <a:ext uri="{FF2B5EF4-FFF2-40B4-BE49-F238E27FC236}">
+                <a16:creationId xmlns:a16="http://schemas.microsoft.com/office/drawing/2014/main" id="{CB520C9A-7765-4A6D-864A-847679D7F24E}"/>
+              </a:ext>
+            </a:extLst>
+          </p:cNvPr>
+          <p:cNvSpPr>
+            <a:spLocks noGrp="1"/>
+          </p:cNvSpPr>
+          <p:nvPr>
+            <p:ph type="sldNum" sz="quarter" idx="12"/>
+          </p:nvPr>
+        </p:nvSpPr>
+        <p:spPr/>
+        <p:txBody>
+          <a:bodyPr/>
+          <a:lstStyle/>
+          <a:p>
+            <a:fld id="{2AA06E25-3985-4D43-9B6C-C0B92CD594CF}" type="slidenum">
+              <a:rPr lang="en-US" smtClean="0"/>
+              <a:t>31</a:t>
+            </a:fld>
+            <a:endParaRPr lang="en-US"/>
+          </a:p>
+        </p:txBody>
+      </p:sp>
+    </p:spTree>
+    <p:extLst>
+      <p:ext uri="{BB962C8B-B14F-4D97-AF65-F5344CB8AC3E}">
+        <p14:creationId xmlns:p14="http://schemas.microsoft.com/office/powerpoint/2010/main" val="3772754461"/>
+      </p:ext>
+    </p:extLst>
+  </p:cSld>
+  <p:clrMapOvr>
+    <a:masterClrMapping/>
+  </p:clrMapOvr>
+</p:sld>
+</file>
+
+<file path=ppt/slides/slide32.xml><?xml version="1.0" encoding="utf-8"?>
+<p:sld xmlns:a="http://schemas.openxmlformats.org/drawingml/2006/main" xmlns:r="http://schemas.openxmlformats.org/officeDocument/2006/relationships" xmlns:p="http://schemas.openxmlformats.org/presentationml/2006/main">
+  <p:cSld>
+    <p:spTree>
+      <p:nvGrpSpPr>
+        <p:cNvPr id="1" name=""/>
+        <p:cNvGrpSpPr/>
+        <p:nvPr/>
+      </p:nvGrpSpPr>
+      <p:grpSpPr>
+        <a:xfrm>
+          <a:off x="0" y="0"/>
+          <a:ext cx="0" cy="0"/>
+          <a:chOff x="0" y="0"/>
+          <a:chExt cx="0" cy="0"/>
+        </a:xfrm>
+      </p:grpSpPr>
+      <p:sp>
+        <p:nvSpPr>
+          <p:cNvPr id="2" name="Заголовок 1">
+            <a:extLst>
+              <a:ext uri="{FF2B5EF4-FFF2-40B4-BE49-F238E27FC236}">
+                <a16:creationId xmlns:a16="http://schemas.microsoft.com/office/drawing/2014/main" id="{2B8F5D30-29A7-477F-8188-A61395BCCC68}"/>
+              </a:ext>
+            </a:extLst>
+          </p:cNvPr>
+          <p:cNvSpPr>
+            <a:spLocks noGrp="1"/>
+          </p:cNvSpPr>
+          <p:nvPr>
+            <p:ph type="title"/>
+          </p:nvPr>
+        </p:nvSpPr>
+        <p:spPr/>
+        <p:txBody>
+          <a:bodyPr/>
+          <a:lstStyle/>
+          <a:p>
+            <a:r>
+              <a:rPr lang="ru-RU" dirty="0"/>
+              <a:t>Удалим </a:t>
+            </a:r>
+            <a:r>
+              <a:rPr lang="en-US" dirty="0"/>
+              <a:t>memo</a:t>
+            </a:r>
+            <a:r>
+              <a:rPr lang="ru-RU" dirty="0"/>
+              <a:t> из </a:t>
+            </a:r>
+            <a:r>
+              <a:rPr lang="en-US" dirty="0"/>
+              <a:t>app</a:t>
+            </a:r>
+            <a:endParaRPr lang="ru-RU" dirty="0"/>
+          </a:p>
+        </p:txBody>
+      </p:sp>
+      <p:sp>
+        <p:nvSpPr>
+          <p:cNvPr id="3" name="Объект 2">
+            <a:extLst>
+              <a:ext uri="{FF2B5EF4-FFF2-40B4-BE49-F238E27FC236}">
+                <a16:creationId xmlns:a16="http://schemas.microsoft.com/office/drawing/2014/main" id="{F53C3DDF-F7BB-4322-A469-08D9FB85BC4F}"/>
               </a:ext>
             </a:extLst>
           </p:cNvPr>
@@ -13468,30 +14325,53 @@
             <p:ph idx="1"/>
           </p:nvPr>
         </p:nvSpPr>
-        <p:spPr>
-          <a:xfrm>
-            <a:off x="3755635" y="1145695"/>
-            <a:ext cx="4680729" cy="4566609"/>
-          </a:xfrm>
-        </p:spPr>
-        <p:txBody>
-          <a:bodyPr anchor="ctr">
-            <a:normAutofit/>
-          </a:bodyPr>
-          <a:lstStyle/>
-          <a:p>
-            <a:pPr marL="0" indent="0" algn="ctr">
-              <a:buNone/>
-            </a:pPr>
-            <a:r>
-              <a:rPr lang="en-US" sz="6600" dirty="0">
-                <a:solidFill>
-                  <a:srgbClr val="2A1A00"/>
-                </a:solidFill>
-              </a:rPr>
-              <a:t>HAPPY END</a:t>
-            </a:r>
-            <a:endParaRPr lang="en-US" sz="6600" dirty="0"/>
+        <p:spPr/>
+        <p:txBody>
+          <a:bodyPr/>
+          <a:lstStyle/>
+          <a:p>
+            <a:r>
+              <a:rPr lang="ru-RU" dirty="0"/>
+              <a:t>У нас осталась цепочка </a:t>
+            </a:r>
+            <a:r>
+              <a:rPr lang="en-US" dirty="0"/>
+              <a:t>connect()(App)</a:t>
+            </a:r>
+            <a:r>
+              <a:rPr lang="ru-RU" dirty="0"/>
+              <a:t>. </a:t>
+            </a:r>
+            <a:r>
+              <a:rPr lang="en-US" dirty="0"/>
+              <a:t>App – </a:t>
+            </a:r>
+            <a:r>
+              <a:rPr lang="ru-RU" dirty="0"/>
+              <a:t>функциональный компонент и каждый раз, когда у родителя вызывается </a:t>
+            </a:r>
+            <a:r>
+              <a:rPr lang="en-US" dirty="0"/>
+              <a:t>render() – render()</a:t>
+            </a:r>
+            <a:r>
+              <a:rPr lang="ru-RU" dirty="0"/>
+              <a:t> также вызывается и у дочернего компонента.</a:t>
+            </a:r>
+          </a:p>
+          <a:p>
+            <a:r>
+              <a:rPr lang="ru-RU" dirty="0"/>
+              <a:t>При использовании </a:t>
+            </a:r>
+            <a:r>
+              <a:rPr lang="en-US" dirty="0"/>
+              <a:t>connect()</a:t>
+            </a:r>
+            <a:r>
+              <a:rPr lang="ru-RU" dirty="0"/>
+              <a:t> у нас не было повторной перерисовки.</a:t>
+            </a:r>
           </a:p>
         </p:txBody>
       </p:sp>
@@ -13500,7 +14380,7 @@
           <p:cNvPr id="4" name="Номер слайда 3">
             <a:extLst>
               <a:ext uri="{FF2B5EF4-FFF2-40B4-BE49-F238E27FC236}">
-                <a16:creationId xmlns:a16="http://schemas.microsoft.com/office/drawing/2014/main" id="{52D6834C-44CE-4D70-A739-8D35D5C1CA3D}"/>
+                <a16:creationId xmlns:a16="http://schemas.microsoft.com/office/drawing/2014/main" id="{D6C83E28-95B3-43EE-8DAC-EED4675C15A5}"/>
               </a:ext>
             </a:extLst>
           </p:cNvPr>
@@ -13518,16 +14398,2364 @@
           <a:p>
             <a:fld id="{2AA06E25-3985-4D43-9B6C-C0B92CD594CF}" type="slidenum">
               <a:rPr lang="en-US" smtClean="0"/>
-              <a:t>31</a:t>
+              <a:t>32</a:t>
             </a:fld>
             <a:endParaRPr lang="en-US"/>
           </a:p>
         </p:txBody>
       </p:sp>
+      <p:pic>
+        <p:nvPicPr>
+          <p:cNvPr id="6" name="Рисунок 5">
+            <a:extLst>
+              <a:ext uri="{FF2B5EF4-FFF2-40B4-BE49-F238E27FC236}">
+                <a16:creationId xmlns:a16="http://schemas.microsoft.com/office/drawing/2014/main" id="{5F5049CE-35BE-4FD1-AFAC-B66A898937D5}"/>
+              </a:ext>
+            </a:extLst>
+          </p:cNvPr>
+          <p:cNvPicPr>
+            <a:picLocks noChangeAspect="1"/>
+          </p:cNvPicPr>
+          <p:nvPr/>
+        </p:nvPicPr>
+        <p:blipFill>
+          <a:blip r:embed="rId2"/>
+          <a:stretch>
+            <a:fillRect/>
+          </a:stretch>
+        </p:blipFill>
+        <p:spPr>
+          <a:xfrm>
+            <a:off x="1538287" y="3898786"/>
+            <a:ext cx="9115425" cy="1485900"/>
+          </a:xfrm>
+          <a:prstGeom prst="rect">
+            <a:avLst/>
+          </a:prstGeom>
+        </p:spPr>
+      </p:pic>
     </p:spTree>
     <p:extLst>
       <p:ext uri="{BB962C8B-B14F-4D97-AF65-F5344CB8AC3E}">
-        <p14:creationId xmlns:p14="http://schemas.microsoft.com/office/powerpoint/2010/main" val="4028498217"/>
+        <p14:creationId xmlns:p14="http://schemas.microsoft.com/office/powerpoint/2010/main" val="3373946499"/>
+      </p:ext>
+    </p:extLst>
+  </p:cSld>
+  <p:clrMapOvr>
+    <a:masterClrMapping/>
+  </p:clrMapOvr>
+</p:sld>
+</file>
+
+<file path=ppt/slides/slide33.xml><?xml version="1.0" encoding="utf-8"?>
+<p:sld xmlns:a="http://schemas.openxmlformats.org/drawingml/2006/main" xmlns:r="http://schemas.openxmlformats.org/officeDocument/2006/relationships" xmlns:p="http://schemas.openxmlformats.org/presentationml/2006/main">
+  <p:cSld>
+    <p:spTree>
+      <p:nvGrpSpPr>
+        <p:cNvPr id="1" name=""/>
+        <p:cNvGrpSpPr/>
+        <p:nvPr/>
+      </p:nvGrpSpPr>
+      <p:grpSpPr>
+        <a:xfrm>
+          <a:off x="0" y="0"/>
+          <a:ext cx="0" cy="0"/>
+          <a:chOff x="0" y="0"/>
+          <a:chExt cx="0" cy="0"/>
+        </a:xfrm>
+      </p:grpSpPr>
+      <p:sp>
+        <p:nvSpPr>
+          <p:cNvPr id="2" name="Title 1">
+            <a:extLst>
+              <a:ext uri="{FF2B5EF4-FFF2-40B4-BE49-F238E27FC236}">
+                <a16:creationId xmlns:a16="http://schemas.microsoft.com/office/drawing/2014/main" id="{AB935D05-93F8-43F8-B5A5-A5D7E0390ABD}"/>
+              </a:ext>
+            </a:extLst>
+          </p:cNvPr>
+          <p:cNvSpPr>
+            <a:spLocks noGrp="1"/>
+          </p:cNvSpPr>
+          <p:nvPr>
+            <p:ph type="title"/>
+          </p:nvPr>
+        </p:nvSpPr>
+        <p:spPr/>
+        <p:txBody>
+          <a:bodyPr>
+            <a:normAutofit/>
+          </a:bodyPr>
+          <a:lstStyle/>
+          <a:p>
+            <a:r>
+              <a:rPr lang="ru-RU" dirty="0"/>
+              <a:t>Заменим </a:t>
+            </a:r>
+            <a:r>
+              <a:rPr lang="en-US" dirty="0"/>
+              <a:t>functional component </a:t>
+            </a:r>
+            <a:r>
+              <a:rPr lang="ru-RU" dirty="0"/>
+              <a:t>на </a:t>
+            </a:r>
+            <a:r>
+              <a:rPr lang="en-US" dirty="0"/>
+              <a:t>component </a:t>
+            </a:r>
+            <a:r>
+              <a:rPr lang="ru-RU" dirty="0"/>
+              <a:t>(в </a:t>
+            </a:r>
+            <a:r>
+              <a:rPr lang="en-US" dirty="0"/>
+              <a:t>app)</a:t>
+            </a:r>
+          </a:p>
+        </p:txBody>
+      </p:sp>
+      <p:sp>
+        <p:nvSpPr>
+          <p:cNvPr id="4" name="Rectangle 3">
+            <a:extLst>
+              <a:ext uri="{FF2B5EF4-FFF2-40B4-BE49-F238E27FC236}">
+                <a16:creationId xmlns:a16="http://schemas.microsoft.com/office/drawing/2014/main" id="{31F8E340-F741-40C7-ADDD-A0E4E26D9C30}"/>
+              </a:ext>
+            </a:extLst>
+          </p:cNvPr>
+          <p:cNvSpPr/>
+          <p:nvPr/>
+        </p:nvSpPr>
+        <p:spPr>
+          <a:xfrm>
+            <a:off x="5095513" y="3647320"/>
+            <a:ext cx="2490652" cy="1053737"/>
+          </a:xfrm>
+          <a:prstGeom prst="rect">
+            <a:avLst/>
+          </a:prstGeom>
+        </p:spPr>
+        <p:style>
+          <a:lnRef idx="2">
+            <a:schemeClr val="accent1">
+              <a:shade val="50000"/>
+            </a:schemeClr>
+          </a:lnRef>
+          <a:fillRef idx="1">
+            <a:schemeClr val="accent1"/>
+          </a:fillRef>
+          <a:effectRef idx="0">
+            <a:schemeClr val="accent1"/>
+          </a:effectRef>
+          <a:fontRef idx="minor">
+            <a:schemeClr val="lt1"/>
+          </a:fontRef>
+        </p:style>
+        <p:txBody>
+          <a:bodyPr rtlCol="0" anchor="ctr"/>
+          <a:lstStyle/>
+          <a:p>
+            <a:pPr algn="ctr"/>
+            <a:r>
+              <a:rPr lang="en-US" dirty="0"/>
+              <a:t>App</a:t>
+            </a:r>
+            <a:endParaRPr lang="ru-RU" dirty="0"/>
+          </a:p>
+          <a:p>
+            <a:pPr algn="ctr"/>
+            <a:r>
+              <a:rPr lang="en-US" dirty="0"/>
+              <a:t>connect( Component )</a:t>
+            </a:r>
+          </a:p>
+        </p:txBody>
+      </p:sp>
+      <p:sp>
+        <p:nvSpPr>
+          <p:cNvPr id="5" name="Rectangle 4">
+            <a:extLst>
+              <a:ext uri="{FF2B5EF4-FFF2-40B4-BE49-F238E27FC236}">
+                <a16:creationId xmlns:a16="http://schemas.microsoft.com/office/drawing/2014/main" id="{865AEC67-0C30-44FF-8582-9C72295BC9D6}"/>
+              </a:ext>
+            </a:extLst>
+          </p:cNvPr>
+          <p:cNvSpPr/>
+          <p:nvPr/>
+        </p:nvSpPr>
+        <p:spPr>
+          <a:xfrm>
+            <a:off x="3235236" y="5227925"/>
+            <a:ext cx="2490652" cy="1053737"/>
+          </a:xfrm>
+          <a:prstGeom prst="rect">
+            <a:avLst/>
+          </a:prstGeom>
+        </p:spPr>
+        <p:style>
+          <a:lnRef idx="2">
+            <a:schemeClr val="accent4">
+              <a:shade val="50000"/>
+            </a:schemeClr>
+          </a:lnRef>
+          <a:fillRef idx="1">
+            <a:schemeClr val="accent4"/>
+          </a:fillRef>
+          <a:effectRef idx="0">
+            <a:schemeClr val="accent4"/>
+          </a:effectRef>
+          <a:fontRef idx="minor">
+            <a:schemeClr val="lt1"/>
+          </a:fontRef>
+        </p:style>
+        <p:txBody>
+          <a:bodyPr rtlCol="0" anchor="ctr"/>
+          <a:lstStyle/>
+          <a:p>
+            <a:pPr algn="ctr"/>
+            <a:r>
+              <a:rPr lang="en-US" dirty="0" err="1"/>
+              <a:t>ComponentWithNames</a:t>
+            </a:r>
+            <a:endParaRPr lang="en-US" dirty="0"/>
+          </a:p>
+          <a:p>
+            <a:pPr algn="ctr"/>
+            <a:r>
+              <a:rPr lang="en-US" dirty="0" err="1"/>
+              <a:t>React.memo</a:t>
+            </a:r>
+            <a:endParaRPr lang="en-US" dirty="0"/>
+          </a:p>
+        </p:txBody>
+      </p:sp>
+      <p:sp>
+        <p:nvSpPr>
+          <p:cNvPr id="6" name="Rectangle 5">
+            <a:extLst>
+              <a:ext uri="{FF2B5EF4-FFF2-40B4-BE49-F238E27FC236}">
+                <a16:creationId xmlns:a16="http://schemas.microsoft.com/office/drawing/2014/main" id="{36FBB88C-78FB-469E-83B4-A972A90F7CE8}"/>
+              </a:ext>
+            </a:extLst>
+          </p:cNvPr>
+          <p:cNvSpPr/>
+          <p:nvPr/>
+        </p:nvSpPr>
+        <p:spPr>
+          <a:xfrm>
+            <a:off x="6866706" y="5221575"/>
+            <a:ext cx="2490652" cy="1053737"/>
+          </a:xfrm>
+          <a:prstGeom prst="rect">
+            <a:avLst/>
+          </a:prstGeom>
+        </p:spPr>
+        <p:style>
+          <a:lnRef idx="2">
+            <a:schemeClr val="accent4">
+              <a:shade val="50000"/>
+            </a:schemeClr>
+          </a:lnRef>
+          <a:fillRef idx="1">
+            <a:schemeClr val="accent4"/>
+          </a:fillRef>
+          <a:effectRef idx="0">
+            <a:schemeClr val="accent4"/>
+          </a:effectRef>
+          <a:fontRef idx="minor">
+            <a:schemeClr val="lt1"/>
+          </a:fontRef>
+        </p:style>
+        <p:txBody>
+          <a:bodyPr rtlCol="0" anchor="ctr"/>
+          <a:lstStyle/>
+          <a:p>
+            <a:pPr algn="ctr"/>
+            <a:r>
+              <a:rPr lang="en-US" dirty="0" err="1"/>
+              <a:t>SingleName</a:t>
+            </a:r>
+            <a:endParaRPr lang="en-US" dirty="0"/>
+          </a:p>
+          <a:p>
+            <a:pPr algn="ctr"/>
+            <a:r>
+              <a:rPr lang="en-US" dirty="0" err="1"/>
+              <a:t>React.memo</a:t>
+            </a:r>
+            <a:endParaRPr lang="en-US" dirty="0"/>
+          </a:p>
+        </p:txBody>
+      </p:sp>
+      <p:cxnSp>
+        <p:nvCxnSpPr>
+          <p:cNvPr id="8" name="Connector: Elbow 7">
+            <a:extLst>
+              <a:ext uri="{FF2B5EF4-FFF2-40B4-BE49-F238E27FC236}">
+                <a16:creationId xmlns:a16="http://schemas.microsoft.com/office/drawing/2014/main" id="{5222BBFF-64D7-418F-8EB3-A4D177EEB2F4}"/>
+              </a:ext>
+            </a:extLst>
+          </p:cNvPr>
+          <p:cNvCxnSpPr>
+            <a:cxnSpLocks/>
+            <a:stCxn id="4" idx="2"/>
+            <a:endCxn id="6" idx="0"/>
+          </p:cNvCxnSpPr>
+          <p:nvPr/>
+        </p:nvCxnSpPr>
+        <p:spPr>
+          <a:xfrm rot="16200000" flipH="1">
+            <a:off x="6966176" y="4075719"/>
+            <a:ext cx="520518" cy="1771193"/>
+          </a:xfrm>
+          <a:prstGeom prst="bentConnector3">
+            <a:avLst/>
+          </a:prstGeom>
+          <a:ln>
+            <a:tailEnd type="triangle"/>
+          </a:ln>
+        </p:spPr>
+        <p:style>
+          <a:lnRef idx="1">
+            <a:schemeClr val="accent1"/>
+          </a:lnRef>
+          <a:fillRef idx="0">
+            <a:schemeClr val="accent1"/>
+          </a:fillRef>
+          <a:effectRef idx="0">
+            <a:schemeClr val="accent1"/>
+          </a:effectRef>
+          <a:fontRef idx="minor">
+            <a:schemeClr val="tx1"/>
+          </a:fontRef>
+        </p:style>
+      </p:cxnSp>
+      <p:cxnSp>
+        <p:nvCxnSpPr>
+          <p:cNvPr id="11" name="Connector: Elbow 10">
+            <a:extLst>
+              <a:ext uri="{FF2B5EF4-FFF2-40B4-BE49-F238E27FC236}">
+                <a16:creationId xmlns:a16="http://schemas.microsoft.com/office/drawing/2014/main" id="{23007C76-E689-42FD-ADC6-43154FAA6EED}"/>
+              </a:ext>
+            </a:extLst>
+          </p:cNvPr>
+          <p:cNvCxnSpPr>
+            <a:stCxn id="4" idx="2"/>
+            <a:endCxn id="5" idx="0"/>
+          </p:cNvCxnSpPr>
+          <p:nvPr/>
+        </p:nvCxnSpPr>
+        <p:spPr>
+          <a:xfrm rot="5400000">
+            <a:off x="5147267" y="4034353"/>
+            <a:ext cx="526868" cy="1860277"/>
+          </a:xfrm>
+          <a:prstGeom prst="bentConnector3">
+            <a:avLst/>
+          </a:prstGeom>
+          <a:ln>
+            <a:tailEnd type="triangle"/>
+          </a:ln>
+        </p:spPr>
+        <p:style>
+          <a:lnRef idx="1">
+            <a:schemeClr val="accent1"/>
+          </a:lnRef>
+          <a:fillRef idx="0">
+            <a:schemeClr val="accent1"/>
+          </a:fillRef>
+          <a:effectRef idx="0">
+            <a:schemeClr val="accent1"/>
+          </a:effectRef>
+          <a:fontRef idx="minor">
+            <a:schemeClr val="tx1"/>
+          </a:fontRef>
+        </p:style>
+      </p:cxnSp>
+      <p:sp>
+        <p:nvSpPr>
+          <p:cNvPr id="26" name="Rectangle 25">
+            <a:extLst>
+              <a:ext uri="{FF2B5EF4-FFF2-40B4-BE49-F238E27FC236}">
+                <a16:creationId xmlns:a16="http://schemas.microsoft.com/office/drawing/2014/main" id="{78E91107-2425-4855-B2F3-D5F82F96EF91}"/>
+              </a:ext>
+            </a:extLst>
+          </p:cNvPr>
+          <p:cNvSpPr/>
+          <p:nvPr/>
+        </p:nvSpPr>
+        <p:spPr>
+          <a:xfrm>
+            <a:off x="5095513" y="2333323"/>
+            <a:ext cx="2490652" cy="1053737"/>
+          </a:xfrm>
+          <a:prstGeom prst="rect">
+            <a:avLst/>
+          </a:prstGeom>
+        </p:spPr>
+        <p:style>
+          <a:lnRef idx="2">
+            <a:schemeClr val="dk1">
+              <a:shade val="50000"/>
+            </a:schemeClr>
+          </a:lnRef>
+          <a:fillRef idx="1">
+            <a:schemeClr val="dk1"/>
+          </a:fillRef>
+          <a:effectRef idx="0">
+            <a:schemeClr val="dk1"/>
+          </a:effectRef>
+          <a:fontRef idx="minor">
+            <a:schemeClr val="lt1"/>
+          </a:fontRef>
+        </p:style>
+        <p:txBody>
+          <a:bodyPr rtlCol="0" anchor="ctr"/>
+          <a:lstStyle/>
+          <a:p>
+            <a:pPr algn="ctr"/>
+            <a:r>
+              <a:rPr lang="en-US" dirty="0"/>
+              <a:t>Parent</a:t>
+            </a:r>
+          </a:p>
+          <a:p>
+            <a:pPr algn="ctr"/>
+            <a:r>
+              <a:rPr lang="en-US" dirty="0" err="1"/>
+              <a:t>React.memo</a:t>
+            </a:r>
+            <a:endParaRPr lang="en-US" dirty="0"/>
+          </a:p>
+        </p:txBody>
+      </p:sp>
+      <p:cxnSp>
+        <p:nvCxnSpPr>
+          <p:cNvPr id="35" name="Straight Arrow Connector 34">
+            <a:extLst>
+              <a:ext uri="{FF2B5EF4-FFF2-40B4-BE49-F238E27FC236}">
+                <a16:creationId xmlns:a16="http://schemas.microsoft.com/office/drawing/2014/main" id="{B50E4B17-8544-40C7-91D3-7CF9A964BA83}"/>
+              </a:ext>
+            </a:extLst>
+          </p:cNvPr>
+          <p:cNvCxnSpPr>
+            <a:stCxn id="26" idx="2"/>
+            <a:endCxn id="4" idx="0"/>
+          </p:cNvCxnSpPr>
+          <p:nvPr/>
+        </p:nvCxnSpPr>
+        <p:spPr>
+          <a:xfrm>
+            <a:off x="6340839" y="3387060"/>
+            <a:ext cx="0" cy="260260"/>
+          </a:xfrm>
+          <a:prstGeom prst="straightConnector1">
+            <a:avLst/>
+          </a:prstGeom>
+          <a:ln>
+            <a:tailEnd type="triangle"/>
+          </a:ln>
+        </p:spPr>
+        <p:style>
+          <a:lnRef idx="1">
+            <a:schemeClr val="accent1"/>
+          </a:lnRef>
+          <a:fillRef idx="0">
+            <a:schemeClr val="accent1"/>
+          </a:fillRef>
+          <a:effectRef idx="0">
+            <a:schemeClr val="accent1"/>
+          </a:effectRef>
+          <a:fontRef idx="minor">
+            <a:schemeClr val="tx1"/>
+          </a:fontRef>
+        </p:style>
+      </p:cxnSp>
+      <p:sp>
+        <p:nvSpPr>
+          <p:cNvPr id="3" name="Номер слайда 2">
+            <a:extLst>
+              <a:ext uri="{FF2B5EF4-FFF2-40B4-BE49-F238E27FC236}">
+                <a16:creationId xmlns:a16="http://schemas.microsoft.com/office/drawing/2014/main" id="{CB520C9A-7765-4A6D-864A-847679D7F24E}"/>
+              </a:ext>
+            </a:extLst>
+          </p:cNvPr>
+          <p:cNvSpPr>
+            <a:spLocks noGrp="1"/>
+          </p:cNvSpPr>
+          <p:nvPr>
+            <p:ph type="sldNum" sz="quarter" idx="12"/>
+          </p:nvPr>
+        </p:nvSpPr>
+        <p:spPr/>
+        <p:txBody>
+          <a:bodyPr/>
+          <a:lstStyle/>
+          <a:p>
+            <a:fld id="{2AA06E25-3985-4D43-9B6C-C0B92CD594CF}" type="slidenum">
+              <a:rPr lang="en-US" smtClean="0"/>
+              <a:t>33</a:t>
+            </a:fld>
+            <a:endParaRPr lang="en-US"/>
+          </a:p>
+        </p:txBody>
+      </p:sp>
+    </p:spTree>
+    <p:extLst>
+      <p:ext uri="{BB962C8B-B14F-4D97-AF65-F5344CB8AC3E}">
+        <p14:creationId xmlns:p14="http://schemas.microsoft.com/office/powerpoint/2010/main" val="3544249513"/>
+      </p:ext>
+    </p:extLst>
+  </p:cSld>
+  <p:clrMapOvr>
+    <a:masterClrMapping/>
+  </p:clrMapOvr>
+</p:sld>
+</file>
+
+<file path=ppt/slides/slide34.xml><?xml version="1.0" encoding="utf-8"?>
+<p:sld xmlns:a="http://schemas.openxmlformats.org/drawingml/2006/main" xmlns:r="http://schemas.openxmlformats.org/officeDocument/2006/relationships" xmlns:p="http://schemas.openxmlformats.org/presentationml/2006/main">
+  <p:cSld>
+    <p:spTree>
+      <p:nvGrpSpPr>
+        <p:cNvPr id="1" name=""/>
+        <p:cNvGrpSpPr/>
+        <p:nvPr/>
+      </p:nvGrpSpPr>
+      <p:grpSpPr>
+        <a:xfrm>
+          <a:off x="0" y="0"/>
+          <a:ext cx="0" cy="0"/>
+          <a:chOff x="0" y="0"/>
+          <a:chExt cx="0" cy="0"/>
+        </a:xfrm>
+      </p:grpSpPr>
+      <p:sp>
+        <p:nvSpPr>
+          <p:cNvPr id="2" name="Title 1">
+            <a:extLst>
+              <a:ext uri="{FF2B5EF4-FFF2-40B4-BE49-F238E27FC236}">
+                <a16:creationId xmlns:a16="http://schemas.microsoft.com/office/drawing/2014/main" id="{AB935D05-93F8-43F8-B5A5-A5D7E0390ABD}"/>
+              </a:ext>
+            </a:extLst>
+          </p:cNvPr>
+          <p:cNvSpPr>
+            <a:spLocks noGrp="1"/>
+          </p:cNvSpPr>
+          <p:nvPr>
+            <p:ph type="title"/>
+          </p:nvPr>
+        </p:nvSpPr>
+        <p:spPr>
+          <a:xfrm>
+            <a:off x="1251678" y="382385"/>
+            <a:ext cx="10178322" cy="1492132"/>
+          </a:xfrm>
+        </p:spPr>
+        <p:txBody>
+          <a:bodyPr>
+            <a:normAutofit/>
+          </a:bodyPr>
+          <a:lstStyle/>
+          <a:p>
+            <a:r>
+              <a:rPr lang="ru-RU" dirty="0"/>
+              <a:t>Заменим </a:t>
+            </a:r>
+            <a:r>
+              <a:rPr lang="en-US" dirty="0"/>
+              <a:t>functional component </a:t>
+            </a:r>
+            <a:r>
+              <a:rPr lang="ru-RU" dirty="0"/>
+              <a:t>на </a:t>
+            </a:r>
+            <a:r>
+              <a:rPr lang="en-US" dirty="0"/>
+              <a:t>component</a:t>
+            </a:r>
+          </a:p>
+        </p:txBody>
+      </p:sp>
+      <p:sp>
+        <p:nvSpPr>
+          <p:cNvPr id="3" name="Номер слайда 2">
+            <a:extLst>
+              <a:ext uri="{FF2B5EF4-FFF2-40B4-BE49-F238E27FC236}">
+                <a16:creationId xmlns:a16="http://schemas.microsoft.com/office/drawing/2014/main" id="{CB520C9A-7765-4A6D-864A-847679D7F24E}"/>
+              </a:ext>
+            </a:extLst>
+          </p:cNvPr>
+          <p:cNvSpPr>
+            <a:spLocks noGrp="1"/>
+          </p:cNvSpPr>
+          <p:nvPr>
+            <p:ph type="sldNum" sz="quarter" idx="12"/>
+          </p:nvPr>
+        </p:nvSpPr>
+        <p:spPr/>
+        <p:txBody>
+          <a:bodyPr/>
+          <a:lstStyle/>
+          <a:p>
+            <a:fld id="{2AA06E25-3985-4D43-9B6C-C0B92CD594CF}" type="slidenum">
+              <a:rPr lang="en-US" smtClean="0"/>
+              <a:t>34</a:t>
+            </a:fld>
+            <a:endParaRPr lang="en-US"/>
+          </a:p>
+        </p:txBody>
+      </p:sp>
+      <p:sp>
+        <p:nvSpPr>
+          <p:cNvPr id="12" name="Объект 2">
+            <a:extLst>
+              <a:ext uri="{FF2B5EF4-FFF2-40B4-BE49-F238E27FC236}">
+                <a16:creationId xmlns:a16="http://schemas.microsoft.com/office/drawing/2014/main" id="{691700C7-506B-477C-A3DA-70BB269239A6}"/>
+              </a:ext>
+            </a:extLst>
+          </p:cNvPr>
+          <p:cNvSpPr>
+            <a:spLocks noGrp="1"/>
+          </p:cNvSpPr>
+          <p:nvPr>
+            <p:ph idx="1"/>
+          </p:nvPr>
+        </p:nvSpPr>
+        <p:spPr>
+          <a:xfrm>
+            <a:off x="1251678" y="2286001"/>
+            <a:ext cx="10178322" cy="3593591"/>
+          </a:xfrm>
+        </p:spPr>
+        <p:txBody>
+          <a:bodyPr/>
+          <a:lstStyle/>
+          <a:p>
+            <a:r>
+              <a:rPr lang="ru-RU" dirty="0"/>
+              <a:t>При замене </a:t>
+            </a:r>
+            <a:r>
+              <a:rPr lang="en-US" dirty="0"/>
+              <a:t>Functional Component</a:t>
+            </a:r>
+            <a:r>
+              <a:rPr lang="ru-RU" dirty="0"/>
+              <a:t> на </a:t>
+            </a:r>
+            <a:r>
+              <a:rPr lang="en-US" dirty="0"/>
+              <a:t>Component</a:t>
+            </a:r>
+            <a:r>
+              <a:rPr lang="ru-RU" dirty="0"/>
+              <a:t> у нас также не появились лишние вызовы </a:t>
+            </a:r>
+            <a:r>
+              <a:rPr lang="en-US" dirty="0"/>
+              <a:t>render()</a:t>
+            </a:r>
+            <a:r>
+              <a:rPr lang="ru-RU" dirty="0"/>
+              <a:t>.</a:t>
+            </a:r>
+          </a:p>
+        </p:txBody>
+      </p:sp>
+      <p:pic>
+        <p:nvPicPr>
+          <p:cNvPr id="9" name="Рисунок 8">
+            <a:extLst>
+              <a:ext uri="{FF2B5EF4-FFF2-40B4-BE49-F238E27FC236}">
+                <a16:creationId xmlns:a16="http://schemas.microsoft.com/office/drawing/2014/main" id="{51D5FE8E-6624-487C-AC69-1EAB6A8B0F2F}"/>
+              </a:ext>
+            </a:extLst>
+          </p:cNvPr>
+          <p:cNvPicPr>
+            <a:picLocks noChangeAspect="1"/>
+          </p:cNvPicPr>
+          <p:nvPr/>
+        </p:nvPicPr>
+        <p:blipFill>
+          <a:blip r:embed="rId2"/>
+          <a:stretch>
+            <a:fillRect/>
+          </a:stretch>
+        </p:blipFill>
+        <p:spPr>
+          <a:xfrm>
+            <a:off x="1557337" y="4082796"/>
+            <a:ext cx="9077325" cy="1485900"/>
+          </a:xfrm>
+          <a:prstGeom prst="rect">
+            <a:avLst/>
+          </a:prstGeom>
+        </p:spPr>
+      </p:pic>
+    </p:spTree>
+    <p:extLst>
+      <p:ext uri="{BB962C8B-B14F-4D97-AF65-F5344CB8AC3E}">
+        <p14:creationId xmlns:p14="http://schemas.microsoft.com/office/powerpoint/2010/main" val="3368021709"/>
+      </p:ext>
+    </p:extLst>
+  </p:cSld>
+  <p:clrMapOvr>
+    <a:masterClrMapping/>
+  </p:clrMapOvr>
+</p:sld>
+</file>
+
+<file path=ppt/slides/slide35.xml><?xml version="1.0" encoding="utf-8"?>
+<p:sld xmlns:a="http://schemas.openxmlformats.org/drawingml/2006/main" xmlns:r="http://schemas.openxmlformats.org/officeDocument/2006/relationships" xmlns:p="http://schemas.openxmlformats.org/presentationml/2006/main">
+  <p:cSld>
+    <p:spTree>
+      <p:nvGrpSpPr>
+        <p:cNvPr id="1" name=""/>
+        <p:cNvGrpSpPr/>
+        <p:nvPr/>
+      </p:nvGrpSpPr>
+      <p:grpSpPr>
+        <a:xfrm>
+          <a:off x="0" y="0"/>
+          <a:ext cx="0" cy="0"/>
+          <a:chOff x="0" y="0"/>
+          <a:chExt cx="0" cy="0"/>
+        </a:xfrm>
+      </p:grpSpPr>
+      <p:sp>
+        <p:nvSpPr>
+          <p:cNvPr id="2" name="Title 1">
+            <a:extLst>
+              <a:ext uri="{FF2B5EF4-FFF2-40B4-BE49-F238E27FC236}">
+                <a16:creationId xmlns:a16="http://schemas.microsoft.com/office/drawing/2014/main" id="{AB935D05-93F8-43F8-B5A5-A5D7E0390ABD}"/>
+              </a:ext>
+            </a:extLst>
+          </p:cNvPr>
+          <p:cNvSpPr>
+            <a:spLocks noGrp="1"/>
+          </p:cNvSpPr>
+          <p:nvPr>
+            <p:ph type="title"/>
+          </p:nvPr>
+        </p:nvSpPr>
+        <p:spPr/>
+        <p:txBody>
+          <a:bodyPr>
+            <a:normAutofit/>
+          </a:bodyPr>
+          <a:lstStyle/>
+          <a:p>
+            <a:r>
+              <a:rPr lang="ru-RU" dirty="0"/>
+              <a:t>Заменим </a:t>
+            </a:r>
+            <a:r>
+              <a:rPr lang="en-US" dirty="0"/>
+              <a:t>component </a:t>
+            </a:r>
+            <a:r>
+              <a:rPr lang="ru-RU" dirty="0"/>
+              <a:t>на </a:t>
+            </a:r>
+            <a:r>
+              <a:rPr lang="en-US" dirty="0" err="1"/>
+              <a:t>purecomponent</a:t>
+            </a:r>
+            <a:r>
+              <a:rPr lang="en-US" dirty="0"/>
+              <a:t> </a:t>
+            </a:r>
+            <a:r>
+              <a:rPr lang="ru-RU" dirty="0"/>
+              <a:t>(в </a:t>
+            </a:r>
+            <a:r>
+              <a:rPr lang="en-US" dirty="0"/>
+              <a:t>app)</a:t>
+            </a:r>
+          </a:p>
+        </p:txBody>
+      </p:sp>
+      <p:sp>
+        <p:nvSpPr>
+          <p:cNvPr id="4" name="Rectangle 3">
+            <a:extLst>
+              <a:ext uri="{FF2B5EF4-FFF2-40B4-BE49-F238E27FC236}">
+                <a16:creationId xmlns:a16="http://schemas.microsoft.com/office/drawing/2014/main" id="{31F8E340-F741-40C7-ADDD-A0E4E26D9C30}"/>
+              </a:ext>
+            </a:extLst>
+          </p:cNvPr>
+          <p:cNvSpPr/>
+          <p:nvPr/>
+        </p:nvSpPr>
+        <p:spPr>
+          <a:xfrm>
+            <a:off x="4973543" y="3647320"/>
+            <a:ext cx="2734592" cy="1053737"/>
+          </a:xfrm>
+          <a:prstGeom prst="rect">
+            <a:avLst/>
+          </a:prstGeom>
+        </p:spPr>
+        <p:style>
+          <a:lnRef idx="2">
+            <a:schemeClr val="accent1">
+              <a:shade val="50000"/>
+            </a:schemeClr>
+          </a:lnRef>
+          <a:fillRef idx="1">
+            <a:schemeClr val="accent1"/>
+          </a:fillRef>
+          <a:effectRef idx="0">
+            <a:schemeClr val="accent1"/>
+          </a:effectRef>
+          <a:fontRef idx="minor">
+            <a:schemeClr val="lt1"/>
+          </a:fontRef>
+        </p:style>
+        <p:txBody>
+          <a:bodyPr rtlCol="0" anchor="ctr"/>
+          <a:lstStyle/>
+          <a:p>
+            <a:pPr algn="ctr"/>
+            <a:r>
+              <a:rPr lang="en-US" dirty="0"/>
+              <a:t>App</a:t>
+            </a:r>
+            <a:endParaRPr lang="ru-RU" dirty="0"/>
+          </a:p>
+          <a:p>
+            <a:pPr algn="ctr"/>
+            <a:r>
+              <a:rPr lang="en-US" dirty="0"/>
+              <a:t>connect(</a:t>
+            </a:r>
+            <a:r>
+              <a:rPr lang="en-US" dirty="0" err="1"/>
+              <a:t>PureComponent</a:t>
+            </a:r>
+            <a:r>
+              <a:rPr lang="en-US" dirty="0"/>
+              <a:t>)</a:t>
+            </a:r>
+          </a:p>
+        </p:txBody>
+      </p:sp>
+      <p:sp>
+        <p:nvSpPr>
+          <p:cNvPr id="5" name="Rectangle 4">
+            <a:extLst>
+              <a:ext uri="{FF2B5EF4-FFF2-40B4-BE49-F238E27FC236}">
+                <a16:creationId xmlns:a16="http://schemas.microsoft.com/office/drawing/2014/main" id="{865AEC67-0C30-44FF-8582-9C72295BC9D6}"/>
+              </a:ext>
+            </a:extLst>
+          </p:cNvPr>
+          <p:cNvSpPr/>
+          <p:nvPr/>
+        </p:nvSpPr>
+        <p:spPr>
+          <a:xfrm>
+            <a:off x="3235236" y="5227925"/>
+            <a:ext cx="2490652" cy="1053737"/>
+          </a:xfrm>
+          <a:prstGeom prst="rect">
+            <a:avLst/>
+          </a:prstGeom>
+        </p:spPr>
+        <p:style>
+          <a:lnRef idx="2">
+            <a:schemeClr val="accent4">
+              <a:shade val="50000"/>
+            </a:schemeClr>
+          </a:lnRef>
+          <a:fillRef idx="1">
+            <a:schemeClr val="accent4"/>
+          </a:fillRef>
+          <a:effectRef idx="0">
+            <a:schemeClr val="accent4"/>
+          </a:effectRef>
+          <a:fontRef idx="minor">
+            <a:schemeClr val="lt1"/>
+          </a:fontRef>
+        </p:style>
+        <p:txBody>
+          <a:bodyPr rtlCol="0" anchor="ctr"/>
+          <a:lstStyle/>
+          <a:p>
+            <a:pPr algn="ctr"/>
+            <a:r>
+              <a:rPr lang="en-US" dirty="0" err="1"/>
+              <a:t>ComponentWithNames</a:t>
+            </a:r>
+            <a:endParaRPr lang="en-US" dirty="0"/>
+          </a:p>
+          <a:p>
+            <a:pPr algn="ctr"/>
+            <a:r>
+              <a:rPr lang="en-US" dirty="0" err="1"/>
+              <a:t>React.memo</a:t>
+            </a:r>
+            <a:endParaRPr lang="en-US" dirty="0"/>
+          </a:p>
+        </p:txBody>
+      </p:sp>
+      <p:sp>
+        <p:nvSpPr>
+          <p:cNvPr id="6" name="Rectangle 5">
+            <a:extLst>
+              <a:ext uri="{FF2B5EF4-FFF2-40B4-BE49-F238E27FC236}">
+                <a16:creationId xmlns:a16="http://schemas.microsoft.com/office/drawing/2014/main" id="{36FBB88C-78FB-469E-83B4-A972A90F7CE8}"/>
+              </a:ext>
+            </a:extLst>
+          </p:cNvPr>
+          <p:cNvSpPr/>
+          <p:nvPr/>
+        </p:nvSpPr>
+        <p:spPr>
+          <a:xfrm>
+            <a:off x="6866706" y="5221575"/>
+            <a:ext cx="2490652" cy="1053737"/>
+          </a:xfrm>
+          <a:prstGeom prst="rect">
+            <a:avLst/>
+          </a:prstGeom>
+        </p:spPr>
+        <p:style>
+          <a:lnRef idx="2">
+            <a:schemeClr val="accent4">
+              <a:shade val="50000"/>
+            </a:schemeClr>
+          </a:lnRef>
+          <a:fillRef idx="1">
+            <a:schemeClr val="accent4"/>
+          </a:fillRef>
+          <a:effectRef idx="0">
+            <a:schemeClr val="accent4"/>
+          </a:effectRef>
+          <a:fontRef idx="minor">
+            <a:schemeClr val="lt1"/>
+          </a:fontRef>
+        </p:style>
+        <p:txBody>
+          <a:bodyPr rtlCol="0" anchor="ctr"/>
+          <a:lstStyle/>
+          <a:p>
+            <a:pPr algn="ctr"/>
+            <a:r>
+              <a:rPr lang="en-US" dirty="0" err="1"/>
+              <a:t>SingleName</a:t>
+            </a:r>
+            <a:endParaRPr lang="en-US" dirty="0"/>
+          </a:p>
+          <a:p>
+            <a:pPr algn="ctr"/>
+            <a:r>
+              <a:rPr lang="en-US" dirty="0" err="1"/>
+              <a:t>React.memo</a:t>
+            </a:r>
+            <a:endParaRPr lang="en-US" dirty="0"/>
+          </a:p>
+        </p:txBody>
+      </p:sp>
+      <p:cxnSp>
+        <p:nvCxnSpPr>
+          <p:cNvPr id="8" name="Connector: Elbow 7">
+            <a:extLst>
+              <a:ext uri="{FF2B5EF4-FFF2-40B4-BE49-F238E27FC236}">
+                <a16:creationId xmlns:a16="http://schemas.microsoft.com/office/drawing/2014/main" id="{5222BBFF-64D7-418F-8EB3-A4D177EEB2F4}"/>
+              </a:ext>
+            </a:extLst>
+          </p:cNvPr>
+          <p:cNvCxnSpPr>
+            <a:cxnSpLocks/>
+            <a:stCxn id="4" idx="2"/>
+            <a:endCxn id="6" idx="0"/>
+          </p:cNvCxnSpPr>
+          <p:nvPr/>
+        </p:nvCxnSpPr>
+        <p:spPr>
+          <a:xfrm rot="16200000" flipH="1">
+            <a:off x="6966176" y="4075719"/>
+            <a:ext cx="520518" cy="1771193"/>
+          </a:xfrm>
+          <a:prstGeom prst="bentConnector3">
+            <a:avLst/>
+          </a:prstGeom>
+          <a:ln>
+            <a:tailEnd type="triangle"/>
+          </a:ln>
+        </p:spPr>
+        <p:style>
+          <a:lnRef idx="1">
+            <a:schemeClr val="accent1"/>
+          </a:lnRef>
+          <a:fillRef idx="0">
+            <a:schemeClr val="accent1"/>
+          </a:fillRef>
+          <a:effectRef idx="0">
+            <a:schemeClr val="accent1"/>
+          </a:effectRef>
+          <a:fontRef idx="minor">
+            <a:schemeClr val="tx1"/>
+          </a:fontRef>
+        </p:style>
+      </p:cxnSp>
+      <p:cxnSp>
+        <p:nvCxnSpPr>
+          <p:cNvPr id="11" name="Connector: Elbow 10">
+            <a:extLst>
+              <a:ext uri="{FF2B5EF4-FFF2-40B4-BE49-F238E27FC236}">
+                <a16:creationId xmlns:a16="http://schemas.microsoft.com/office/drawing/2014/main" id="{23007C76-E689-42FD-ADC6-43154FAA6EED}"/>
+              </a:ext>
+            </a:extLst>
+          </p:cNvPr>
+          <p:cNvCxnSpPr>
+            <a:cxnSpLocks/>
+            <a:stCxn id="4" idx="2"/>
+            <a:endCxn id="5" idx="0"/>
+          </p:cNvCxnSpPr>
+          <p:nvPr/>
+        </p:nvCxnSpPr>
+        <p:spPr>
+          <a:xfrm rot="5400000">
+            <a:off x="5147267" y="4034353"/>
+            <a:ext cx="526868" cy="1860277"/>
+          </a:xfrm>
+          <a:prstGeom prst="bentConnector3">
+            <a:avLst/>
+          </a:prstGeom>
+          <a:ln>
+            <a:tailEnd type="triangle"/>
+          </a:ln>
+        </p:spPr>
+        <p:style>
+          <a:lnRef idx="1">
+            <a:schemeClr val="accent1"/>
+          </a:lnRef>
+          <a:fillRef idx="0">
+            <a:schemeClr val="accent1"/>
+          </a:fillRef>
+          <a:effectRef idx="0">
+            <a:schemeClr val="accent1"/>
+          </a:effectRef>
+          <a:fontRef idx="minor">
+            <a:schemeClr val="tx1"/>
+          </a:fontRef>
+        </p:style>
+      </p:cxnSp>
+      <p:sp>
+        <p:nvSpPr>
+          <p:cNvPr id="26" name="Rectangle 25">
+            <a:extLst>
+              <a:ext uri="{FF2B5EF4-FFF2-40B4-BE49-F238E27FC236}">
+                <a16:creationId xmlns:a16="http://schemas.microsoft.com/office/drawing/2014/main" id="{78E91107-2425-4855-B2F3-D5F82F96EF91}"/>
+              </a:ext>
+            </a:extLst>
+          </p:cNvPr>
+          <p:cNvSpPr/>
+          <p:nvPr/>
+        </p:nvSpPr>
+        <p:spPr>
+          <a:xfrm>
+            <a:off x="4973542" y="2333323"/>
+            <a:ext cx="2734591" cy="1053737"/>
+          </a:xfrm>
+          <a:prstGeom prst="rect">
+            <a:avLst/>
+          </a:prstGeom>
+        </p:spPr>
+        <p:style>
+          <a:lnRef idx="2">
+            <a:schemeClr val="dk1">
+              <a:shade val="50000"/>
+            </a:schemeClr>
+          </a:lnRef>
+          <a:fillRef idx="1">
+            <a:schemeClr val="dk1"/>
+          </a:fillRef>
+          <a:effectRef idx="0">
+            <a:schemeClr val="dk1"/>
+          </a:effectRef>
+          <a:fontRef idx="minor">
+            <a:schemeClr val="lt1"/>
+          </a:fontRef>
+        </p:style>
+        <p:txBody>
+          <a:bodyPr rtlCol="0" anchor="ctr"/>
+          <a:lstStyle/>
+          <a:p>
+            <a:pPr algn="ctr"/>
+            <a:r>
+              <a:rPr lang="en-US" dirty="0"/>
+              <a:t>Parent</a:t>
+            </a:r>
+          </a:p>
+          <a:p>
+            <a:pPr algn="ctr"/>
+            <a:r>
+              <a:rPr lang="en-US" dirty="0" err="1"/>
+              <a:t>React.memo</a:t>
+            </a:r>
+            <a:endParaRPr lang="en-US" dirty="0"/>
+          </a:p>
+        </p:txBody>
+      </p:sp>
+      <p:cxnSp>
+        <p:nvCxnSpPr>
+          <p:cNvPr id="35" name="Straight Arrow Connector 34">
+            <a:extLst>
+              <a:ext uri="{FF2B5EF4-FFF2-40B4-BE49-F238E27FC236}">
+                <a16:creationId xmlns:a16="http://schemas.microsoft.com/office/drawing/2014/main" id="{B50E4B17-8544-40C7-91D3-7CF9A964BA83}"/>
+              </a:ext>
+            </a:extLst>
+          </p:cNvPr>
+          <p:cNvCxnSpPr>
+            <a:cxnSpLocks/>
+            <a:stCxn id="26" idx="2"/>
+            <a:endCxn id="4" idx="0"/>
+          </p:cNvCxnSpPr>
+          <p:nvPr/>
+        </p:nvCxnSpPr>
+        <p:spPr>
+          <a:xfrm>
+            <a:off x="6340838" y="3387060"/>
+            <a:ext cx="1" cy="260260"/>
+          </a:xfrm>
+          <a:prstGeom prst="straightConnector1">
+            <a:avLst/>
+          </a:prstGeom>
+          <a:ln>
+            <a:tailEnd type="triangle"/>
+          </a:ln>
+        </p:spPr>
+        <p:style>
+          <a:lnRef idx="1">
+            <a:schemeClr val="accent1"/>
+          </a:lnRef>
+          <a:fillRef idx="0">
+            <a:schemeClr val="accent1"/>
+          </a:fillRef>
+          <a:effectRef idx="0">
+            <a:schemeClr val="accent1"/>
+          </a:effectRef>
+          <a:fontRef idx="minor">
+            <a:schemeClr val="tx1"/>
+          </a:fontRef>
+        </p:style>
+      </p:cxnSp>
+      <p:sp>
+        <p:nvSpPr>
+          <p:cNvPr id="3" name="Номер слайда 2">
+            <a:extLst>
+              <a:ext uri="{FF2B5EF4-FFF2-40B4-BE49-F238E27FC236}">
+                <a16:creationId xmlns:a16="http://schemas.microsoft.com/office/drawing/2014/main" id="{CB520C9A-7765-4A6D-864A-847679D7F24E}"/>
+              </a:ext>
+            </a:extLst>
+          </p:cNvPr>
+          <p:cNvSpPr>
+            <a:spLocks noGrp="1"/>
+          </p:cNvSpPr>
+          <p:nvPr>
+            <p:ph type="sldNum" sz="quarter" idx="12"/>
+          </p:nvPr>
+        </p:nvSpPr>
+        <p:spPr/>
+        <p:txBody>
+          <a:bodyPr/>
+          <a:lstStyle/>
+          <a:p>
+            <a:fld id="{2AA06E25-3985-4D43-9B6C-C0B92CD594CF}" type="slidenum">
+              <a:rPr lang="en-US" smtClean="0"/>
+              <a:t>35</a:t>
+            </a:fld>
+            <a:endParaRPr lang="en-US"/>
+          </a:p>
+        </p:txBody>
+      </p:sp>
+    </p:spTree>
+    <p:extLst>
+      <p:ext uri="{BB962C8B-B14F-4D97-AF65-F5344CB8AC3E}">
+        <p14:creationId xmlns:p14="http://schemas.microsoft.com/office/powerpoint/2010/main" val="3398720179"/>
+      </p:ext>
+    </p:extLst>
+  </p:cSld>
+  <p:clrMapOvr>
+    <a:masterClrMapping/>
+  </p:clrMapOvr>
+</p:sld>
+</file>
+
+<file path=ppt/slides/slide36.xml><?xml version="1.0" encoding="utf-8"?>
+<p:sld xmlns:a="http://schemas.openxmlformats.org/drawingml/2006/main" xmlns:r="http://schemas.openxmlformats.org/officeDocument/2006/relationships" xmlns:p="http://schemas.openxmlformats.org/presentationml/2006/main">
+  <p:cSld>
+    <p:spTree>
+      <p:nvGrpSpPr>
+        <p:cNvPr id="1" name=""/>
+        <p:cNvGrpSpPr/>
+        <p:nvPr/>
+      </p:nvGrpSpPr>
+      <p:grpSpPr>
+        <a:xfrm>
+          <a:off x="0" y="0"/>
+          <a:ext cx="0" cy="0"/>
+          <a:chOff x="0" y="0"/>
+          <a:chExt cx="0" cy="0"/>
+        </a:xfrm>
+      </p:grpSpPr>
+      <p:sp>
+        <p:nvSpPr>
+          <p:cNvPr id="2" name="Заголовок 1">
+            <a:extLst>
+              <a:ext uri="{FF2B5EF4-FFF2-40B4-BE49-F238E27FC236}">
+                <a16:creationId xmlns:a16="http://schemas.microsoft.com/office/drawing/2014/main" id="{CA3202BE-46CD-4323-B5CA-7563D794BAD7}"/>
+              </a:ext>
+            </a:extLst>
+          </p:cNvPr>
+          <p:cNvSpPr>
+            <a:spLocks noGrp="1"/>
+          </p:cNvSpPr>
+          <p:nvPr>
+            <p:ph type="title"/>
+          </p:nvPr>
+        </p:nvSpPr>
+        <p:spPr/>
+        <p:txBody>
+          <a:bodyPr/>
+          <a:lstStyle/>
+          <a:p>
+            <a:r>
+              <a:rPr lang="ru-RU" dirty="0"/>
+              <a:t>Заменим </a:t>
+            </a:r>
+            <a:r>
+              <a:rPr lang="en-US" dirty="0"/>
+              <a:t>component </a:t>
+            </a:r>
+            <a:r>
+              <a:rPr lang="ru-RU" dirty="0"/>
+              <a:t>на </a:t>
+            </a:r>
+            <a:r>
+              <a:rPr lang="en-US" dirty="0" err="1"/>
+              <a:t>purecomponent</a:t>
+            </a:r>
+            <a:r>
+              <a:rPr lang="en-US" dirty="0"/>
+              <a:t> </a:t>
+            </a:r>
+            <a:r>
+              <a:rPr lang="ru-RU" dirty="0"/>
+              <a:t>(в </a:t>
+            </a:r>
+            <a:r>
+              <a:rPr lang="en-US" dirty="0"/>
+              <a:t>app)</a:t>
+            </a:r>
+            <a:endParaRPr lang="ru-RU" dirty="0"/>
+          </a:p>
+        </p:txBody>
+      </p:sp>
+      <p:sp>
+        <p:nvSpPr>
+          <p:cNvPr id="3" name="Объект 2">
+            <a:extLst>
+              <a:ext uri="{FF2B5EF4-FFF2-40B4-BE49-F238E27FC236}">
+                <a16:creationId xmlns:a16="http://schemas.microsoft.com/office/drawing/2014/main" id="{6136C0D2-201C-43EE-98FD-2E9D934CA649}"/>
+              </a:ext>
+            </a:extLst>
+          </p:cNvPr>
+          <p:cNvSpPr>
+            <a:spLocks noGrp="1"/>
+          </p:cNvSpPr>
+          <p:nvPr>
+            <p:ph idx="1"/>
+          </p:nvPr>
+        </p:nvSpPr>
+        <p:spPr>
+          <a:xfrm>
+            <a:off x="1251678" y="2286001"/>
+            <a:ext cx="10178322" cy="1744461"/>
+          </a:xfrm>
+        </p:spPr>
+        <p:txBody>
+          <a:bodyPr/>
+          <a:lstStyle/>
+          <a:p>
+            <a:r>
+              <a:rPr lang="ru-RU" dirty="0"/>
+              <a:t>Если у </a:t>
+            </a:r>
+            <a:r>
+              <a:rPr lang="en-US" dirty="0"/>
+              <a:t>Component</a:t>
+            </a:r>
+            <a:r>
+              <a:rPr lang="ru-RU" dirty="0"/>
+              <a:t>, обернутого в </a:t>
+            </a:r>
+            <a:r>
+              <a:rPr lang="en-US" dirty="0"/>
+              <a:t>connect()</a:t>
+            </a:r>
+            <a:r>
+              <a:rPr lang="ru-RU" dirty="0"/>
+              <a:t> не было лишних перерисовок, то у </a:t>
+            </a:r>
+            <a:r>
+              <a:rPr lang="en-US" dirty="0" err="1"/>
+              <a:t>PureComponent</a:t>
+            </a:r>
+            <a:r>
+              <a:rPr lang="ru-RU" dirty="0"/>
+              <a:t>, обернутого в </a:t>
+            </a:r>
+            <a:r>
+              <a:rPr lang="en-US" dirty="0"/>
+              <a:t>connect()</a:t>
+            </a:r>
+            <a:r>
+              <a:rPr lang="ru-RU" dirty="0"/>
+              <a:t> также не будет лишних перерисовок.</a:t>
+            </a:r>
+          </a:p>
+        </p:txBody>
+      </p:sp>
+      <p:sp>
+        <p:nvSpPr>
+          <p:cNvPr id="4" name="Номер слайда 3">
+            <a:extLst>
+              <a:ext uri="{FF2B5EF4-FFF2-40B4-BE49-F238E27FC236}">
+                <a16:creationId xmlns:a16="http://schemas.microsoft.com/office/drawing/2014/main" id="{188752DF-409C-4ADA-9908-86E3D801E37D}"/>
+              </a:ext>
+            </a:extLst>
+          </p:cNvPr>
+          <p:cNvSpPr>
+            <a:spLocks noGrp="1"/>
+          </p:cNvSpPr>
+          <p:nvPr>
+            <p:ph type="sldNum" sz="quarter" idx="12"/>
+          </p:nvPr>
+        </p:nvSpPr>
+        <p:spPr/>
+        <p:txBody>
+          <a:bodyPr/>
+          <a:lstStyle/>
+          <a:p>
+            <a:fld id="{2AA06E25-3985-4D43-9B6C-C0B92CD594CF}" type="slidenum">
+              <a:rPr lang="en-US" smtClean="0"/>
+              <a:t>36</a:t>
+            </a:fld>
+            <a:endParaRPr lang="en-US"/>
+          </a:p>
+        </p:txBody>
+      </p:sp>
+      <p:pic>
+        <p:nvPicPr>
+          <p:cNvPr id="5" name="Рисунок 4">
+            <a:extLst>
+              <a:ext uri="{FF2B5EF4-FFF2-40B4-BE49-F238E27FC236}">
+                <a16:creationId xmlns:a16="http://schemas.microsoft.com/office/drawing/2014/main" id="{72830F42-F47D-4E91-9C0B-90CF82FD3126}"/>
+              </a:ext>
+            </a:extLst>
+          </p:cNvPr>
+          <p:cNvPicPr>
+            <a:picLocks noChangeAspect="1"/>
+          </p:cNvPicPr>
+          <p:nvPr/>
+        </p:nvPicPr>
+        <p:blipFill>
+          <a:blip r:embed="rId2"/>
+          <a:stretch>
+            <a:fillRect/>
+          </a:stretch>
+        </p:blipFill>
+        <p:spPr>
+          <a:xfrm>
+            <a:off x="1452562" y="4279915"/>
+            <a:ext cx="9286875" cy="1476375"/>
+          </a:xfrm>
+          <a:prstGeom prst="rect">
+            <a:avLst/>
+          </a:prstGeom>
+        </p:spPr>
+      </p:pic>
+    </p:spTree>
+    <p:extLst>
+      <p:ext uri="{BB962C8B-B14F-4D97-AF65-F5344CB8AC3E}">
+        <p14:creationId xmlns:p14="http://schemas.microsoft.com/office/powerpoint/2010/main" val="2748087252"/>
+      </p:ext>
+    </p:extLst>
+  </p:cSld>
+  <p:clrMapOvr>
+    <a:masterClrMapping/>
+  </p:clrMapOvr>
+</p:sld>
+</file>
+
+<file path=ppt/slides/slide37.xml><?xml version="1.0" encoding="utf-8"?>
+<p:sld xmlns:a="http://schemas.openxmlformats.org/drawingml/2006/main" xmlns:r="http://schemas.openxmlformats.org/officeDocument/2006/relationships" xmlns:p="http://schemas.openxmlformats.org/presentationml/2006/main">
+  <p:cSld>
+    <p:spTree>
+      <p:nvGrpSpPr>
+        <p:cNvPr id="1" name=""/>
+        <p:cNvGrpSpPr/>
+        <p:nvPr/>
+      </p:nvGrpSpPr>
+      <p:grpSpPr>
+        <a:xfrm>
+          <a:off x="0" y="0"/>
+          <a:ext cx="0" cy="0"/>
+          <a:chOff x="0" y="0"/>
+          <a:chExt cx="0" cy="0"/>
+        </a:xfrm>
+      </p:grpSpPr>
+      <p:sp>
+        <p:nvSpPr>
+          <p:cNvPr id="2" name="Title 1">
+            <a:extLst>
+              <a:ext uri="{FF2B5EF4-FFF2-40B4-BE49-F238E27FC236}">
+                <a16:creationId xmlns:a16="http://schemas.microsoft.com/office/drawing/2014/main" id="{AB935D05-93F8-43F8-B5A5-A5D7E0390ABD}"/>
+              </a:ext>
+            </a:extLst>
+          </p:cNvPr>
+          <p:cNvSpPr>
+            <a:spLocks noGrp="1"/>
+          </p:cNvSpPr>
+          <p:nvPr>
+            <p:ph type="title"/>
+          </p:nvPr>
+        </p:nvSpPr>
+        <p:spPr/>
+        <p:txBody>
+          <a:bodyPr>
+            <a:normAutofit/>
+          </a:bodyPr>
+          <a:lstStyle/>
+          <a:p>
+            <a:r>
+              <a:rPr lang="ru-RU" dirty="0"/>
+              <a:t>Уберем </a:t>
+            </a:r>
+            <a:r>
+              <a:rPr lang="en-US" dirty="0"/>
+              <a:t>connect</a:t>
+            </a:r>
+            <a:r>
+              <a:rPr lang="ru-RU" dirty="0"/>
+              <a:t> и заменим</a:t>
+            </a:r>
+            <a:r>
+              <a:rPr lang="en-US" dirty="0"/>
+              <a:t> </a:t>
+            </a:r>
+            <a:r>
+              <a:rPr lang="en-US" dirty="0" err="1"/>
+              <a:t>purecomponent</a:t>
+            </a:r>
+            <a:r>
+              <a:rPr lang="ru-RU" dirty="0"/>
+              <a:t> на </a:t>
+            </a:r>
+            <a:r>
+              <a:rPr lang="en-US" dirty="0"/>
+              <a:t>component</a:t>
+            </a:r>
+          </a:p>
+        </p:txBody>
+      </p:sp>
+      <p:sp>
+        <p:nvSpPr>
+          <p:cNvPr id="4" name="Rectangle 3">
+            <a:extLst>
+              <a:ext uri="{FF2B5EF4-FFF2-40B4-BE49-F238E27FC236}">
+                <a16:creationId xmlns:a16="http://schemas.microsoft.com/office/drawing/2014/main" id="{31F8E340-F741-40C7-ADDD-A0E4E26D9C30}"/>
+              </a:ext>
+            </a:extLst>
+          </p:cNvPr>
+          <p:cNvSpPr/>
+          <p:nvPr/>
+        </p:nvSpPr>
+        <p:spPr>
+          <a:xfrm>
+            <a:off x="4973543" y="3647320"/>
+            <a:ext cx="2734592" cy="1053737"/>
+          </a:xfrm>
+          <a:prstGeom prst="rect">
+            <a:avLst/>
+          </a:prstGeom>
+        </p:spPr>
+        <p:style>
+          <a:lnRef idx="2">
+            <a:schemeClr val="accent1">
+              <a:shade val="50000"/>
+            </a:schemeClr>
+          </a:lnRef>
+          <a:fillRef idx="1">
+            <a:schemeClr val="accent1"/>
+          </a:fillRef>
+          <a:effectRef idx="0">
+            <a:schemeClr val="accent1"/>
+          </a:effectRef>
+          <a:fontRef idx="minor">
+            <a:schemeClr val="lt1"/>
+          </a:fontRef>
+        </p:style>
+        <p:txBody>
+          <a:bodyPr rtlCol="0" anchor="ctr"/>
+          <a:lstStyle/>
+          <a:p>
+            <a:pPr algn="ctr"/>
+            <a:r>
+              <a:rPr lang="en-US" dirty="0"/>
+              <a:t>App</a:t>
+            </a:r>
+          </a:p>
+          <a:p>
+            <a:pPr algn="ctr"/>
+            <a:r>
+              <a:rPr lang="en-US" dirty="0"/>
+              <a:t>Component</a:t>
+            </a:r>
+            <a:endParaRPr lang="ru-RU" dirty="0"/>
+          </a:p>
+        </p:txBody>
+      </p:sp>
+      <p:sp>
+        <p:nvSpPr>
+          <p:cNvPr id="5" name="Rectangle 4">
+            <a:extLst>
+              <a:ext uri="{FF2B5EF4-FFF2-40B4-BE49-F238E27FC236}">
+                <a16:creationId xmlns:a16="http://schemas.microsoft.com/office/drawing/2014/main" id="{865AEC67-0C30-44FF-8582-9C72295BC9D6}"/>
+              </a:ext>
+            </a:extLst>
+          </p:cNvPr>
+          <p:cNvSpPr/>
+          <p:nvPr/>
+        </p:nvSpPr>
+        <p:spPr>
+          <a:xfrm>
+            <a:off x="3235236" y="5227925"/>
+            <a:ext cx="2490652" cy="1053737"/>
+          </a:xfrm>
+          <a:prstGeom prst="rect">
+            <a:avLst/>
+          </a:prstGeom>
+        </p:spPr>
+        <p:style>
+          <a:lnRef idx="2">
+            <a:schemeClr val="accent4">
+              <a:shade val="50000"/>
+            </a:schemeClr>
+          </a:lnRef>
+          <a:fillRef idx="1">
+            <a:schemeClr val="accent4"/>
+          </a:fillRef>
+          <a:effectRef idx="0">
+            <a:schemeClr val="accent4"/>
+          </a:effectRef>
+          <a:fontRef idx="minor">
+            <a:schemeClr val="lt1"/>
+          </a:fontRef>
+        </p:style>
+        <p:txBody>
+          <a:bodyPr rtlCol="0" anchor="ctr"/>
+          <a:lstStyle/>
+          <a:p>
+            <a:pPr algn="ctr"/>
+            <a:r>
+              <a:rPr lang="en-US" dirty="0" err="1"/>
+              <a:t>ComponentWithNames</a:t>
+            </a:r>
+            <a:endParaRPr lang="en-US" dirty="0"/>
+          </a:p>
+          <a:p>
+            <a:pPr algn="ctr"/>
+            <a:r>
+              <a:rPr lang="en-US" dirty="0" err="1"/>
+              <a:t>React.memo</a:t>
+            </a:r>
+            <a:endParaRPr lang="en-US" dirty="0"/>
+          </a:p>
+        </p:txBody>
+      </p:sp>
+      <p:sp>
+        <p:nvSpPr>
+          <p:cNvPr id="6" name="Rectangle 5">
+            <a:extLst>
+              <a:ext uri="{FF2B5EF4-FFF2-40B4-BE49-F238E27FC236}">
+                <a16:creationId xmlns:a16="http://schemas.microsoft.com/office/drawing/2014/main" id="{36FBB88C-78FB-469E-83B4-A972A90F7CE8}"/>
+              </a:ext>
+            </a:extLst>
+          </p:cNvPr>
+          <p:cNvSpPr/>
+          <p:nvPr/>
+        </p:nvSpPr>
+        <p:spPr>
+          <a:xfrm>
+            <a:off x="6866706" y="5221575"/>
+            <a:ext cx="2490652" cy="1053737"/>
+          </a:xfrm>
+          <a:prstGeom prst="rect">
+            <a:avLst/>
+          </a:prstGeom>
+        </p:spPr>
+        <p:style>
+          <a:lnRef idx="2">
+            <a:schemeClr val="accent4">
+              <a:shade val="50000"/>
+            </a:schemeClr>
+          </a:lnRef>
+          <a:fillRef idx="1">
+            <a:schemeClr val="accent4"/>
+          </a:fillRef>
+          <a:effectRef idx="0">
+            <a:schemeClr val="accent4"/>
+          </a:effectRef>
+          <a:fontRef idx="minor">
+            <a:schemeClr val="lt1"/>
+          </a:fontRef>
+        </p:style>
+        <p:txBody>
+          <a:bodyPr rtlCol="0" anchor="ctr"/>
+          <a:lstStyle/>
+          <a:p>
+            <a:pPr algn="ctr"/>
+            <a:r>
+              <a:rPr lang="en-US" dirty="0" err="1"/>
+              <a:t>SingleName</a:t>
+            </a:r>
+            <a:endParaRPr lang="en-US" dirty="0"/>
+          </a:p>
+          <a:p>
+            <a:pPr algn="ctr"/>
+            <a:r>
+              <a:rPr lang="en-US" dirty="0" err="1"/>
+              <a:t>React.memo</a:t>
+            </a:r>
+            <a:endParaRPr lang="en-US" dirty="0"/>
+          </a:p>
+        </p:txBody>
+      </p:sp>
+      <p:cxnSp>
+        <p:nvCxnSpPr>
+          <p:cNvPr id="8" name="Connector: Elbow 7">
+            <a:extLst>
+              <a:ext uri="{FF2B5EF4-FFF2-40B4-BE49-F238E27FC236}">
+                <a16:creationId xmlns:a16="http://schemas.microsoft.com/office/drawing/2014/main" id="{5222BBFF-64D7-418F-8EB3-A4D177EEB2F4}"/>
+              </a:ext>
+            </a:extLst>
+          </p:cNvPr>
+          <p:cNvCxnSpPr>
+            <a:cxnSpLocks/>
+            <a:stCxn id="4" idx="2"/>
+            <a:endCxn id="6" idx="0"/>
+          </p:cNvCxnSpPr>
+          <p:nvPr/>
+        </p:nvCxnSpPr>
+        <p:spPr>
+          <a:xfrm rot="16200000" flipH="1">
+            <a:off x="6966176" y="4075719"/>
+            <a:ext cx="520518" cy="1771193"/>
+          </a:xfrm>
+          <a:prstGeom prst="bentConnector3">
+            <a:avLst/>
+          </a:prstGeom>
+          <a:ln>
+            <a:tailEnd type="triangle"/>
+          </a:ln>
+        </p:spPr>
+        <p:style>
+          <a:lnRef idx="1">
+            <a:schemeClr val="accent1"/>
+          </a:lnRef>
+          <a:fillRef idx="0">
+            <a:schemeClr val="accent1"/>
+          </a:fillRef>
+          <a:effectRef idx="0">
+            <a:schemeClr val="accent1"/>
+          </a:effectRef>
+          <a:fontRef idx="minor">
+            <a:schemeClr val="tx1"/>
+          </a:fontRef>
+        </p:style>
+      </p:cxnSp>
+      <p:cxnSp>
+        <p:nvCxnSpPr>
+          <p:cNvPr id="11" name="Connector: Elbow 10">
+            <a:extLst>
+              <a:ext uri="{FF2B5EF4-FFF2-40B4-BE49-F238E27FC236}">
+                <a16:creationId xmlns:a16="http://schemas.microsoft.com/office/drawing/2014/main" id="{23007C76-E689-42FD-ADC6-43154FAA6EED}"/>
+              </a:ext>
+            </a:extLst>
+          </p:cNvPr>
+          <p:cNvCxnSpPr>
+            <a:cxnSpLocks/>
+            <a:stCxn id="4" idx="2"/>
+            <a:endCxn id="5" idx="0"/>
+          </p:cNvCxnSpPr>
+          <p:nvPr/>
+        </p:nvCxnSpPr>
+        <p:spPr>
+          <a:xfrm rot="5400000">
+            <a:off x="5147267" y="4034353"/>
+            <a:ext cx="526868" cy="1860277"/>
+          </a:xfrm>
+          <a:prstGeom prst="bentConnector3">
+            <a:avLst/>
+          </a:prstGeom>
+          <a:ln>
+            <a:tailEnd type="triangle"/>
+          </a:ln>
+        </p:spPr>
+        <p:style>
+          <a:lnRef idx="1">
+            <a:schemeClr val="accent1"/>
+          </a:lnRef>
+          <a:fillRef idx="0">
+            <a:schemeClr val="accent1"/>
+          </a:fillRef>
+          <a:effectRef idx="0">
+            <a:schemeClr val="accent1"/>
+          </a:effectRef>
+          <a:fontRef idx="minor">
+            <a:schemeClr val="tx1"/>
+          </a:fontRef>
+        </p:style>
+      </p:cxnSp>
+      <p:sp>
+        <p:nvSpPr>
+          <p:cNvPr id="26" name="Rectangle 25">
+            <a:extLst>
+              <a:ext uri="{FF2B5EF4-FFF2-40B4-BE49-F238E27FC236}">
+                <a16:creationId xmlns:a16="http://schemas.microsoft.com/office/drawing/2014/main" id="{78E91107-2425-4855-B2F3-D5F82F96EF91}"/>
+              </a:ext>
+            </a:extLst>
+          </p:cNvPr>
+          <p:cNvSpPr/>
+          <p:nvPr/>
+        </p:nvSpPr>
+        <p:spPr>
+          <a:xfrm>
+            <a:off x="4973542" y="2333323"/>
+            <a:ext cx="2734591" cy="1053737"/>
+          </a:xfrm>
+          <a:prstGeom prst="rect">
+            <a:avLst/>
+          </a:prstGeom>
+        </p:spPr>
+        <p:style>
+          <a:lnRef idx="2">
+            <a:schemeClr val="dk1">
+              <a:shade val="50000"/>
+            </a:schemeClr>
+          </a:lnRef>
+          <a:fillRef idx="1">
+            <a:schemeClr val="dk1"/>
+          </a:fillRef>
+          <a:effectRef idx="0">
+            <a:schemeClr val="dk1"/>
+          </a:effectRef>
+          <a:fontRef idx="minor">
+            <a:schemeClr val="lt1"/>
+          </a:fontRef>
+        </p:style>
+        <p:txBody>
+          <a:bodyPr rtlCol="0" anchor="ctr"/>
+          <a:lstStyle/>
+          <a:p>
+            <a:pPr algn="ctr"/>
+            <a:r>
+              <a:rPr lang="en-US" dirty="0"/>
+              <a:t>Parent</a:t>
+            </a:r>
+          </a:p>
+          <a:p>
+            <a:pPr algn="ctr"/>
+            <a:r>
+              <a:rPr lang="en-US" dirty="0" err="1"/>
+              <a:t>React.memo</a:t>
+            </a:r>
+            <a:endParaRPr lang="en-US" dirty="0"/>
+          </a:p>
+        </p:txBody>
+      </p:sp>
+      <p:cxnSp>
+        <p:nvCxnSpPr>
+          <p:cNvPr id="35" name="Straight Arrow Connector 34">
+            <a:extLst>
+              <a:ext uri="{FF2B5EF4-FFF2-40B4-BE49-F238E27FC236}">
+                <a16:creationId xmlns:a16="http://schemas.microsoft.com/office/drawing/2014/main" id="{B50E4B17-8544-40C7-91D3-7CF9A964BA83}"/>
+              </a:ext>
+            </a:extLst>
+          </p:cNvPr>
+          <p:cNvCxnSpPr>
+            <a:cxnSpLocks/>
+            <a:stCxn id="26" idx="2"/>
+            <a:endCxn id="4" idx="0"/>
+          </p:cNvCxnSpPr>
+          <p:nvPr/>
+        </p:nvCxnSpPr>
+        <p:spPr>
+          <a:xfrm>
+            <a:off x="6340838" y="3387060"/>
+            <a:ext cx="1" cy="260260"/>
+          </a:xfrm>
+          <a:prstGeom prst="straightConnector1">
+            <a:avLst/>
+          </a:prstGeom>
+          <a:ln>
+            <a:tailEnd type="triangle"/>
+          </a:ln>
+        </p:spPr>
+        <p:style>
+          <a:lnRef idx="1">
+            <a:schemeClr val="accent1"/>
+          </a:lnRef>
+          <a:fillRef idx="0">
+            <a:schemeClr val="accent1"/>
+          </a:fillRef>
+          <a:effectRef idx="0">
+            <a:schemeClr val="accent1"/>
+          </a:effectRef>
+          <a:fontRef idx="minor">
+            <a:schemeClr val="tx1"/>
+          </a:fontRef>
+        </p:style>
+      </p:cxnSp>
+      <p:sp>
+        <p:nvSpPr>
+          <p:cNvPr id="3" name="Номер слайда 2">
+            <a:extLst>
+              <a:ext uri="{FF2B5EF4-FFF2-40B4-BE49-F238E27FC236}">
+                <a16:creationId xmlns:a16="http://schemas.microsoft.com/office/drawing/2014/main" id="{CB520C9A-7765-4A6D-864A-847679D7F24E}"/>
+              </a:ext>
+            </a:extLst>
+          </p:cNvPr>
+          <p:cNvSpPr>
+            <a:spLocks noGrp="1"/>
+          </p:cNvSpPr>
+          <p:nvPr>
+            <p:ph type="sldNum" sz="quarter" idx="12"/>
+          </p:nvPr>
+        </p:nvSpPr>
+        <p:spPr/>
+        <p:txBody>
+          <a:bodyPr/>
+          <a:lstStyle/>
+          <a:p>
+            <a:fld id="{2AA06E25-3985-4D43-9B6C-C0B92CD594CF}" type="slidenum">
+              <a:rPr lang="en-US" smtClean="0"/>
+              <a:t>37</a:t>
+            </a:fld>
+            <a:endParaRPr lang="en-US"/>
+          </a:p>
+        </p:txBody>
+      </p:sp>
+    </p:spTree>
+    <p:extLst>
+      <p:ext uri="{BB962C8B-B14F-4D97-AF65-F5344CB8AC3E}">
+        <p14:creationId xmlns:p14="http://schemas.microsoft.com/office/powerpoint/2010/main" val="1417901014"/>
+      </p:ext>
+    </p:extLst>
+  </p:cSld>
+  <p:clrMapOvr>
+    <a:masterClrMapping/>
+  </p:clrMapOvr>
+</p:sld>
+</file>
+
+<file path=ppt/slides/slide38.xml><?xml version="1.0" encoding="utf-8"?>
+<p:sld xmlns:a="http://schemas.openxmlformats.org/drawingml/2006/main" xmlns:r="http://schemas.openxmlformats.org/officeDocument/2006/relationships" xmlns:p="http://schemas.openxmlformats.org/presentationml/2006/main">
+  <p:cSld>
+    <p:spTree>
+      <p:nvGrpSpPr>
+        <p:cNvPr id="1" name=""/>
+        <p:cNvGrpSpPr/>
+        <p:nvPr/>
+      </p:nvGrpSpPr>
+      <p:grpSpPr>
+        <a:xfrm>
+          <a:off x="0" y="0"/>
+          <a:ext cx="0" cy="0"/>
+          <a:chOff x="0" y="0"/>
+          <a:chExt cx="0" cy="0"/>
+        </a:xfrm>
+      </p:grpSpPr>
+      <p:sp>
+        <p:nvSpPr>
+          <p:cNvPr id="2" name="Title 1">
+            <a:extLst>
+              <a:ext uri="{FF2B5EF4-FFF2-40B4-BE49-F238E27FC236}">
+                <a16:creationId xmlns:a16="http://schemas.microsoft.com/office/drawing/2014/main" id="{AB935D05-93F8-43F8-B5A5-A5D7E0390ABD}"/>
+              </a:ext>
+            </a:extLst>
+          </p:cNvPr>
+          <p:cNvSpPr>
+            <a:spLocks noGrp="1"/>
+          </p:cNvSpPr>
+          <p:nvPr>
+            <p:ph type="title"/>
+          </p:nvPr>
+        </p:nvSpPr>
+        <p:spPr/>
+        <p:txBody>
+          <a:bodyPr>
+            <a:normAutofit/>
+          </a:bodyPr>
+          <a:lstStyle/>
+          <a:p>
+            <a:r>
+              <a:rPr lang="ru-RU" dirty="0"/>
+              <a:t>Уберем </a:t>
+            </a:r>
+            <a:r>
+              <a:rPr lang="en-US" dirty="0"/>
+              <a:t>connect</a:t>
+            </a:r>
+            <a:r>
+              <a:rPr lang="ru-RU" dirty="0"/>
+              <a:t> и заменим</a:t>
+            </a:r>
+            <a:r>
+              <a:rPr lang="en-US" dirty="0"/>
+              <a:t> </a:t>
+            </a:r>
+            <a:r>
+              <a:rPr lang="en-US" dirty="0" err="1"/>
+              <a:t>purecomponent</a:t>
+            </a:r>
+            <a:r>
+              <a:rPr lang="ru-RU" dirty="0"/>
+              <a:t> на </a:t>
+            </a:r>
+            <a:r>
+              <a:rPr lang="en-US" dirty="0"/>
+              <a:t>component</a:t>
+            </a:r>
+          </a:p>
+        </p:txBody>
+      </p:sp>
+      <p:sp>
+        <p:nvSpPr>
+          <p:cNvPr id="3" name="Номер слайда 2">
+            <a:extLst>
+              <a:ext uri="{FF2B5EF4-FFF2-40B4-BE49-F238E27FC236}">
+                <a16:creationId xmlns:a16="http://schemas.microsoft.com/office/drawing/2014/main" id="{CB520C9A-7765-4A6D-864A-847679D7F24E}"/>
+              </a:ext>
+            </a:extLst>
+          </p:cNvPr>
+          <p:cNvSpPr>
+            <a:spLocks noGrp="1"/>
+          </p:cNvSpPr>
+          <p:nvPr>
+            <p:ph type="sldNum" sz="quarter" idx="12"/>
+          </p:nvPr>
+        </p:nvSpPr>
+        <p:spPr/>
+        <p:txBody>
+          <a:bodyPr/>
+          <a:lstStyle/>
+          <a:p>
+            <a:fld id="{2AA06E25-3985-4D43-9B6C-C0B92CD594CF}" type="slidenum">
+              <a:rPr lang="en-US" smtClean="0"/>
+              <a:t>38</a:t>
+            </a:fld>
+            <a:endParaRPr lang="en-US"/>
+          </a:p>
+        </p:txBody>
+      </p:sp>
+      <p:sp>
+        <p:nvSpPr>
+          <p:cNvPr id="12" name="Объект 2">
+            <a:extLst>
+              <a:ext uri="{FF2B5EF4-FFF2-40B4-BE49-F238E27FC236}">
+                <a16:creationId xmlns:a16="http://schemas.microsoft.com/office/drawing/2014/main" id="{8DAA714C-B698-4DB3-833C-0DDAC7462570}"/>
+              </a:ext>
+            </a:extLst>
+          </p:cNvPr>
+          <p:cNvSpPr>
+            <a:spLocks noGrp="1"/>
+          </p:cNvSpPr>
+          <p:nvPr>
+            <p:ph idx="1"/>
+          </p:nvPr>
+        </p:nvSpPr>
+        <p:spPr>
+          <a:xfrm>
+            <a:off x="1251678" y="2286001"/>
+            <a:ext cx="10178322" cy="1744461"/>
+          </a:xfrm>
+        </p:spPr>
+        <p:txBody>
+          <a:bodyPr/>
+          <a:lstStyle/>
+          <a:p>
+            <a:r>
+              <a:rPr lang="ru-RU" dirty="0"/>
+              <a:t>После замены</a:t>
+            </a:r>
+            <a:r>
+              <a:rPr lang="en-US" dirty="0"/>
+              <a:t> </a:t>
+            </a:r>
+            <a:r>
+              <a:rPr lang="en-US" dirty="0" err="1"/>
+              <a:t>PureComponent</a:t>
+            </a:r>
+            <a:r>
+              <a:rPr lang="en-US" dirty="0"/>
+              <a:t> </a:t>
+            </a:r>
+            <a:r>
+              <a:rPr lang="ru-RU" dirty="0"/>
+              <a:t>на </a:t>
+            </a:r>
+            <a:r>
+              <a:rPr lang="en-US" dirty="0"/>
+              <a:t>Component</a:t>
+            </a:r>
+            <a:r>
+              <a:rPr lang="ru-RU" dirty="0"/>
+              <a:t> и удаления обертки </a:t>
+            </a:r>
+            <a:r>
+              <a:rPr lang="en-US" dirty="0"/>
+              <a:t>connect()</a:t>
+            </a:r>
+            <a:r>
+              <a:rPr lang="ru-RU" dirty="0"/>
+              <a:t> мы видим, что появился лишний вызов </a:t>
+            </a:r>
+            <a:r>
+              <a:rPr lang="en-US" dirty="0"/>
+              <a:t>render()</a:t>
+            </a:r>
+            <a:r>
+              <a:rPr lang="ru-RU" dirty="0"/>
+              <a:t> в </a:t>
+            </a:r>
+            <a:r>
+              <a:rPr lang="en-US" dirty="0"/>
+              <a:t>App</a:t>
+            </a:r>
+            <a:r>
+              <a:rPr lang="ru-RU" dirty="0"/>
+              <a:t>.</a:t>
+            </a:r>
+          </a:p>
+        </p:txBody>
+      </p:sp>
+      <p:pic>
+        <p:nvPicPr>
+          <p:cNvPr id="7" name="Рисунок 6">
+            <a:extLst>
+              <a:ext uri="{FF2B5EF4-FFF2-40B4-BE49-F238E27FC236}">
+                <a16:creationId xmlns:a16="http://schemas.microsoft.com/office/drawing/2014/main" id="{A4416B1F-0E19-49D2-8D4D-C1B97061E80B}"/>
+              </a:ext>
+            </a:extLst>
+          </p:cNvPr>
+          <p:cNvPicPr>
+            <a:picLocks noChangeAspect="1"/>
+          </p:cNvPicPr>
+          <p:nvPr/>
+        </p:nvPicPr>
+        <p:blipFill>
+          <a:blip r:embed="rId2"/>
+          <a:stretch>
+            <a:fillRect/>
+          </a:stretch>
+        </p:blipFill>
+        <p:spPr>
+          <a:xfrm>
+            <a:off x="1524000" y="3956249"/>
+            <a:ext cx="9144000" cy="1857375"/>
+          </a:xfrm>
+          <a:prstGeom prst="rect">
+            <a:avLst/>
+          </a:prstGeom>
+        </p:spPr>
+      </p:pic>
+    </p:spTree>
+    <p:extLst>
+      <p:ext uri="{BB962C8B-B14F-4D97-AF65-F5344CB8AC3E}">
+        <p14:creationId xmlns:p14="http://schemas.microsoft.com/office/powerpoint/2010/main" val="3771631333"/>
+      </p:ext>
+    </p:extLst>
+  </p:cSld>
+  <p:clrMapOvr>
+    <a:masterClrMapping/>
+  </p:clrMapOvr>
+</p:sld>
+</file>
+
+<file path=ppt/slides/slide39.xml><?xml version="1.0" encoding="utf-8"?>
+<p:sld xmlns:a="http://schemas.openxmlformats.org/drawingml/2006/main" xmlns:r="http://schemas.openxmlformats.org/officeDocument/2006/relationships" xmlns:p="http://schemas.openxmlformats.org/presentationml/2006/main">
+  <p:cSld>
+    <p:spTree>
+      <p:nvGrpSpPr>
+        <p:cNvPr id="1" name=""/>
+        <p:cNvGrpSpPr/>
+        <p:nvPr/>
+      </p:nvGrpSpPr>
+      <p:grpSpPr>
+        <a:xfrm>
+          <a:off x="0" y="0"/>
+          <a:ext cx="0" cy="0"/>
+          <a:chOff x="0" y="0"/>
+          <a:chExt cx="0" cy="0"/>
+        </a:xfrm>
+      </p:grpSpPr>
+      <p:sp>
+        <p:nvSpPr>
+          <p:cNvPr id="2" name="Заголовок 1">
+            <a:extLst>
+              <a:ext uri="{FF2B5EF4-FFF2-40B4-BE49-F238E27FC236}">
+                <a16:creationId xmlns:a16="http://schemas.microsoft.com/office/drawing/2014/main" id="{F719A5FA-C40C-47AD-9601-69AE5EACC471}"/>
+              </a:ext>
+            </a:extLst>
+          </p:cNvPr>
+          <p:cNvSpPr>
+            <a:spLocks noGrp="1"/>
+          </p:cNvSpPr>
+          <p:nvPr>
+            <p:ph type="title"/>
+          </p:nvPr>
+        </p:nvSpPr>
+        <p:spPr/>
+        <p:txBody>
+          <a:bodyPr/>
+          <a:lstStyle/>
+          <a:p>
+            <a:r>
+              <a:rPr lang="en-US" dirty="0"/>
+              <a:t>Connect</a:t>
+            </a:r>
+            <a:r>
+              <a:rPr lang="ru-RU" dirty="0"/>
+              <a:t> и оптимизация</a:t>
+            </a:r>
+          </a:p>
+        </p:txBody>
+      </p:sp>
+      <p:sp>
+        <p:nvSpPr>
+          <p:cNvPr id="3" name="Объект 2">
+            <a:extLst>
+              <a:ext uri="{FF2B5EF4-FFF2-40B4-BE49-F238E27FC236}">
+                <a16:creationId xmlns:a16="http://schemas.microsoft.com/office/drawing/2014/main" id="{85F7722D-AF57-4125-A9F2-72298F3DED37}"/>
+              </a:ext>
+            </a:extLst>
+          </p:cNvPr>
+          <p:cNvSpPr>
+            <a:spLocks noGrp="1"/>
+          </p:cNvSpPr>
+          <p:nvPr>
+            <p:ph idx="1"/>
+          </p:nvPr>
+        </p:nvSpPr>
+        <p:spPr/>
+        <p:txBody>
+          <a:bodyPr/>
+          <a:lstStyle/>
+          <a:p>
+            <a:r>
+              <a:rPr lang="ru-RU" dirty="0"/>
+              <a:t>У обертки </a:t>
+            </a:r>
+            <a:r>
+              <a:rPr lang="en-US" dirty="0"/>
+              <a:t>connect </a:t>
+            </a:r>
+            <a:r>
+              <a:rPr lang="ru-RU" dirty="0"/>
+              <a:t>в </a:t>
+            </a:r>
+            <a:r>
+              <a:rPr lang="en-US" dirty="0"/>
+              <a:t>options</a:t>
+            </a:r>
+            <a:r>
+              <a:rPr lang="ru-RU" dirty="0"/>
+              <a:t> </a:t>
+            </a:r>
+            <a:r>
+              <a:rPr lang="ru-RU" dirty="0" err="1"/>
+              <a:t>по-умолчанию</a:t>
+            </a:r>
+            <a:r>
+              <a:rPr lang="ru-RU" dirty="0"/>
+              <a:t> стоит свойство </a:t>
+            </a:r>
+            <a:r>
+              <a:rPr lang="en-US" dirty="0"/>
+              <a:t>{ pure: true }</a:t>
+            </a:r>
+            <a:r>
+              <a:rPr lang="ru-RU" dirty="0"/>
+              <a:t>, которое поверхностно сравнивает прошлые и текущие значения у </a:t>
+            </a:r>
+            <a:r>
+              <a:rPr lang="en-US" dirty="0"/>
+              <a:t>props (</a:t>
+            </a:r>
+            <a:r>
+              <a:rPr lang="ru-RU" dirty="0"/>
+              <a:t>и не только </a:t>
+            </a:r>
+            <a:r>
+              <a:rPr lang="en-US" dirty="0"/>
+              <a:t>props)</a:t>
+            </a:r>
+            <a:r>
+              <a:rPr lang="ru-RU" dirty="0"/>
+              <a:t>.</a:t>
+            </a:r>
+            <a:endParaRPr lang="en-US" dirty="0"/>
+          </a:p>
+          <a:p>
+            <a:r>
+              <a:rPr lang="ru-RU" dirty="0"/>
+              <a:t>Одновременное использование </a:t>
+            </a:r>
+            <a:r>
+              <a:rPr lang="en-US" dirty="0"/>
+              <a:t>connect</a:t>
+            </a:r>
+            <a:r>
+              <a:rPr lang="ru-RU" dirty="0"/>
+              <a:t> и </a:t>
+            </a:r>
+            <a:r>
+              <a:rPr lang="en-US" dirty="0"/>
+              <a:t>memo/</a:t>
+            </a:r>
+            <a:r>
+              <a:rPr lang="en-US" dirty="0" err="1"/>
+              <a:t>PureComponent</a:t>
+            </a:r>
+            <a:r>
+              <a:rPr lang="ru-RU" dirty="0"/>
+              <a:t> излишне, дважды будут </a:t>
+            </a:r>
+            <a:r>
+              <a:rPr lang="ru-RU" dirty="0" err="1"/>
+              <a:t>проделоваться</a:t>
+            </a:r>
+            <a:r>
+              <a:rPr lang="ru-RU" dirty="0"/>
+              <a:t> одинаковые проверки (</a:t>
+            </a:r>
+            <a:r>
+              <a:rPr lang="en-US" dirty="0"/>
+              <a:t>props</a:t>
+            </a:r>
+            <a:r>
+              <a:rPr lang="ru-RU" dirty="0"/>
+              <a:t> и </a:t>
+            </a:r>
+            <a:r>
+              <a:rPr lang="en-US" dirty="0"/>
+              <a:t>state</a:t>
+            </a:r>
+            <a:r>
+              <a:rPr lang="ru-RU" dirty="0"/>
+              <a:t> для </a:t>
+            </a:r>
+            <a:r>
+              <a:rPr lang="en-US" dirty="0" err="1"/>
+              <a:t>PureComponent</a:t>
+            </a:r>
+            <a:r>
+              <a:rPr lang="en-US" dirty="0"/>
+              <a:t>, props</a:t>
+            </a:r>
+            <a:r>
+              <a:rPr lang="ru-RU" dirty="0"/>
+              <a:t> для </a:t>
+            </a:r>
+            <a:r>
+              <a:rPr lang="en-US" dirty="0"/>
+              <a:t>memo)</a:t>
+            </a:r>
+            <a:r>
+              <a:rPr lang="ru-RU" dirty="0"/>
+              <a:t>.</a:t>
+            </a:r>
+          </a:p>
+          <a:p>
+            <a:r>
+              <a:rPr lang="ru-RU" dirty="0"/>
+              <a:t>Обертку </a:t>
+            </a:r>
+            <a:r>
+              <a:rPr lang="en-US" dirty="0"/>
+              <a:t>connect</a:t>
+            </a:r>
+            <a:r>
+              <a:rPr lang="ru-RU" dirty="0"/>
+              <a:t> следует использовать вокруг </a:t>
+            </a:r>
+            <a:r>
+              <a:rPr lang="en-US" dirty="0"/>
+              <a:t>Component/Functional Component</a:t>
+            </a:r>
+            <a:r>
+              <a:rPr lang="ru-RU" dirty="0"/>
+              <a:t> (без оптимизаций).</a:t>
+            </a:r>
+            <a:endParaRPr lang="en-US" dirty="0"/>
+          </a:p>
+          <a:p>
+            <a:endParaRPr lang="en-US" dirty="0"/>
+          </a:p>
+          <a:p>
+            <a:pPr marL="0" indent="0">
+              <a:buNone/>
+            </a:pPr>
+            <a:r>
+              <a:rPr lang="en-US" dirty="0">
+                <a:hlinkClick r:id="rId2"/>
+              </a:rPr>
+              <a:t>https://react-redux.js.org/api/connect#pure-boolean</a:t>
+            </a:r>
+            <a:endParaRPr lang="ru-RU" dirty="0"/>
+          </a:p>
+        </p:txBody>
+      </p:sp>
+      <p:sp>
+        <p:nvSpPr>
+          <p:cNvPr id="4" name="Номер слайда 3">
+            <a:extLst>
+              <a:ext uri="{FF2B5EF4-FFF2-40B4-BE49-F238E27FC236}">
+                <a16:creationId xmlns:a16="http://schemas.microsoft.com/office/drawing/2014/main" id="{55AD9978-D828-411C-80A8-CF9D76BFA05E}"/>
+              </a:ext>
+            </a:extLst>
+          </p:cNvPr>
+          <p:cNvSpPr>
+            <a:spLocks noGrp="1"/>
+          </p:cNvSpPr>
+          <p:nvPr>
+            <p:ph type="sldNum" sz="quarter" idx="12"/>
+          </p:nvPr>
+        </p:nvSpPr>
+        <p:spPr/>
+        <p:txBody>
+          <a:bodyPr/>
+          <a:lstStyle/>
+          <a:p>
+            <a:fld id="{2AA06E25-3985-4D43-9B6C-C0B92CD594CF}" type="slidenum">
+              <a:rPr lang="en-US" smtClean="0"/>
+              <a:t>39</a:t>
+            </a:fld>
+            <a:endParaRPr lang="en-US"/>
+          </a:p>
+        </p:txBody>
+      </p:sp>
+    </p:spTree>
+    <p:extLst>
+      <p:ext uri="{BB962C8B-B14F-4D97-AF65-F5344CB8AC3E}">
+        <p14:creationId xmlns:p14="http://schemas.microsoft.com/office/powerpoint/2010/main" val="3935702428"/>
       </p:ext>
     </p:extLst>
   </p:cSld>
@@ -13733,6 +16961,478 @@
     <p:extLst>
       <p:ext uri="{BB962C8B-B14F-4D97-AF65-F5344CB8AC3E}">
         <p14:creationId xmlns:p14="http://schemas.microsoft.com/office/powerpoint/2010/main" val="2724671820"/>
+      </p:ext>
+    </p:extLst>
+  </p:cSld>
+  <p:clrMapOvr>
+    <a:masterClrMapping/>
+  </p:clrMapOvr>
+</p:sld>
+</file>
+
+<file path=ppt/slides/slide40.xml><?xml version="1.0" encoding="utf-8"?>
+<p:sld xmlns:a="http://schemas.openxmlformats.org/drawingml/2006/main" xmlns:r="http://schemas.openxmlformats.org/officeDocument/2006/relationships" xmlns:p="http://schemas.openxmlformats.org/presentationml/2006/main">
+  <p:cSld>
+    <p:spTree>
+      <p:nvGrpSpPr>
+        <p:cNvPr id="1" name=""/>
+        <p:cNvGrpSpPr/>
+        <p:nvPr/>
+      </p:nvGrpSpPr>
+      <p:grpSpPr>
+        <a:xfrm>
+          <a:off x="0" y="0"/>
+          <a:ext cx="0" cy="0"/>
+          <a:chOff x="0" y="0"/>
+          <a:chExt cx="0" cy="0"/>
+        </a:xfrm>
+      </p:grpSpPr>
+      <p:sp>
+        <p:nvSpPr>
+          <p:cNvPr id="2" name="Заголовок 1">
+            <a:extLst>
+              <a:ext uri="{FF2B5EF4-FFF2-40B4-BE49-F238E27FC236}">
+                <a16:creationId xmlns:a16="http://schemas.microsoft.com/office/drawing/2014/main" id="{207B9884-F3ED-4073-9958-49B53CF20EB1}"/>
+              </a:ext>
+            </a:extLst>
+          </p:cNvPr>
+          <p:cNvSpPr>
+            <a:spLocks noGrp="1"/>
+          </p:cNvSpPr>
+          <p:nvPr>
+            <p:ph type="title"/>
+          </p:nvPr>
+        </p:nvSpPr>
+        <p:spPr/>
+        <p:txBody>
+          <a:bodyPr/>
+          <a:lstStyle/>
+          <a:p>
+            <a:r>
+              <a:rPr lang="ru-RU" dirty="0"/>
+              <a:t>ВЫВОД</a:t>
+            </a:r>
+          </a:p>
+        </p:txBody>
+      </p:sp>
+      <p:sp>
+        <p:nvSpPr>
+          <p:cNvPr id="3" name="Объект 2">
+            <a:extLst>
+              <a:ext uri="{FF2B5EF4-FFF2-40B4-BE49-F238E27FC236}">
+                <a16:creationId xmlns:a16="http://schemas.microsoft.com/office/drawing/2014/main" id="{F952C990-63F9-4596-B8EF-126A2461AF0C}"/>
+              </a:ext>
+            </a:extLst>
+          </p:cNvPr>
+          <p:cNvSpPr>
+            <a:spLocks noGrp="1"/>
+          </p:cNvSpPr>
+          <p:nvPr>
+            <p:ph idx="1"/>
+          </p:nvPr>
+        </p:nvSpPr>
+        <p:spPr>
+          <a:xfrm>
+            <a:off x="1251678" y="2286001"/>
+            <a:ext cx="10178322" cy="4189614"/>
+          </a:xfrm>
+        </p:spPr>
+        <p:txBody>
+          <a:bodyPr>
+            <a:normAutofit/>
+          </a:bodyPr>
+          <a:lstStyle/>
+          <a:p>
+            <a:r>
+              <a:rPr lang="en-US" dirty="0" err="1"/>
+              <a:t>React.memo</a:t>
+            </a:r>
+            <a:r>
+              <a:rPr lang="ru-RU" dirty="0"/>
+              <a:t> и </a:t>
+            </a:r>
+            <a:r>
+              <a:rPr lang="en-US" dirty="0" err="1"/>
+              <a:t>PureComponent</a:t>
+            </a:r>
+            <a:r>
+              <a:rPr lang="ru-RU" dirty="0"/>
+              <a:t> одинаково хорошо оптимизируют компоненты.</a:t>
+            </a:r>
+          </a:p>
+          <a:p>
+            <a:r>
+              <a:rPr lang="ru-RU" dirty="0"/>
+              <a:t>В </a:t>
+            </a:r>
+            <a:r>
+              <a:rPr lang="en-US" dirty="0" err="1"/>
+              <a:t>React.memo</a:t>
+            </a:r>
+            <a:r>
+              <a:rPr lang="ru-RU" dirty="0"/>
+              <a:t> следует хранить ссылки на функции между итерациями (особенности функциональных компонентов) для того, чтобы избежать лишних вызовов </a:t>
+            </a:r>
+            <a:r>
+              <a:rPr lang="en-US" dirty="0"/>
+              <a:t>render()</a:t>
+            </a:r>
+            <a:r>
+              <a:rPr lang="ru-RU" dirty="0"/>
+              <a:t> в дочерних компонентах.</a:t>
+            </a:r>
+            <a:endParaRPr lang="en-US" dirty="0"/>
+          </a:p>
+          <a:p>
+            <a:r>
+              <a:rPr lang="ru-RU" dirty="0"/>
+              <a:t>Лишний вызов </a:t>
+            </a:r>
+            <a:r>
+              <a:rPr lang="en-US" dirty="0"/>
+              <a:t>render()</a:t>
+            </a:r>
+            <a:r>
+              <a:rPr lang="ru-RU" dirty="0"/>
+              <a:t> у дочерних компонентов критичен в случае, когда дочерние компоненты тяжелые.</a:t>
+            </a:r>
+          </a:p>
+          <a:p>
+            <a:r>
+              <a:rPr lang="ru-RU" dirty="0"/>
+              <a:t>Нет необходимости в одновременном использовании обертки </a:t>
+            </a:r>
+            <a:r>
+              <a:rPr lang="en-US" dirty="0"/>
+              <a:t>connect()</a:t>
+            </a:r>
+            <a:r>
+              <a:rPr lang="ru-RU" dirty="0"/>
+              <a:t> и </a:t>
+            </a:r>
+            <a:r>
+              <a:rPr lang="en-US" dirty="0"/>
+              <a:t>memo/</a:t>
+            </a:r>
+            <a:r>
+              <a:rPr lang="en-US" dirty="0" err="1"/>
+              <a:t>PureComponent</a:t>
+            </a:r>
+            <a:r>
+              <a:rPr lang="ru-RU" dirty="0"/>
+              <a:t>. При одновременном наличии </a:t>
+            </a:r>
+            <a:r>
+              <a:rPr lang="en-US" dirty="0"/>
+              <a:t>connect</a:t>
+            </a:r>
+            <a:r>
+              <a:rPr lang="ru-RU" dirty="0"/>
+              <a:t> и </a:t>
+            </a:r>
+            <a:r>
+              <a:rPr lang="en-US" dirty="0"/>
+              <a:t>memo/</a:t>
+            </a:r>
+            <a:r>
+              <a:rPr lang="en-US" dirty="0" err="1"/>
+              <a:t>PureComponent</a:t>
+            </a:r>
+            <a:r>
+              <a:rPr lang="ru-RU" dirty="0"/>
+              <a:t> у нас будут происходить лишние перерасчеты (сначала в </a:t>
+            </a:r>
+            <a:r>
+              <a:rPr lang="en-US" dirty="0"/>
+              <a:t>connect</a:t>
+            </a:r>
+            <a:r>
+              <a:rPr lang="ru-RU" dirty="0"/>
+              <a:t>, а потом в </a:t>
+            </a:r>
+            <a:r>
+              <a:rPr lang="en-US" dirty="0"/>
+              <a:t>memo/</a:t>
+            </a:r>
+            <a:r>
+              <a:rPr lang="en-US" dirty="0" err="1"/>
+              <a:t>PureComponent</a:t>
+            </a:r>
+            <a:r>
+              <a:rPr lang="en-US" dirty="0"/>
+              <a:t>)</a:t>
+            </a:r>
+            <a:r>
+              <a:rPr lang="ru-RU" dirty="0"/>
+              <a:t>.</a:t>
+            </a:r>
+          </a:p>
+        </p:txBody>
+      </p:sp>
+      <p:sp>
+        <p:nvSpPr>
+          <p:cNvPr id="4" name="Номер слайда 3">
+            <a:extLst>
+              <a:ext uri="{FF2B5EF4-FFF2-40B4-BE49-F238E27FC236}">
+                <a16:creationId xmlns:a16="http://schemas.microsoft.com/office/drawing/2014/main" id="{11D0F1AA-5CC7-4C8B-AC0B-2C2B0699050F}"/>
+              </a:ext>
+            </a:extLst>
+          </p:cNvPr>
+          <p:cNvSpPr>
+            <a:spLocks noGrp="1"/>
+          </p:cNvSpPr>
+          <p:nvPr>
+            <p:ph type="sldNum" sz="quarter" idx="12"/>
+          </p:nvPr>
+        </p:nvSpPr>
+        <p:spPr/>
+        <p:txBody>
+          <a:bodyPr/>
+          <a:lstStyle/>
+          <a:p>
+            <a:fld id="{2AA06E25-3985-4D43-9B6C-C0B92CD594CF}" type="slidenum">
+              <a:rPr lang="en-US" smtClean="0"/>
+              <a:t>40</a:t>
+            </a:fld>
+            <a:endParaRPr lang="en-US"/>
+          </a:p>
+        </p:txBody>
+      </p:sp>
+    </p:spTree>
+    <p:extLst>
+      <p:ext uri="{BB962C8B-B14F-4D97-AF65-F5344CB8AC3E}">
+        <p14:creationId xmlns:p14="http://schemas.microsoft.com/office/powerpoint/2010/main" val="1410031772"/>
+      </p:ext>
+    </p:extLst>
+  </p:cSld>
+  <p:clrMapOvr>
+    <a:masterClrMapping/>
+  </p:clrMapOvr>
+</p:sld>
+</file>
+
+<file path=ppt/slides/slide41.xml><?xml version="1.0" encoding="utf-8"?>
+<p:sld xmlns:a="http://schemas.openxmlformats.org/drawingml/2006/main" xmlns:r="http://schemas.openxmlformats.org/officeDocument/2006/relationships" xmlns:p="http://schemas.openxmlformats.org/presentationml/2006/main">
+  <p:cSld>
+    <p:spTree>
+      <p:nvGrpSpPr>
+        <p:cNvPr id="1" name=""/>
+        <p:cNvGrpSpPr/>
+        <p:nvPr/>
+      </p:nvGrpSpPr>
+      <p:grpSpPr>
+        <a:xfrm>
+          <a:off x="0" y="0"/>
+          <a:ext cx="0" cy="0"/>
+          <a:chOff x="0" y="0"/>
+          <a:chExt cx="0" cy="0"/>
+        </a:xfrm>
+      </p:grpSpPr>
+      <p:sp>
+        <p:nvSpPr>
+          <p:cNvPr id="2" name="Заголовок 1">
+            <a:extLst>
+              <a:ext uri="{FF2B5EF4-FFF2-40B4-BE49-F238E27FC236}">
+                <a16:creationId xmlns:a16="http://schemas.microsoft.com/office/drawing/2014/main" id="{3A522856-C4E0-402C-92AD-D03D563A443F}"/>
+              </a:ext>
+            </a:extLst>
+          </p:cNvPr>
+          <p:cNvSpPr>
+            <a:spLocks noGrp="1"/>
+          </p:cNvSpPr>
+          <p:nvPr>
+            <p:ph type="title"/>
+          </p:nvPr>
+        </p:nvSpPr>
+        <p:spPr/>
+        <p:txBody>
+          <a:bodyPr/>
+          <a:lstStyle/>
+          <a:p>
+            <a:r>
+              <a:rPr lang="ru-RU" dirty="0"/>
+              <a:t>Полезные ссылки</a:t>
+            </a:r>
+          </a:p>
+        </p:txBody>
+      </p:sp>
+      <p:sp>
+        <p:nvSpPr>
+          <p:cNvPr id="3" name="Объект 2">
+            <a:extLst>
+              <a:ext uri="{FF2B5EF4-FFF2-40B4-BE49-F238E27FC236}">
+                <a16:creationId xmlns:a16="http://schemas.microsoft.com/office/drawing/2014/main" id="{D3C3D9D3-4628-4E29-8D2B-CB5FAB60E73D}"/>
+              </a:ext>
+            </a:extLst>
+          </p:cNvPr>
+          <p:cNvSpPr>
+            <a:spLocks noGrp="1"/>
+          </p:cNvSpPr>
+          <p:nvPr>
+            <p:ph idx="1"/>
+          </p:nvPr>
+        </p:nvSpPr>
+        <p:spPr/>
+        <p:txBody>
+          <a:bodyPr/>
+          <a:lstStyle/>
+          <a:p>
+            <a:r>
+              <a:rPr lang="en-US" dirty="0">
+                <a:hlinkClick r:id="rId2"/>
+              </a:rPr>
+              <a:t>https://github.com/artem-gorokhovskii/PureComponent-VS-memo</a:t>
+            </a:r>
+            <a:r>
+              <a:rPr lang="ru-RU" dirty="0"/>
+              <a:t> – репозиторий с приложением, которое рассматривали в данном разделе.</a:t>
+            </a:r>
+          </a:p>
+        </p:txBody>
+      </p:sp>
+      <p:sp>
+        <p:nvSpPr>
+          <p:cNvPr id="4" name="Номер слайда 3">
+            <a:extLst>
+              <a:ext uri="{FF2B5EF4-FFF2-40B4-BE49-F238E27FC236}">
+                <a16:creationId xmlns:a16="http://schemas.microsoft.com/office/drawing/2014/main" id="{5041A5FC-B3AE-408A-8866-156C52909513}"/>
+              </a:ext>
+            </a:extLst>
+          </p:cNvPr>
+          <p:cNvSpPr>
+            <a:spLocks noGrp="1"/>
+          </p:cNvSpPr>
+          <p:nvPr>
+            <p:ph type="sldNum" sz="quarter" idx="12"/>
+          </p:nvPr>
+        </p:nvSpPr>
+        <p:spPr/>
+        <p:txBody>
+          <a:bodyPr/>
+          <a:lstStyle/>
+          <a:p>
+            <a:fld id="{2AA06E25-3985-4D43-9B6C-C0B92CD594CF}" type="slidenum">
+              <a:rPr lang="en-US" smtClean="0"/>
+              <a:t>41</a:t>
+            </a:fld>
+            <a:endParaRPr lang="en-US"/>
+          </a:p>
+        </p:txBody>
+      </p:sp>
+    </p:spTree>
+    <p:extLst>
+      <p:ext uri="{BB962C8B-B14F-4D97-AF65-F5344CB8AC3E}">
+        <p14:creationId xmlns:p14="http://schemas.microsoft.com/office/powerpoint/2010/main" val="979466617"/>
+      </p:ext>
+    </p:extLst>
+  </p:cSld>
+  <p:clrMapOvr>
+    <a:masterClrMapping/>
+  </p:clrMapOvr>
+</p:sld>
+</file>
+
+<file path=ppt/slides/slide42.xml><?xml version="1.0" encoding="utf-8"?>
+<p:sld xmlns:a="http://schemas.openxmlformats.org/drawingml/2006/main" xmlns:r="http://schemas.openxmlformats.org/officeDocument/2006/relationships" xmlns:p="http://schemas.openxmlformats.org/presentationml/2006/main">
+  <p:cSld>
+    <p:bg>
+      <p:bgPr>
+        <a:solidFill>
+          <a:schemeClr val="bg2"/>
+        </a:solidFill>
+        <a:effectLst/>
+      </p:bgPr>
+    </p:bg>
+    <p:spTree>
+      <p:nvGrpSpPr>
+        <p:cNvPr id="1" name=""/>
+        <p:cNvGrpSpPr/>
+        <p:nvPr/>
+      </p:nvGrpSpPr>
+      <p:grpSpPr>
+        <a:xfrm>
+          <a:off x="0" y="0"/>
+          <a:ext cx="0" cy="0"/>
+          <a:chOff x="0" y="0"/>
+          <a:chExt cx="0" cy="0"/>
+        </a:xfrm>
+      </p:grpSpPr>
+      <p:sp>
+        <p:nvSpPr>
+          <p:cNvPr id="3" name="Content Placeholder 2">
+            <a:extLst>
+              <a:ext uri="{FF2B5EF4-FFF2-40B4-BE49-F238E27FC236}">
+                <a16:creationId xmlns:a16="http://schemas.microsoft.com/office/drawing/2014/main" id="{98795A92-AB14-42C5-9537-09362C7125D6}"/>
+              </a:ext>
+            </a:extLst>
+          </p:cNvPr>
+          <p:cNvSpPr>
+            <a:spLocks noGrp="1"/>
+          </p:cNvSpPr>
+          <p:nvPr>
+            <p:ph idx="1"/>
+          </p:nvPr>
+        </p:nvSpPr>
+        <p:spPr>
+          <a:xfrm>
+            <a:off x="3755635" y="1145695"/>
+            <a:ext cx="4680729" cy="4566609"/>
+          </a:xfrm>
+        </p:spPr>
+        <p:txBody>
+          <a:bodyPr anchor="ctr">
+            <a:normAutofit/>
+          </a:bodyPr>
+          <a:lstStyle/>
+          <a:p>
+            <a:pPr marL="0" indent="0" algn="ctr">
+              <a:buNone/>
+            </a:pPr>
+            <a:r>
+              <a:rPr lang="en-US" sz="6600" dirty="0">
+                <a:solidFill>
+                  <a:srgbClr val="2A1A00"/>
+                </a:solidFill>
+              </a:rPr>
+              <a:t>HAPPY END</a:t>
+            </a:r>
+            <a:endParaRPr lang="en-US" sz="6600" dirty="0"/>
+          </a:p>
+        </p:txBody>
+      </p:sp>
+      <p:sp>
+        <p:nvSpPr>
+          <p:cNvPr id="4" name="Номер слайда 3">
+            <a:extLst>
+              <a:ext uri="{FF2B5EF4-FFF2-40B4-BE49-F238E27FC236}">
+                <a16:creationId xmlns:a16="http://schemas.microsoft.com/office/drawing/2014/main" id="{52D6834C-44CE-4D70-A739-8D35D5C1CA3D}"/>
+              </a:ext>
+            </a:extLst>
+          </p:cNvPr>
+          <p:cNvSpPr>
+            <a:spLocks noGrp="1"/>
+          </p:cNvSpPr>
+          <p:nvPr>
+            <p:ph type="sldNum" sz="quarter" idx="12"/>
+          </p:nvPr>
+        </p:nvSpPr>
+        <p:spPr/>
+        <p:txBody>
+          <a:bodyPr/>
+          <a:lstStyle/>
+          <a:p>
+            <a:fld id="{2AA06E25-3985-4D43-9B6C-C0B92CD594CF}" type="slidenum">
+              <a:rPr lang="en-US" smtClean="0"/>
+              <a:t>42</a:t>
+            </a:fld>
+            <a:endParaRPr lang="en-US"/>
+          </a:p>
+        </p:txBody>
+      </p:sp>
+    </p:spTree>
+    <p:extLst>
+      <p:ext uri="{BB962C8B-B14F-4D97-AF65-F5344CB8AC3E}">
+        <p14:creationId xmlns:p14="http://schemas.microsoft.com/office/powerpoint/2010/main" val="4028498217"/>
       </p:ext>
     </p:extLst>
   </p:cSld>

--- a/PureComponent-vs-memo.pptx
+++ b/PureComponent-vs-memo.pptx
@@ -13712,7 +13712,7 @@
             </a:r>
             <a:r>
               <a:rPr lang="en-US" dirty="0" err="1"/>
-              <a:t>react.memo</a:t>
+              <a:t>React.memo</a:t>
             </a:r>
             <a:r>
               <a:rPr lang="ru-RU" dirty="0"/>
@@ -16577,15 +16577,15 @@
             </a:r>
             <a:r>
               <a:rPr lang="ru-RU" dirty="0"/>
+              <a:t> по</a:t>
+            </a:r>
+            <a:r>
+              <a:rPr lang="en-US" dirty="0"/>
               <a:t> </a:t>
             </a:r>
             <a:r>
-              <a:rPr lang="ru-RU" dirty="0" err="1"/>
-              <a:t>по-умолчанию</a:t>
-            </a:r>
-            <a:r>
-              <a:rPr lang="ru-RU" dirty="0"/>
-              <a:t> стоит свойство </a:t>
+              <a:rPr lang="ru-RU" dirty="0"/>
+              <a:t>умолчанию стоит свойство </a:t>
             </a:r>
             <a:r>
               <a:rPr lang="en-US" dirty="0"/>
@@ -16636,15 +16636,7 @@
             </a:r>
             <a:r>
               <a:rPr lang="ru-RU" dirty="0"/>
-              <a:t> излишне, дважды будут </a:t>
-            </a:r>
-            <a:r>
-              <a:rPr lang="ru-RU" dirty="0" err="1"/>
-              <a:t>проделоваться</a:t>
-            </a:r>
-            <a:r>
-              <a:rPr lang="ru-RU" dirty="0"/>
-              <a:t> одинаковые проверки (</a:t>
+              <a:t> излишне, дважды будут проделываться одинаковые проверки (</a:t>
             </a:r>
             <a:r>
               <a:rPr lang="en-US" dirty="0"/>
@@ -16841,7 +16833,7 @@
             <a:pPr lvl="1"/>
             <a:r>
               <a:rPr lang="ru-RU" dirty="0"/>
-              <a:t>Сравнение абсолютных значений примитивов ( </a:t>
+              <a:t>Сравнение значений примитивов ( </a:t>
             </a:r>
             <a:r>
               <a:rPr lang="en-US" dirty="0"/>
@@ -17749,7 +17741,7 @@
         </p:nvSpPr>
         <p:spPr>
           <a:xfrm>
-            <a:off x="5028227" y="3209461"/>
+            <a:off x="5034577" y="3598229"/>
             <a:ext cx="2490652" cy="1053737"/>
           </a:xfrm>
           <a:prstGeom prst="rect">
@@ -17924,8 +17916,8 @@
         </p:nvCxnSpPr>
         <p:spPr>
           <a:xfrm rot="5400000">
-            <a:off x="5809821" y="4726930"/>
-            <a:ext cx="927464" cy="12700"/>
+            <a:off x="6007380" y="4918139"/>
+            <a:ext cx="538696" cy="6350"/>
           </a:xfrm>
           <a:prstGeom prst="bentConnector3">
             <a:avLst/>
@@ -17966,8 +17958,8 @@
         </p:nvCxnSpPr>
         <p:spPr>
           <a:xfrm rot="5400000">
-            <a:off x="4179142" y="3096251"/>
-            <a:ext cx="927465" cy="3261358"/>
+            <a:off x="4376701" y="3287460"/>
+            <a:ext cx="538697" cy="3267708"/>
           </a:xfrm>
           <a:prstGeom prst="bentConnector3">
             <a:avLst/>
@@ -18073,8 +18065,8 @@
         </p:nvCxnSpPr>
         <p:spPr>
           <a:xfrm rot="16200000" flipH="1">
-            <a:off x="7440500" y="3096250"/>
-            <a:ext cx="927463" cy="3261357"/>
+            <a:off x="7638059" y="3293809"/>
+            <a:ext cx="538695" cy="3255007"/>
           </a:xfrm>
           <a:prstGeom prst="bentConnector3">
             <a:avLst/>
@@ -18112,7 +18104,7 @@
         </p:nvSpPr>
         <p:spPr>
           <a:xfrm>
-            <a:off x="5034577" y="1599162"/>
+            <a:off x="5034577" y="2209503"/>
             <a:ext cx="2490652" cy="1053737"/>
           </a:xfrm>
           <a:prstGeom prst="rect">
@@ -18163,9 +18155,9 @@
           <p:nvPr/>
         </p:nvCxnSpPr>
         <p:spPr>
-          <a:xfrm flipH="1">
-            <a:off x="6273553" y="2652899"/>
-            <a:ext cx="6350" cy="556562"/>
+          <a:xfrm>
+            <a:off x="6279903" y="3263240"/>
+            <a:ext cx="0" cy="334989"/>
           </a:xfrm>
           <a:prstGeom prst="straightConnector1">
             <a:avLst/>
@@ -18205,8 +18197,8 @@
         </p:nvSpPr>
         <p:spPr>
           <a:xfrm>
-            <a:off x="1188130" y="1599162"/>
-            <a:ext cx="3833747" cy="2887451"/>
+            <a:off x="1200830" y="1386355"/>
+            <a:ext cx="10178322" cy="488159"/>
           </a:xfrm>
           <a:prstGeom prst="rect">
             <a:avLst/>

--- a/PureComponent-vs-memo.pptx
+++ b/PureComponent-vs-memo.pptx
@@ -16554,9 +16554,16 @@
             <p:ph idx="1"/>
           </p:nvPr>
         </p:nvSpPr>
-        <p:spPr/>
-        <p:txBody>
-          <a:bodyPr/>
+        <p:spPr>
+          <a:xfrm>
+            <a:off x="1251678" y="2139519"/>
+            <a:ext cx="10178322" cy="4145872"/>
+          </a:xfrm>
+        </p:spPr>
+        <p:txBody>
+          <a:bodyPr>
+            <a:normAutofit/>
+          </a:bodyPr>
           <a:lstStyle/>
           <a:p>
             <a:r>
@@ -16593,7 +16600,15 @@
             </a:r>
             <a:r>
               <a:rPr lang="ru-RU" dirty="0"/>
-              <a:t>, которое поверхностно сравнивает прошлые и текущие значения у </a:t>
+              <a:t>, при наличии которого </a:t>
+            </a:r>
+            <a:r>
+              <a:rPr lang="en-US" dirty="0"/>
+              <a:t>connect</a:t>
+            </a:r>
+            <a:r>
+              <a:rPr lang="ru-RU" dirty="0"/>
+              <a:t> поверхностно сравнивает прошлые и текущие значения у </a:t>
             </a:r>
             <a:r>
               <a:rPr lang="en-US" dirty="0"/>

--- a/PureComponent-vs-memo.pptx
+++ b/PureComponent-vs-memo.pptx
@@ -14366,7 +14366,7 @@
             </a:r>
             <a:r>
               <a:rPr lang="en-US" dirty="0"/>
-              <a:t>connect()</a:t>
+              <a:t>connect</a:t>
             </a:r>
             <a:r>
               <a:rPr lang="ru-RU" dirty="0"/>
@@ -15696,7 +15696,7 @@
             </a:r>
             <a:r>
               <a:rPr lang="en-US" dirty="0"/>
-              <a:t>connect()</a:t>
+              <a:t>connect</a:t>
             </a:r>
             <a:r>
               <a:rPr lang="ru-RU" dirty="0"/>
@@ -15712,7 +15712,7 @@
             </a:r>
             <a:r>
               <a:rPr lang="en-US" dirty="0"/>
-              <a:t>connect()</a:t>
+              <a:t>connect</a:t>
             </a:r>
             <a:r>
               <a:rPr lang="ru-RU" dirty="0"/>
@@ -16421,7 +16421,7 @@
             </a:r>
             <a:r>
               <a:rPr lang="en-US" dirty="0"/>
-              <a:t>connect()</a:t>
+              <a:t>connect</a:t>
             </a:r>
             <a:r>
               <a:rPr lang="ru-RU" dirty="0"/>
@@ -17111,7 +17111,7 @@
             </a:r>
             <a:r>
               <a:rPr lang="en-US" dirty="0"/>
-              <a:t>connect()</a:t>
+              <a:t>connect</a:t>
             </a:r>
             <a:r>
               <a:rPr lang="ru-RU" dirty="0"/>
@@ -17630,7 +17630,7 @@
             </a:r>
             <a:r>
               <a:rPr lang="en-US" dirty="0" err="1"/>
-              <a:t>SingleName</a:t>
+              <a:t>MultiNames</a:t>
             </a:r>
             <a:r>
               <a:rPr lang="ru-RU" dirty="0"/>

--- a/PureComponent-vs-memo.pptx
+++ b/PureComponent-vs-memo.pptx
@@ -10303,6 +10303,33 @@
               <a:t>.</a:t>
             </a:r>
           </a:p>
+          <a:p>
+            <a:r>
+              <a:rPr lang="ru-RU" dirty="0"/>
+              <a:t>Оптимизация также не удалась, происходит </a:t>
+            </a:r>
+            <a:r>
+              <a:rPr lang="ru-RU" dirty="0" err="1"/>
+              <a:t>повторый</a:t>
+            </a:r>
+            <a:r>
+              <a:rPr lang="ru-RU" dirty="0"/>
+              <a:t> вызов</a:t>
+            </a:r>
+            <a:r>
+              <a:rPr lang="en-US" dirty="0"/>
+              <a:t> render()</a:t>
+            </a:r>
+            <a:r>
+              <a:rPr lang="ru-RU" dirty="0"/>
+              <a:t> у </a:t>
+            </a:r>
+            <a:r>
+              <a:rPr lang="en-US" dirty="0"/>
+              <a:t>App.</a:t>
+            </a:r>
+            <a:endParaRPr lang="ru-RU" dirty="0"/>
+          </a:p>
         </p:txBody>
       </p:sp>
       <p:pic>
@@ -10327,7 +10354,7 @@
         </p:blipFill>
         <p:spPr>
           <a:xfrm>
-            <a:off x="1590675" y="3429000"/>
+            <a:off x="1590675" y="3698367"/>
             <a:ext cx="9010650" cy="2181225"/>
           </a:xfrm>
           <a:prstGeom prst="rect">

--- a/PureComponent-vs-memo.pptx
+++ b/PureComponent-vs-memo.pptx
@@ -5,7 +5,7 @@
     <p:sldMasterId id="2147483696" r:id="rId1"/>
   </p:sldMasterIdLst>
   <p:notesMasterIdLst>
-    <p:notesMasterId r:id="rId44"/>
+    <p:notesMasterId r:id="rId45"/>
   </p:notesMasterIdLst>
   <p:sldIdLst>
     <p:sldId id="315" r:id="rId2"/>
@@ -36,20 +36,21 @@
     <p:sldId id="340" r:id="rId27"/>
     <p:sldId id="345" r:id="rId28"/>
     <p:sldId id="346" r:id="rId29"/>
-    <p:sldId id="350" r:id="rId30"/>
-    <p:sldId id="351" r:id="rId31"/>
-    <p:sldId id="354" r:id="rId32"/>
-    <p:sldId id="352" r:id="rId33"/>
-    <p:sldId id="355" r:id="rId34"/>
-    <p:sldId id="356" r:id="rId35"/>
-    <p:sldId id="357" r:id="rId36"/>
-    <p:sldId id="358" r:id="rId37"/>
-    <p:sldId id="359" r:id="rId38"/>
-    <p:sldId id="360" r:id="rId39"/>
-    <p:sldId id="361" r:id="rId40"/>
-    <p:sldId id="347" r:id="rId41"/>
-    <p:sldId id="348" r:id="rId42"/>
-    <p:sldId id="291" r:id="rId43"/>
+    <p:sldId id="362" r:id="rId30"/>
+    <p:sldId id="350" r:id="rId31"/>
+    <p:sldId id="351" r:id="rId32"/>
+    <p:sldId id="354" r:id="rId33"/>
+    <p:sldId id="352" r:id="rId34"/>
+    <p:sldId id="355" r:id="rId35"/>
+    <p:sldId id="356" r:id="rId36"/>
+    <p:sldId id="357" r:id="rId37"/>
+    <p:sldId id="358" r:id="rId38"/>
+    <p:sldId id="359" r:id="rId39"/>
+    <p:sldId id="360" r:id="rId40"/>
+    <p:sldId id="361" r:id="rId41"/>
+    <p:sldId id="347" r:id="rId42"/>
+    <p:sldId id="348" r:id="rId43"/>
+    <p:sldId id="291" r:id="rId44"/>
   </p:sldIdLst>
   <p:sldSz cx="12192000" cy="6858000"/>
   <p:notesSz cx="6858000" cy="9144000"/>
@@ -12634,60 +12635,20 @@
             </a:r>
             <a:r>
               <a:rPr lang="en-US" dirty="0"/>
-              <a:t>(</a:t>
+              <a:t>( </a:t>
             </a:r>
             <a:r>
               <a:rPr lang="en-US" dirty="0" err="1"/>
-              <a:t>React.useMemo</a:t>
-            </a:r>
-            <a:r>
-              <a:rPr lang="en-US" dirty="0"/>
-              <a:t>)</a:t>
+              <a:t>useCallback</a:t>
+            </a:r>
+            <a:r>
+              <a:rPr lang="en-US" dirty="0"/>
+              <a:t> )</a:t>
             </a:r>
             <a:r>
               <a:rPr lang="ru-RU" dirty="0"/>
               <a:t>.</a:t>
             </a:r>
-            <a:endParaRPr lang="en-US" dirty="0"/>
-          </a:p>
-          <a:p>
-            <a:r>
-              <a:rPr lang="ru-RU" dirty="0"/>
-              <a:t>Использование </a:t>
-            </a:r>
-            <a:r>
-              <a:rPr lang="en-US" dirty="0" err="1"/>
-              <a:t>React.useRef</a:t>
-            </a:r>
-            <a:r>
-              <a:rPr lang="en-US" dirty="0"/>
-              <a:t>()</a:t>
-            </a:r>
-            <a:r>
-              <a:rPr lang="ru-RU" dirty="0"/>
-              <a:t> для хранения ссылки между итерациями</a:t>
-            </a:r>
-            <a:r>
-              <a:rPr lang="en-US" dirty="0"/>
-              <a:t> (</a:t>
-            </a:r>
-            <a:r>
-              <a:rPr lang="ru-RU" dirty="0"/>
-              <a:t>при использовании не забудьте про свойство </a:t>
-            </a:r>
-            <a:r>
-              <a:rPr lang="en-US" dirty="0"/>
-              <a:t>current</a:t>
-            </a:r>
-            <a:r>
-              <a:rPr lang="ru-RU" dirty="0"/>
-              <a:t>)</a:t>
-            </a:r>
-            <a:r>
-              <a:rPr lang="en-US" dirty="0"/>
-              <a:t>.</a:t>
-            </a:r>
-            <a:endParaRPr lang="ru-RU" dirty="0"/>
           </a:p>
         </p:txBody>
       </p:sp>
@@ -12768,7 +12729,9 @@
         </p:nvSpPr>
         <p:spPr/>
         <p:txBody>
-          <a:bodyPr/>
+          <a:bodyPr>
+            <a:normAutofit fontScale="90000"/>
+          </a:bodyPr>
           <a:lstStyle/>
           <a:p>
             <a:r>
@@ -12777,7 +12740,7 @@
             </a:r>
             <a:r>
               <a:rPr lang="en-US" dirty="0" err="1"/>
-              <a:t>usememo</a:t>
+              <a:t>usecallback</a:t>
             </a:r>
             <a:r>
               <a:rPr lang="ru-RU" dirty="0"/>
@@ -12802,7 +12765,12 @@
             <p:ph idx="1"/>
           </p:nvPr>
         </p:nvSpPr>
-        <p:spPr/>
+        <p:spPr>
+          <a:xfrm>
+            <a:off x="1251678" y="1876869"/>
+            <a:ext cx="10178322" cy="3593591"/>
+          </a:xfrm>
+        </p:spPr>
         <p:txBody>
           <a:bodyPr/>
           <a:lstStyle/>
@@ -12848,10 +12816,10 @@
       </p:sp>
       <p:pic>
         <p:nvPicPr>
-          <p:cNvPr id="4" name="Рисунок 3">
-            <a:extLst>
-              <a:ext uri="{FF2B5EF4-FFF2-40B4-BE49-F238E27FC236}">
-                <a16:creationId xmlns:a16="http://schemas.microsoft.com/office/drawing/2014/main" id="{E99B0803-D463-4836-9A80-8B88C60883F0}"/>
+          <p:cNvPr id="5" name="Рисунок 4">
+            <a:extLst>
+              <a:ext uri="{FF2B5EF4-FFF2-40B4-BE49-F238E27FC236}">
+                <a16:creationId xmlns:a16="http://schemas.microsoft.com/office/drawing/2014/main" id="{8837684B-6CDF-40B1-AE4B-3CA5C99B5F42}"/>
               </a:ext>
             </a:extLst>
           </p:cNvPr>
@@ -12868,20 +12836,49 @@
         </p:blipFill>
         <p:spPr>
           <a:xfrm>
-            <a:off x="2610202" y="3508899"/>
-            <a:ext cx="6971595" cy="945642"/>
+            <a:off x="1585912" y="5136082"/>
+            <a:ext cx="9020175" cy="1504950"/>
           </a:xfrm>
           <a:prstGeom prst="rect">
             <a:avLst/>
           </a:prstGeom>
         </p:spPr>
       </p:pic>
+      <p:sp>
+        <p:nvSpPr>
+          <p:cNvPr id="6" name="Номер слайда 5">
+            <a:extLst>
+              <a:ext uri="{FF2B5EF4-FFF2-40B4-BE49-F238E27FC236}">
+                <a16:creationId xmlns:a16="http://schemas.microsoft.com/office/drawing/2014/main" id="{4324065C-03FF-4030-B021-5A6679A5719C}"/>
+              </a:ext>
+            </a:extLst>
+          </p:cNvPr>
+          <p:cNvSpPr>
+            <a:spLocks noGrp="1"/>
+          </p:cNvSpPr>
+          <p:nvPr>
+            <p:ph type="sldNum" sz="quarter" idx="12"/>
+          </p:nvPr>
+        </p:nvSpPr>
+        <p:spPr/>
+        <p:txBody>
+          <a:bodyPr/>
+          <a:lstStyle/>
+          <a:p>
+            <a:fld id="{2AA06E25-3985-4D43-9B6C-C0B92CD594CF}" type="slidenum">
+              <a:rPr lang="en-US" smtClean="0"/>
+              <a:t>28</a:t>
+            </a:fld>
+            <a:endParaRPr lang="en-US"/>
+          </a:p>
+        </p:txBody>
+      </p:sp>
       <p:pic>
         <p:nvPicPr>
-          <p:cNvPr id="5" name="Рисунок 4">
-            <a:extLst>
-              <a:ext uri="{FF2B5EF4-FFF2-40B4-BE49-F238E27FC236}">
-                <a16:creationId xmlns:a16="http://schemas.microsoft.com/office/drawing/2014/main" id="{8837684B-6CDF-40B1-AE4B-3CA5C99B5F42}"/>
+          <p:cNvPr id="7" name="Рисунок 6">
+            <a:extLst>
+              <a:ext uri="{FF2B5EF4-FFF2-40B4-BE49-F238E27FC236}">
+                <a16:creationId xmlns:a16="http://schemas.microsoft.com/office/drawing/2014/main" id="{CDB4FB34-2C04-48F5-906D-6BBF57BA8EBB}"/>
               </a:ext>
             </a:extLst>
           </p:cNvPr>
@@ -12898,43 +12895,14 @@
         </p:blipFill>
         <p:spPr>
           <a:xfrm>
-            <a:off x="1585909" y="4611857"/>
-            <a:ext cx="9020175" cy="1504950"/>
+            <a:off x="2020313" y="3429000"/>
+            <a:ext cx="8151374" cy="1162733"/>
           </a:xfrm>
           <a:prstGeom prst="rect">
             <a:avLst/>
           </a:prstGeom>
         </p:spPr>
       </p:pic>
-      <p:sp>
-        <p:nvSpPr>
-          <p:cNvPr id="6" name="Номер слайда 5">
-            <a:extLst>
-              <a:ext uri="{FF2B5EF4-FFF2-40B4-BE49-F238E27FC236}">
-                <a16:creationId xmlns:a16="http://schemas.microsoft.com/office/drawing/2014/main" id="{4324065C-03FF-4030-B021-5A6679A5719C}"/>
-              </a:ext>
-            </a:extLst>
-          </p:cNvPr>
-          <p:cNvSpPr>
-            <a:spLocks noGrp="1"/>
-          </p:cNvSpPr>
-          <p:nvPr>
-            <p:ph type="sldNum" sz="quarter" idx="12"/>
-          </p:nvPr>
-        </p:nvSpPr>
-        <p:spPr/>
-        <p:txBody>
-          <a:bodyPr/>
-          <a:lstStyle/>
-          <a:p>
-            <a:fld id="{2AA06E25-3985-4D43-9B6C-C0B92CD594CF}" type="slidenum">
-              <a:rPr lang="en-US" smtClean="0"/>
-              <a:t>28</a:t>
-            </a:fld>
-            <a:endParaRPr lang="en-US"/>
-          </a:p>
-        </p:txBody>
-      </p:sp>
     </p:spTree>
     <p:extLst>
       <p:ext uri="{BB962C8B-B14F-4D97-AF65-F5344CB8AC3E}">
@@ -12949,6 +12917,418 @@
 </file>
 
 <file path=ppt/slides/slide29.xml><?xml version="1.0" encoding="utf-8"?>
+<p:sld xmlns:a="http://schemas.openxmlformats.org/drawingml/2006/main" xmlns:r="http://schemas.openxmlformats.org/officeDocument/2006/relationships" xmlns:p="http://schemas.openxmlformats.org/presentationml/2006/main">
+  <p:cSld>
+    <p:spTree>
+      <p:nvGrpSpPr>
+        <p:cNvPr id="1" name=""/>
+        <p:cNvGrpSpPr/>
+        <p:nvPr/>
+      </p:nvGrpSpPr>
+      <p:grpSpPr>
+        <a:xfrm>
+          <a:off x="0" y="0"/>
+          <a:ext cx="0" cy="0"/>
+          <a:chOff x="0" y="0"/>
+          <a:chExt cx="0" cy="0"/>
+        </a:xfrm>
+      </p:grpSpPr>
+      <p:sp>
+        <p:nvSpPr>
+          <p:cNvPr id="2" name="Заголовок 1">
+            <a:extLst>
+              <a:ext uri="{FF2B5EF4-FFF2-40B4-BE49-F238E27FC236}">
+                <a16:creationId xmlns:a16="http://schemas.microsoft.com/office/drawing/2014/main" id="{A0FF2CA2-0838-49F9-A819-A2C1360D3DCF}"/>
+              </a:ext>
+            </a:extLst>
+          </p:cNvPr>
+          <p:cNvSpPr>
+            <a:spLocks noGrp="1"/>
+          </p:cNvSpPr>
+          <p:nvPr>
+            <p:ph type="title"/>
+          </p:nvPr>
+        </p:nvSpPr>
+        <p:spPr/>
+        <p:txBody>
+          <a:bodyPr/>
+          <a:lstStyle/>
+          <a:p>
+            <a:r>
+              <a:rPr lang="ru-RU" dirty="0"/>
+              <a:t>Использование </a:t>
+            </a:r>
+            <a:r>
+              <a:rPr lang="en-US" dirty="0" err="1"/>
+              <a:t>usememo</a:t>
+            </a:r>
+            <a:r>
+              <a:rPr lang="ru-RU" dirty="0"/>
+              <a:t> и </a:t>
+            </a:r>
+            <a:r>
+              <a:rPr lang="en-US" dirty="0" err="1"/>
+              <a:t>usecallback</a:t>
+            </a:r>
+            <a:endParaRPr lang="ru-RU" dirty="0"/>
+          </a:p>
+        </p:txBody>
+      </p:sp>
+      <p:sp>
+        <p:nvSpPr>
+          <p:cNvPr id="3" name="Объект 2">
+            <a:extLst>
+              <a:ext uri="{FF2B5EF4-FFF2-40B4-BE49-F238E27FC236}">
+                <a16:creationId xmlns:a16="http://schemas.microsoft.com/office/drawing/2014/main" id="{B54734B9-D1AD-4DB1-A395-C06251AE664F}"/>
+              </a:ext>
+            </a:extLst>
+          </p:cNvPr>
+          <p:cNvSpPr>
+            <a:spLocks noGrp="1"/>
+          </p:cNvSpPr>
+          <p:nvPr>
+            <p:ph idx="1"/>
+          </p:nvPr>
+        </p:nvSpPr>
+        <p:spPr/>
+        <p:txBody>
+          <a:bodyPr/>
+          <a:lstStyle/>
+          <a:p>
+            <a:r>
+              <a:rPr lang="en-US" dirty="0" err="1"/>
+              <a:t>React.useCallback</a:t>
+            </a:r>
+            <a:r>
+              <a:rPr lang="en-US" dirty="0"/>
+              <a:t> – </a:t>
+            </a:r>
+            <a:r>
+              <a:rPr lang="ru-RU" dirty="0"/>
+              <a:t>используем для хранения </a:t>
+            </a:r>
+            <a:r>
+              <a:rPr lang="ru-RU" b="1" dirty="0"/>
+              <a:t>методов</a:t>
+            </a:r>
+            <a:r>
+              <a:rPr lang="ru-RU" dirty="0"/>
+              <a:t> у функциональных компонентов</a:t>
+            </a:r>
+            <a:r>
+              <a:rPr lang="en-US" dirty="0"/>
+              <a:t>;</a:t>
+            </a:r>
+            <a:endParaRPr lang="ru-RU" dirty="0"/>
+          </a:p>
+          <a:p>
+            <a:r>
+              <a:rPr lang="en-US" dirty="0" err="1"/>
+              <a:t>React.useMemo</a:t>
+            </a:r>
+            <a:r>
+              <a:rPr lang="ru-RU" dirty="0"/>
+              <a:t> </a:t>
+            </a:r>
+            <a:r>
+              <a:rPr lang="en-US" dirty="0"/>
+              <a:t>–</a:t>
+            </a:r>
+            <a:r>
+              <a:rPr lang="ru-RU" dirty="0"/>
+              <a:t> используем для хранения </a:t>
+            </a:r>
+            <a:r>
+              <a:rPr lang="ru-RU" b="1" dirty="0"/>
+              <a:t>результата </a:t>
+            </a:r>
+            <a:r>
+              <a:rPr lang="ru-RU" dirty="0"/>
+              <a:t>тяжелых вычислений</a:t>
+            </a:r>
+            <a:r>
+              <a:rPr lang="en-US" dirty="0"/>
+              <a:t>.</a:t>
+            </a:r>
+            <a:endParaRPr lang="ru-RU" dirty="0"/>
+          </a:p>
+        </p:txBody>
+      </p:sp>
+      <p:sp>
+        <p:nvSpPr>
+          <p:cNvPr id="4" name="Номер слайда 3">
+            <a:extLst>
+              <a:ext uri="{FF2B5EF4-FFF2-40B4-BE49-F238E27FC236}">
+                <a16:creationId xmlns:a16="http://schemas.microsoft.com/office/drawing/2014/main" id="{C726A874-C60F-455D-A1FC-6073EC60B7A2}"/>
+              </a:ext>
+            </a:extLst>
+          </p:cNvPr>
+          <p:cNvSpPr>
+            <a:spLocks noGrp="1"/>
+          </p:cNvSpPr>
+          <p:nvPr>
+            <p:ph type="sldNum" sz="quarter" idx="12"/>
+          </p:nvPr>
+        </p:nvSpPr>
+        <p:spPr/>
+        <p:txBody>
+          <a:bodyPr/>
+          <a:lstStyle/>
+          <a:p>
+            <a:fld id="{2AA06E25-3985-4D43-9B6C-C0B92CD594CF}" type="slidenum">
+              <a:rPr lang="en-US" smtClean="0"/>
+              <a:t>29</a:t>
+            </a:fld>
+            <a:endParaRPr lang="en-US"/>
+          </a:p>
+        </p:txBody>
+      </p:sp>
+    </p:spTree>
+    <p:extLst>
+      <p:ext uri="{BB962C8B-B14F-4D97-AF65-F5344CB8AC3E}">
+        <p14:creationId xmlns:p14="http://schemas.microsoft.com/office/powerpoint/2010/main" val="1453694179"/>
+      </p:ext>
+    </p:extLst>
+  </p:cSld>
+  <p:clrMapOvr>
+    <a:masterClrMapping/>
+  </p:clrMapOvr>
+</p:sld>
+</file>
+
+<file path=ppt/slides/slide3.xml><?xml version="1.0" encoding="utf-8"?>
+<p:sld xmlns:a="http://schemas.openxmlformats.org/drawingml/2006/main" xmlns:r="http://schemas.openxmlformats.org/officeDocument/2006/relationships" xmlns:p="http://schemas.openxmlformats.org/presentationml/2006/main">
+  <p:cSld>
+    <p:spTree>
+      <p:nvGrpSpPr>
+        <p:cNvPr id="1" name=""/>
+        <p:cNvGrpSpPr/>
+        <p:nvPr/>
+      </p:nvGrpSpPr>
+      <p:grpSpPr>
+        <a:xfrm>
+          <a:off x="0" y="0"/>
+          <a:ext cx="0" cy="0"/>
+          <a:chOff x="0" y="0"/>
+          <a:chExt cx="0" cy="0"/>
+        </a:xfrm>
+      </p:grpSpPr>
+      <p:sp>
+        <p:nvSpPr>
+          <p:cNvPr id="2" name="Title 1">
+            <a:extLst>
+              <a:ext uri="{FF2B5EF4-FFF2-40B4-BE49-F238E27FC236}">
+                <a16:creationId xmlns:a16="http://schemas.microsoft.com/office/drawing/2014/main" id="{C161AF61-30BB-4DE6-93B9-D0C50D36BF52}"/>
+              </a:ext>
+            </a:extLst>
+          </p:cNvPr>
+          <p:cNvSpPr>
+            <a:spLocks noGrp="1"/>
+          </p:cNvSpPr>
+          <p:nvPr>
+            <p:ph type="title"/>
+          </p:nvPr>
+        </p:nvSpPr>
+        <p:spPr/>
+        <p:txBody>
+          <a:bodyPr/>
+          <a:lstStyle/>
+          <a:p>
+            <a:r>
+              <a:rPr lang="en-US" dirty="0" err="1"/>
+              <a:t>React.memo</a:t>
+            </a:r>
+            <a:endParaRPr lang="en-US" dirty="0"/>
+          </a:p>
+        </p:txBody>
+      </p:sp>
+      <p:sp>
+        <p:nvSpPr>
+          <p:cNvPr id="3" name="Content Placeholder 2">
+            <a:extLst>
+              <a:ext uri="{FF2B5EF4-FFF2-40B4-BE49-F238E27FC236}">
+                <a16:creationId xmlns:a16="http://schemas.microsoft.com/office/drawing/2014/main" id="{BB024C2C-9EAA-4503-BDF4-97C8DFD18D7E}"/>
+              </a:ext>
+            </a:extLst>
+          </p:cNvPr>
+          <p:cNvSpPr>
+            <a:spLocks noGrp="1"/>
+          </p:cNvSpPr>
+          <p:nvPr>
+            <p:ph idx="1"/>
+          </p:nvPr>
+        </p:nvSpPr>
+        <p:spPr>
+          <a:xfrm>
+            <a:off x="1251678" y="1874517"/>
+            <a:ext cx="10178322" cy="4323805"/>
+          </a:xfrm>
+        </p:spPr>
+        <p:txBody>
+          <a:bodyPr>
+            <a:normAutofit/>
+          </a:bodyPr>
+          <a:lstStyle/>
+          <a:p>
+            <a:r>
+              <a:rPr lang="ru-RU" dirty="0"/>
+              <a:t>Функциональный компонент вызывает свой </a:t>
+            </a:r>
+            <a:r>
+              <a:rPr lang="en-US" dirty="0"/>
+              <a:t>render()</a:t>
+            </a:r>
+            <a:r>
+              <a:rPr lang="ru-RU" dirty="0"/>
+              <a:t> на каждый вызов </a:t>
+            </a:r>
+            <a:r>
+              <a:rPr lang="en-US" dirty="0"/>
+              <a:t>render()</a:t>
+            </a:r>
+            <a:r>
+              <a:rPr lang="ru-RU" dirty="0"/>
+              <a:t> у родителя.</a:t>
+            </a:r>
+          </a:p>
+          <a:p>
+            <a:endParaRPr lang="ru-RU" dirty="0"/>
+          </a:p>
+          <a:p>
+            <a:r>
+              <a:rPr lang="en-US" dirty="0" err="1"/>
+              <a:t>React.memo</a:t>
+            </a:r>
+            <a:r>
+              <a:rPr lang="ru-RU" dirty="0"/>
+              <a:t> – обертка вокруг функционального компонента, </a:t>
+            </a:r>
+            <a:r>
+              <a:rPr lang="ru-RU" b="1" dirty="0"/>
+              <a:t>поверхностно сравнивающая</a:t>
+            </a:r>
+            <a:r>
+              <a:rPr lang="ru-RU" dirty="0"/>
+              <a:t> приходящие пропсы. Если хотя бы </a:t>
+            </a:r>
+            <a:r>
+              <a:rPr lang="en-US" dirty="0"/>
+              <a:t>1 props</a:t>
+            </a:r>
+            <a:r>
+              <a:rPr lang="ru-RU" dirty="0"/>
+              <a:t> изменился, то функциональный компонент вызовет свой </a:t>
+            </a:r>
+            <a:r>
+              <a:rPr lang="en-US" dirty="0"/>
+              <a:t>render()</a:t>
+            </a:r>
+            <a:r>
+              <a:rPr lang="ru-RU" dirty="0"/>
+              <a:t>.</a:t>
+            </a:r>
+          </a:p>
+          <a:p>
+            <a:endParaRPr lang="ru-RU" dirty="0"/>
+          </a:p>
+          <a:p>
+            <a:r>
+              <a:rPr lang="ru-RU" dirty="0"/>
+              <a:t>У </a:t>
+            </a:r>
+            <a:r>
+              <a:rPr lang="en-US" dirty="0" err="1"/>
+              <a:t>React.memo</a:t>
+            </a:r>
+            <a:r>
+              <a:rPr lang="ru-RU" dirty="0"/>
+              <a:t> есть второй аргумент </a:t>
+            </a:r>
+            <a:r>
+              <a:rPr lang="en-US" dirty="0"/>
+              <a:t>– </a:t>
+            </a:r>
+            <a:r>
+              <a:rPr lang="ru-RU" dirty="0"/>
+              <a:t>функция, проверяющая, когда нужно вызывать </a:t>
+            </a:r>
+            <a:r>
+              <a:rPr lang="en-US" dirty="0"/>
+              <a:t>render()</a:t>
+            </a:r>
+            <a:r>
+              <a:rPr lang="ru-RU" dirty="0"/>
+              <a:t> у функционального компонента (аналог </a:t>
+            </a:r>
+            <a:r>
+              <a:rPr lang="en-US" dirty="0" err="1"/>
+              <a:t>shouldComponentUpdate</a:t>
+            </a:r>
+            <a:r>
+              <a:rPr lang="ru-RU" dirty="0"/>
+              <a:t>).</a:t>
+            </a:r>
+          </a:p>
+          <a:p>
+            <a:endParaRPr lang="ru-RU" dirty="0"/>
+          </a:p>
+          <a:p>
+            <a:pPr marL="0" indent="0">
+              <a:buNone/>
+            </a:pPr>
+            <a:r>
+              <a:rPr lang="en-US" dirty="0">
+                <a:hlinkClick r:id="rId2"/>
+              </a:rPr>
+              <a:t>https://ru.reactjs.org/docs/react-api.html#reactmemo</a:t>
+            </a:r>
+            <a:endParaRPr lang="en-US" dirty="0"/>
+          </a:p>
+        </p:txBody>
+      </p:sp>
+      <p:sp>
+        <p:nvSpPr>
+          <p:cNvPr id="4" name="Номер слайда 3">
+            <a:extLst>
+              <a:ext uri="{FF2B5EF4-FFF2-40B4-BE49-F238E27FC236}">
+                <a16:creationId xmlns:a16="http://schemas.microsoft.com/office/drawing/2014/main" id="{8197CD97-7A04-417E-9F64-EB421D54FF80}"/>
+              </a:ext>
+            </a:extLst>
+          </p:cNvPr>
+          <p:cNvSpPr>
+            <a:spLocks noGrp="1"/>
+          </p:cNvSpPr>
+          <p:nvPr>
+            <p:ph type="sldNum" sz="quarter" idx="12"/>
+          </p:nvPr>
+        </p:nvSpPr>
+        <p:spPr/>
+        <p:txBody>
+          <a:bodyPr/>
+          <a:lstStyle/>
+          <a:p>
+            <a:fld id="{2AA06E25-3985-4D43-9B6C-C0B92CD594CF}" type="slidenum">
+              <a:rPr lang="en-US" smtClean="0"/>
+              <a:t>3</a:t>
+            </a:fld>
+            <a:endParaRPr lang="en-US"/>
+          </a:p>
+        </p:txBody>
+      </p:sp>
+    </p:spTree>
+    <p:extLst>
+      <p:ext uri="{BB962C8B-B14F-4D97-AF65-F5344CB8AC3E}">
+        <p14:creationId xmlns:p14="http://schemas.microsoft.com/office/powerpoint/2010/main" val="1512047078"/>
+      </p:ext>
+    </p:extLst>
+  </p:cSld>
+  <p:clrMapOvr>
+    <a:masterClrMapping/>
+  </p:clrMapOvr>
+</p:sld>
+</file>
+
+<file path=ppt/slides/slide30.xml><?xml version="1.0" encoding="utf-8"?>
 <p:sld xmlns:a="http://schemas.openxmlformats.org/drawingml/2006/main" xmlns:r="http://schemas.openxmlformats.org/officeDocument/2006/relationships" xmlns:p="http://schemas.openxmlformats.org/presentationml/2006/main">
   <p:cSld>
     <p:spTree>
@@ -13395,7 +13775,7 @@
           <a:p>
             <a:fld id="{2AA06E25-3985-4D43-9B6C-C0B92CD594CF}" type="slidenum">
               <a:rPr lang="en-US" smtClean="0"/>
-              <a:t>29</a:t>
+              <a:t>30</a:t>
             </a:fld>
             <a:endParaRPr lang="en-US"/>
           </a:p>
@@ -13414,7 +13794,7 @@
 </p:sld>
 </file>
 
-<file path=ppt/slides/slide3.xml><?xml version="1.0" encoding="utf-8"?>
+<file path=ppt/slides/slide31.xml><?xml version="1.0" encoding="utf-8"?>
 <p:sld xmlns:a="http://schemas.openxmlformats.org/drawingml/2006/main" xmlns:r="http://schemas.openxmlformats.org/officeDocument/2006/relationships" xmlns:p="http://schemas.openxmlformats.org/presentationml/2006/main">
   <p:cSld>
     <p:spTree>
@@ -13433,10 +13813,10 @@
       </p:grpSpPr>
       <p:sp>
         <p:nvSpPr>
-          <p:cNvPr id="2" name="Title 1">
-            <a:extLst>
-              <a:ext uri="{FF2B5EF4-FFF2-40B4-BE49-F238E27FC236}">
-                <a16:creationId xmlns:a16="http://schemas.microsoft.com/office/drawing/2014/main" id="{C161AF61-30BB-4DE6-93B9-D0C50D36BF52}"/>
+          <p:cNvPr id="2" name="Заголовок 1">
+            <a:extLst>
+              <a:ext uri="{FF2B5EF4-FFF2-40B4-BE49-F238E27FC236}">
+                <a16:creationId xmlns:a16="http://schemas.microsoft.com/office/drawing/2014/main" id="{7A488705-4B93-4ED6-8B21-0C3C5D06A2D5}"/>
               </a:ext>
             </a:extLst>
           </p:cNvPr>
@@ -13453,19 +13833,31 @@
           <a:lstStyle/>
           <a:p>
             <a:r>
-              <a:rPr lang="en-US" dirty="0" err="1"/>
-              <a:t>React.memo</a:t>
-            </a:r>
-            <a:endParaRPr lang="en-US" dirty="0"/>
-          </a:p>
-        </p:txBody>
-      </p:sp>
-      <p:sp>
-        <p:nvSpPr>
-          <p:cNvPr id="3" name="Content Placeholder 2">
-            <a:extLst>
-              <a:ext uri="{FF2B5EF4-FFF2-40B4-BE49-F238E27FC236}">
-                <a16:creationId xmlns:a16="http://schemas.microsoft.com/office/drawing/2014/main" id="{BB024C2C-9EAA-4503-BDF4-97C8DFD18D7E}"/>
+              <a:rPr lang="ru-RU" dirty="0"/>
+              <a:t>Обернем </a:t>
+            </a:r>
+            <a:r>
+              <a:rPr lang="en-US" dirty="0"/>
+              <a:t>memo(app)</a:t>
+            </a:r>
+            <a:r>
+              <a:rPr lang="ru-RU" dirty="0"/>
+              <a:t> в </a:t>
+            </a:r>
+            <a:r>
+              <a:rPr lang="en-US" dirty="0"/>
+              <a:t>connect</a:t>
+            </a:r>
+            <a:endParaRPr lang="ru-RU" dirty="0"/>
+          </a:p>
+        </p:txBody>
+      </p:sp>
+      <p:sp>
+        <p:nvSpPr>
+          <p:cNvPr id="3" name="Объект 2">
+            <a:extLst>
+              <a:ext uri="{FF2B5EF4-FFF2-40B4-BE49-F238E27FC236}">
+                <a16:creationId xmlns:a16="http://schemas.microsoft.com/office/drawing/2014/main" id="{AAD73EE9-45F8-4696-BE37-B617689F881D}"/>
               </a:ext>
             </a:extLst>
           </p:cNvPr>
@@ -13476,131 +13868,31 @@
             <p:ph idx="1"/>
           </p:nvPr>
         </p:nvSpPr>
-        <p:spPr>
-          <a:xfrm>
-            <a:off x="1251678" y="1874517"/>
-            <a:ext cx="10178322" cy="4323805"/>
-          </a:xfrm>
-        </p:spPr>
-        <p:txBody>
-          <a:bodyPr>
-            <a:normAutofit/>
-          </a:bodyPr>
-          <a:lstStyle/>
-          <a:p>
-            <a:r>
-              <a:rPr lang="ru-RU" dirty="0"/>
-              <a:t>Функциональный компонент вызывает свой </a:t>
-            </a:r>
-            <a:r>
-              <a:rPr lang="en-US" dirty="0"/>
-              <a:t>render()</a:t>
-            </a:r>
-            <a:r>
-              <a:rPr lang="ru-RU" dirty="0"/>
-              <a:t> на каждый вызов </a:t>
-            </a:r>
-            <a:r>
-              <a:rPr lang="en-US" dirty="0"/>
-              <a:t>render()</a:t>
-            </a:r>
-            <a:r>
-              <a:rPr lang="ru-RU" dirty="0"/>
-              <a:t> у родителя.</a:t>
-            </a:r>
-          </a:p>
-          <a:p>
-            <a:endParaRPr lang="ru-RU" dirty="0"/>
-          </a:p>
-          <a:p>
+        <p:spPr/>
+        <p:txBody>
+          <a:bodyPr/>
+          <a:lstStyle/>
+          <a:p>
+            <a:r>
+              <a:rPr lang="ru-RU" dirty="0"/>
+              <a:t>После добавления обертки из </a:t>
+            </a:r>
+            <a:r>
+              <a:rPr lang="en-US" dirty="0"/>
+              <a:t>connect</a:t>
+            </a:r>
+            <a:r>
+              <a:rPr lang="ru-RU" dirty="0"/>
+              <a:t> вокруг </a:t>
+            </a:r>
             <a:r>
               <a:rPr lang="en-US" dirty="0" err="1"/>
               <a:t>React.memo</a:t>
             </a:r>
             <a:r>
               <a:rPr lang="ru-RU" dirty="0"/>
-              <a:t> – обертка вокруг функционального компонента, </a:t>
-            </a:r>
-            <a:r>
-              <a:rPr lang="ru-RU" b="1" dirty="0"/>
-              <a:t>поверхностно сравнивающая</a:t>
-            </a:r>
-            <a:r>
-              <a:rPr lang="ru-RU" dirty="0"/>
-              <a:t> приходящие пропсы. Если хотя бы </a:t>
-            </a:r>
-            <a:r>
-              <a:rPr lang="en-US" dirty="0"/>
-              <a:t>1 props</a:t>
-            </a:r>
-            <a:r>
-              <a:rPr lang="ru-RU" dirty="0"/>
-              <a:t> изменился, то функциональный компонент вызовет свой </a:t>
-            </a:r>
-            <a:r>
-              <a:rPr lang="en-US" dirty="0"/>
-              <a:t>render()</a:t>
-            </a:r>
-            <a:r>
-              <a:rPr lang="ru-RU" dirty="0"/>
-              <a:t>.</a:t>
-            </a:r>
-          </a:p>
-          <a:p>
-            <a:endParaRPr lang="ru-RU" dirty="0"/>
-          </a:p>
-          <a:p>
-            <a:r>
-              <a:rPr lang="ru-RU" dirty="0"/>
-              <a:t>У </a:t>
-            </a:r>
-            <a:r>
-              <a:rPr lang="en-US" dirty="0" err="1"/>
-              <a:t>React.memo</a:t>
-            </a:r>
-            <a:r>
-              <a:rPr lang="ru-RU" dirty="0"/>
-              <a:t> есть второй аргумент </a:t>
-            </a:r>
-            <a:r>
-              <a:rPr lang="en-US" dirty="0"/>
-              <a:t>– </a:t>
-            </a:r>
-            <a:r>
-              <a:rPr lang="ru-RU" dirty="0"/>
-              <a:t>функция, проверяющая, когда нужно вызывать </a:t>
-            </a:r>
-            <a:r>
-              <a:rPr lang="en-US" dirty="0"/>
-              <a:t>render()</a:t>
-            </a:r>
-            <a:r>
-              <a:rPr lang="ru-RU" dirty="0"/>
-              <a:t> у функционального компонента (аналог </a:t>
-            </a:r>
-            <a:r>
-              <a:rPr lang="en-US" dirty="0" err="1"/>
-              <a:t>shouldComponentUpdate</a:t>
-            </a:r>
-            <a:r>
-              <a:rPr lang="ru-RU" dirty="0"/>
-              <a:t>).</a:t>
-            </a:r>
-          </a:p>
-          <a:p>
-            <a:endParaRPr lang="ru-RU" dirty="0"/>
-          </a:p>
-          <a:p>
-            <a:pPr marL="0" indent="0">
-              <a:buNone/>
-            </a:pPr>
-            <a:r>
-              <a:rPr lang="en-US" dirty="0">
-                <a:hlinkClick r:id="rId2"/>
-              </a:rPr>
-              <a:t>https://ru.reactjs.org/docs/react-api.html#reactmemo</a:t>
-            </a:r>
-            <a:endParaRPr lang="en-US" dirty="0"/>
+              <a:t> дополнительных перерисовок не добавилось.</a:t>
+            </a:r>
           </a:p>
         </p:txBody>
       </p:sp>
@@ -13609,7 +13901,7 @@
           <p:cNvPr id="4" name="Номер слайда 3">
             <a:extLst>
               <a:ext uri="{FF2B5EF4-FFF2-40B4-BE49-F238E27FC236}">
-                <a16:creationId xmlns:a16="http://schemas.microsoft.com/office/drawing/2014/main" id="{8197CD97-7A04-417E-9F64-EB421D54FF80}"/>
+                <a16:creationId xmlns:a16="http://schemas.microsoft.com/office/drawing/2014/main" id="{5EDCAB68-583F-4DBD-BDE1-17022FD20A42}"/>
               </a:ext>
             </a:extLst>
           </p:cNvPr>
@@ -13627,151 +13919,7 @@
           <a:p>
             <a:fld id="{2AA06E25-3985-4D43-9B6C-C0B92CD594CF}" type="slidenum">
               <a:rPr lang="en-US" smtClean="0"/>
-              <a:t>3</a:t>
-            </a:fld>
-            <a:endParaRPr lang="en-US"/>
-          </a:p>
-        </p:txBody>
-      </p:sp>
-    </p:spTree>
-    <p:extLst>
-      <p:ext uri="{BB962C8B-B14F-4D97-AF65-F5344CB8AC3E}">
-        <p14:creationId xmlns:p14="http://schemas.microsoft.com/office/powerpoint/2010/main" val="1512047078"/>
-      </p:ext>
-    </p:extLst>
-  </p:cSld>
-  <p:clrMapOvr>
-    <a:masterClrMapping/>
-  </p:clrMapOvr>
-</p:sld>
-</file>
-
-<file path=ppt/slides/slide30.xml><?xml version="1.0" encoding="utf-8"?>
-<p:sld xmlns:a="http://schemas.openxmlformats.org/drawingml/2006/main" xmlns:r="http://schemas.openxmlformats.org/officeDocument/2006/relationships" xmlns:p="http://schemas.openxmlformats.org/presentationml/2006/main">
-  <p:cSld>
-    <p:spTree>
-      <p:nvGrpSpPr>
-        <p:cNvPr id="1" name=""/>
-        <p:cNvGrpSpPr/>
-        <p:nvPr/>
-      </p:nvGrpSpPr>
-      <p:grpSpPr>
-        <a:xfrm>
-          <a:off x="0" y="0"/>
-          <a:ext cx="0" cy="0"/>
-          <a:chOff x="0" y="0"/>
-          <a:chExt cx="0" cy="0"/>
-        </a:xfrm>
-      </p:grpSpPr>
-      <p:sp>
-        <p:nvSpPr>
-          <p:cNvPr id="2" name="Заголовок 1">
-            <a:extLst>
-              <a:ext uri="{FF2B5EF4-FFF2-40B4-BE49-F238E27FC236}">
-                <a16:creationId xmlns:a16="http://schemas.microsoft.com/office/drawing/2014/main" id="{7A488705-4B93-4ED6-8B21-0C3C5D06A2D5}"/>
-              </a:ext>
-            </a:extLst>
-          </p:cNvPr>
-          <p:cNvSpPr>
-            <a:spLocks noGrp="1"/>
-          </p:cNvSpPr>
-          <p:nvPr>
-            <p:ph type="title"/>
-          </p:nvPr>
-        </p:nvSpPr>
-        <p:spPr/>
-        <p:txBody>
-          <a:bodyPr/>
-          <a:lstStyle/>
-          <a:p>
-            <a:r>
-              <a:rPr lang="ru-RU" dirty="0"/>
-              <a:t>Обернем </a:t>
-            </a:r>
-            <a:r>
-              <a:rPr lang="en-US" dirty="0"/>
-              <a:t>memo(app)</a:t>
-            </a:r>
-            <a:r>
-              <a:rPr lang="ru-RU" dirty="0"/>
-              <a:t> в </a:t>
-            </a:r>
-            <a:r>
-              <a:rPr lang="en-US" dirty="0"/>
-              <a:t>connect</a:t>
-            </a:r>
-            <a:endParaRPr lang="ru-RU" dirty="0"/>
-          </a:p>
-        </p:txBody>
-      </p:sp>
-      <p:sp>
-        <p:nvSpPr>
-          <p:cNvPr id="3" name="Объект 2">
-            <a:extLst>
-              <a:ext uri="{FF2B5EF4-FFF2-40B4-BE49-F238E27FC236}">
-                <a16:creationId xmlns:a16="http://schemas.microsoft.com/office/drawing/2014/main" id="{AAD73EE9-45F8-4696-BE37-B617689F881D}"/>
-              </a:ext>
-            </a:extLst>
-          </p:cNvPr>
-          <p:cNvSpPr>
-            <a:spLocks noGrp="1"/>
-          </p:cNvSpPr>
-          <p:nvPr>
-            <p:ph idx="1"/>
-          </p:nvPr>
-        </p:nvSpPr>
-        <p:spPr/>
-        <p:txBody>
-          <a:bodyPr/>
-          <a:lstStyle/>
-          <a:p>
-            <a:r>
-              <a:rPr lang="ru-RU" dirty="0"/>
-              <a:t>После добавления обертки из </a:t>
-            </a:r>
-            <a:r>
-              <a:rPr lang="en-US" dirty="0"/>
-              <a:t>connect</a:t>
-            </a:r>
-            <a:r>
-              <a:rPr lang="ru-RU" dirty="0"/>
-              <a:t> вокруг </a:t>
-            </a:r>
-            <a:r>
-              <a:rPr lang="en-US" dirty="0" err="1"/>
-              <a:t>React.memo</a:t>
-            </a:r>
-            <a:r>
-              <a:rPr lang="ru-RU" dirty="0"/>
-              <a:t> дополнительных перерисовок не добавилось.</a:t>
-            </a:r>
-          </a:p>
-        </p:txBody>
-      </p:sp>
-      <p:sp>
-        <p:nvSpPr>
-          <p:cNvPr id="4" name="Номер слайда 3">
-            <a:extLst>
-              <a:ext uri="{FF2B5EF4-FFF2-40B4-BE49-F238E27FC236}">
-                <a16:creationId xmlns:a16="http://schemas.microsoft.com/office/drawing/2014/main" id="{5EDCAB68-583F-4DBD-BDE1-17022FD20A42}"/>
-              </a:ext>
-            </a:extLst>
-          </p:cNvPr>
-          <p:cNvSpPr>
-            <a:spLocks noGrp="1"/>
-          </p:cNvSpPr>
-          <p:nvPr>
-            <p:ph type="sldNum" sz="quarter" idx="12"/>
-          </p:nvPr>
-        </p:nvSpPr>
-        <p:spPr/>
-        <p:txBody>
-          <a:bodyPr/>
-          <a:lstStyle/>
-          <a:p>
-            <a:fld id="{2AA06E25-3985-4D43-9B6C-C0B92CD594CF}" type="slidenum">
-              <a:rPr lang="en-US" smtClean="0"/>
-              <a:t>30</a:t>
+              <a:t>31</a:t>
             </a:fld>
             <a:endParaRPr lang="en-US"/>
           </a:p>
@@ -13820,7 +13968,7 @@
 </p:sld>
 </file>
 
-<file path=ppt/slides/slide31.xml><?xml version="1.0" encoding="utf-8"?>
+<file path=ppt/slides/slide32.xml><?xml version="1.0" encoding="utf-8"?>
 <p:sld xmlns:a="http://schemas.openxmlformats.org/drawingml/2006/main" xmlns:r="http://schemas.openxmlformats.org/officeDocument/2006/relationships" xmlns:p="http://schemas.openxmlformats.org/presentationml/2006/main">
   <p:cSld>
     <p:spTree>
@@ -14259,7 +14407,7 @@
           <a:p>
             <a:fld id="{2AA06E25-3985-4D43-9B6C-C0B92CD594CF}" type="slidenum">
               <a:rPr lang="en-US" smtClean="0"/>
-              <a:t>31</a:t>
+              <a:t>32</a:t>
             </a:fld>
             <a:endParaRPr lang="en-US"/>
           </a:p>
@@ -14278,7 +14426,7 @@
 </p:sld>
 </file>
 
-<file path=ppt/slides/slide32.xml><?xml version="1.0" encoding="utf-8"?>
+<file path=ppt/slides/slide33.xml><?xml version="1.0" encoding="utf-8"?>
 <p:sld xmlns:a="http://schemas.openxmlformats.org/drawingml/2006/main" xmlns:r="http://schemas.openxmlformats.org/officeDocument/2006/relationships" xmlns:p="http://schemas.openxmlformats.org/presentationml/2006/main">
   <p:cSld>
     <p:spTree>
@@ -14425,7 +14573,7 @@
           <a:p>
             <a:fld id="{2AA06E25-3985-4D43-9B6C-C0B92CD594CF}" type="slidenum">
               <a:rPr lang="en-US" smtClean="0"/>
-              <a:t>32</a:t>
+              <a:t>33</a:t>
             </a:fld>
             <a:endParaRPr lang="en-US"/>
           </a:p>
@@ -14474,7 +14622,7 @@
 </p:sld>
 </file>
 
-<file path=ppt/slides/slide33.xml><?xml version="1.0" encoding="utf-8"?>
+<file path=ppt/slides/slide34.xml><?xml version="1.0" encoding="utf-8"?>
 <p:sld xmlns:a="http://schemas.openxmlformats.org/drawingml/2006/main" xmlns:r="http://schemas.openxmlformats.org/officeDocument/2006/relationships" xmlns:p="http://schemas.openxmlformats.org/presentationml/2006/main">
   <p:cSld>
     <p:spTree>
@@ -14921,7 +15069,7 @@
           <a:p>
             <a:fld id="{2AA06E25-3985-4D43-9B6C-C0B92CD594CF}" type="slidenum">
               <a:rPr lang="en-US" smtClean="0"/>
-              <a:t>33</a:t>
+              <a:t>34</a:t>
             </a:fld>
             <a:endParaRPr lang="en-US"/>
           </a:p>
@@ -14940,7 +15088,7 @@
 </p:sld>
 </file>
 
-<file path=ppt/slides/slide34.xml><?xml version="1.0" encoding="utf-8"?>
+<file path=ppt/slides/slide35.xml><?xml version="1.0" encoding="utf-8"?>
 <p:sld xmlns:a="http://schemas.openxmlformats.org/drawingml/2006/main" xmlns:r="http://schemas.openxmlformats.org/officeDocument/2006/relationships" xmlns:p="http://schemas.openxmlformats.org/presentationml/2006/main">
   <p:cSld>
     <p:spTree>
@@ -15027,7 +15175,7 @@
           <a:p>
             <a:fld id="{2AA06E25-3985-4D43-9B6C-C0B92CD594CF}" type="slidenum">
               <a:rPr lang="en-US" smtClean="0"/>
-              <a:t>34</a:t>
+              <a:t>35</a:t>
             </a:fld>
             <a:endParaRPr lang="en-US"/>
           </a:p>
@@ -15133,7 +15281,7 @@
 </p:sld>
 </file>
 
-<file path=ppt/slides/slide35.xml><?xml version="1.0" encoding="utf-8"?>
+<file path=ppt/slides/slide36.xml><?xml version="1.0" encoding="utf-8"?>
 <p:sld xmlns:a="http://schemas.openxmlformats.org/drawingml/2006/main" xmlns:r="http://schemas.openxmlformats.org/officeDocument/2006/relationships" xmlns:p="http://schemas.openxmlformats.org/presentationml/2006/main">
   <p:cSld>
     <p:spTree>
@@ -15594,7 +15742,7 @@
           <a:p>
             <a:fld id="{2AA06E25-3985-4D43-9B6C-C0B92CD594CF}" type="slidenum">
               <a:rPr lang="en-US" smtClean="0"/>
-              <a:t>35</a:t>
+              <a:t>36</a:t>
             </a:fld>
             <a:endParaRPr lang="en-US"/>
           </a:p>
@@ -15613,7 +15761,7 @@
 </p:sld>
 </file>
 
-<file path=ppt/slides/slide36.xml><?xml version="1.0" encoding="utf-8"?>
+<file path=ppt/slides/slide37.xml><?xml version="1.0" encoding="utf-8"?>
 <p:sld xmlns:a="http://schemas.openxmlformats.org/drawingml/2006/main" xmlns:r="http://schemas.openxmlformats.org/officeDocument/2006/relationships" xmlns:p="http://schemas.openxmlformats.org/presentationml/2006/main">
   <p:cSld>
     <p:spTree>
@@ -15771,7 +15919,7 @@
           <a:p>
             <a:fld id="{2AA06E25-3985-4D43-9B6C-C0B92CD594CF}" type="slidenum">
               <a:rPr lang="en-US" smtClean="0"/>
-              <a:t>36</a:t>
+              <a:t>37</a:t>
             </a:fld>
             <a:endParaRPr lang="en-US"/>
           </a:p>
@@ -15820,7 +15968,7 @@
 </p:sld>
 </file>
 
-<file path=ppt/slides/slide37.xml><?xml version="1.0" encoding="utf-8"?>
+<file path=ppt/slides/slide38.xml><?xml version="1.0" encoding="utf-8"?>
 <p:sld xmlns:a="http://schemas.openxmlformats.org/drawingml/2006/main" xmlns:r="http://schemas.openxmlformats.org/officeDocument/2006/relationships" xmlns:p="http://schemas.openxmlformats.org/presentationml/2006/main">
   <p:cSld>
     <p:spTree>
@@ -16273,7 +16421,7 @@
           <a:p>
             <a:fld id="{2AA06E25-3985-4D43-9B6C-C0B92CD594CF}" type="slidenum">
               <a:rPr lang="en-US" smtClean="0"/>
-              <a:t>37</a:t>
+              <a:t>38</a:t>
             </a:fld>
             <a:endParaRPr lang="en-US"/>
           </a:p>
@@ -16292,7 +16440,7 @@
 </p:sld>
 </file>
 
-<file path=ppt/slides/slide38.xml><?xml version="1.0" encoding="utf-8"?>
+<file path=ppt/slides/slide39.xml><?xml version="1.0" encoding="utf-8"?>
 <p:sld xmlns:a="http://schemas.openxmlformats.org/drawingml/2006/main" xmlns:r="http://schemas.openxmlformats.org/officeDocument/2006/relationships" xmlns:p="http://schemas.openxmlformats.org/presentationml/2006/main">
   <p:cSld>
     <p:spTree>
@@ -16386,7 +16534,7 @@
           <a:p>
             <a:fld id="{2AA06E25-3985-4D43-9B6C-C0B92CD594CF}" type="slidenum">
               <a:rPr lang="en-US" smtClean="0"/>
-              <a:t>38</a:t>
+              <a:t>39</a:t>
             </a:fld>
             <a:endParaRPr lang="en-US"/>
           </a:p>
@@ -16516,289 +16664,6 @@
 </p:sld>
 </file>
 
-<file path=ppt/slides/slide39.xml><?xml version="1.0" encoding="utf-8"?>
-<p:sld xmlns:a="http://schemas.openxmlformats.org/drawingml/2006/main" xmlns:r="http://schemas.openxmlformats.org/officeDocument/2006/relationships" xmlns:p="http://schemas.openxmlformats.org/presentationml/2006/main">
-  <p:cSld>
-    <p:spTree>
-      <p:nvGrpSpPr>
-        <p:cNvPr id="1" name=""/>
-        <p:cNvGrpSpPr/>
-        <p:nvPr/>
-      </p:nvGrpSpPr>
-      <p:grpSpPr>
-        <a:xfrm>
-          <a:off x="0" y="0"/>
-          <a:ext cx="0" cy="0"/>
-          <a:chOff x="0" y="0"/>
-          <a:chExt cx="0" cy="0"/>
-        </a:xfrm>
-      </p:grpSpPr>
-      <p:sp>
-        <p:nvSpPr>
-          <p:cNvPr id="2" name="Заголовок 1">
-            <a:extLst>
-              <a:ext uri="{FF2B5EF4-FFF2-40B4-BE49-F238E27FC236}">
-                <a16:creationId xmlns:a16="http://schemas.microsoft.com/office/drawing/2014/main" id="{F719A5FA-C40C-47AD-9601-69AE5EACC471}"/>
-              </a:ext>
-            </a:extLst>
-          </p:cNvPr>
-          <p:cNvSpPr>
-            <a:spLocks noGrp="1"/>
-          </p:cNvSpPr>
-          <p:nvPr>
-            <p:ph type="title"/>
-          </p:nvPr>
-        </p:nvSpPr>
-        <p:spPr/>
-        <p:txBody>
-          <a:bodyPr/>
-          <a:lstStyle/>
-          <a:p>
-            <a:r>
-              <a:rPr lang="en-US" dirty="0"/>
-              <a:t>Connect</a:t>
-            </a:r>
-            <a:r>
-              <a:rPr lang="ru-RU" dirty="0"/>
-              <a:t> и оптимизация</a:t>
-            </a:r>
-          </a:p>
-        </p:txBody>
-      </p:sp>
-      <p:sp>
-        <p:nvSpPr>
-          <p:cNvPr id="3" name="Объект 2">
-            <a:extLst>
-              <a:ext uri="{FF2B5EF4-FFF2-40B4-BE49-F238E27FC236}">
-                <a16:creationId xmlns:a16="http://schemas.microsoft.com/office/drawing/2014/main" id="{85F7722D-AF57-4125-A9F2-72298F3DED37}"/>
-              </a:ext>
-            </a:extLst>
-          </p:cNvPr>
-          <p:cNvSpPr>
-            <a:spLocks noGrp="1"/>
-          </p:cNvSpPr>
-          <p:nvPr>
-            <p:ph idx="1"/>
-          </p:nvPr>
-        </p:nvSpPr>
-        <p:spPr>
-          <a:xfrm>
-            <a:off x="1251678" y="2139519"/>
-            <a:ext cx="10178322" cy="4145872"/>
-          </a:xfrm>
-        </p:spPr>
-        <p:txBody>
-          <a:bodyPr>
-            <a:normAutofit/>
-          </a:bodyPr>
-          <a:lstStyle/>
-          <a:p>
-            <a:r>
-              <a:rPr lang="ru-RU" dirty="0"/>
-              <a:t>У обертки </a:t>
-            </a:r>
-            <a:r>
-              <a:rPr lang="en-US" dirty="0"/>
-              <a:t>connect </a:t>
-            </a:r>
-            <a:r>
-              <a:rPr lang="ru-RU" dirty="0"/>
-              <a:t>в </a:t>
-            </a:r>
-            <a:r>
-              <a:rPr lang="en-US" dirty="0"/>
-              <a:t>options</a:t>
-            </a:r>
-            <a:r>
-              <a:rPr lang="ru-RU" dirty="0"/>
-              <a:t> по</a:t>
-            </a:r>
-            <a:r>
-              <a:rPr lang="en-US" dirty="0"/>
-              <a:t> </a:t>
-            </a:r>
-            <a:r>
-              <a:rPr lang="ru-RU" dirty="0"/>
-              <a:t>умолчанию стоит свойство </a:t>
-            </a:r>
-            <a:r>
-              <a:rPr lang="en-US" dirty="0"/>
-              <a:t>{ pure: true }</a:t>
-            </a:r>
-            <a:r>
-              <a:rPr lang="ru-RU" dirty="0"/>
-              <a:t>, при наличии которого </a:t>
-            </a:r>
-            <a:r>
-              <a:rPr lang="en-US" dirty="0"/>
-              <a:t>connect</a:t>
-            </a:r>
-            <a:r>
-              <a:rPr lang="ru-RU" dirty="0"/>
-              <a:t> поверхностно сравнивает прошлые и текущие значения у </a:t>
-            </a:r>
-            <a:r>
-              <a:rPr lang="en-US" dirty="0"/>
-              <a:t>props (</a:t>
-            </a:r>
-            <a:r>
-              <a:rPr lang="ru-RU" dirty="0"/>
-              <a:t>и не только </a:t>
-            </a:r>
-            <a:r>
-              <a:rPr lang="en-US" dirty="0"/>
-              <a:t>props)</a:t>
-            </a:r>
-            <a:r>
-              <a:rPr lang="ru-RU" dirty="0"/>
-              <a:t>.</a:t>
-            </a:r>
-            <a:endParaRPr lang="en-US" dirty="0"/>
-          </a:p>
-          <a:p>
-            <a:r>
-              <a:rPr lang="ru-RU" dirty="0"/>
-              <a:t>Одновременное использование </a:t>
-            </a:r>
-            <a:r>
-              <a:rPr lang="en-US" dirty="0"/>
-              <a:t>connect</a:t>
-            </a:r>
-            <a:r>
-              <a:rPr lang="ru-RU" dirty="0"/>
-              <a:t> и </a:t>
-            </a:r>
-            <a:r>
-              <a:rPr lang="en-US" dirty="0"/>
-              <a:t>memo/</a:t>
-            </a:r>
-            <a:r>
-              <a:rPr lang="en-US" dirty="0" err="1"/>
-              <a:t>PureComponent</a:t>
-            </a:r>
-            <a:r>
-              <a:rPr lang="ru-RU" dirty="0"/>
-              <a:t> излишне, дважды будут проделываться одинаковые проверки (</a:t>
-            </a:r>
-            <a:r>
-              <a:rPr lang="en-US" dirty="0"/>
-              <a:t>props</a:t>
-            </a:r>
-            <a:r>
-              <a:rPr lang="ru-RU" dirty="0"/>
-              <a:t> и </a:t>
-            </a:r>
-            <a:r>
-              <a:rPr lang="en-US" dirty="0"/>
-              <a:t>state</a:t>
-            </a:r>
-            <a:r>
-              <a:rPr lang="ru-RU" dirty="0"/>
-              <a:t> для </a:t>
-            </a:r>
-            <a:r>
-              <a:rPr lang="en-US" dirty="0" err="1"/>
-              <a:t>PureComponent</a:t>
-            </a:r>
-            <a:r>
-              <a:rPr lang="en-US" dirty="0"/>
-              <a:t>, props</a:t>
-            </a:r>
-            <a:r>
-              <a:rPr lang="ru-RU" dirty="0"/>
-              <a:t> для </a:t>
-            </a:r>
-            <a:r>
-              <a:rPr lang="en-US" dirty="0"/>
-              <a:t>memo)</a:t>
-            </a:r>
-            <a:r>
-              <a:rPr lang="ru-RU" dirty="0"/>
-              <a:t>.</a:t>
-            </a:r>
-          </a:p>
-          <a:p>
-            <a:r>
-              <a:rPr lang="ru-RU" dirty="0"/>
-              <a:t>Обертку </a:t>
-            </a:r>
-            <a:r>
-              <a:rPr lang="en-US" dirty="0"/>
-              <a:t>connect</a:t>
-            </a:r>
-            <a:r>
-              <a:rPr lang="ru-RU" dirty="0"/>
-              <a:t> следует использовать вокруг </a:t>
-            </a:r>
-            <a:r>
-              <a:rPr lang="en-US" dirty="0"/>
-              <a:t>Component/Functional Component</a:t>
-            </a:r>
-            <a:r>
-              <a:rPr lang="ru-RU" dirty="0"/>
-              <a:t> (без оптимизаций).</a:t>
-            </a:r>
-            <a:endParaRPr lang="en-US" dirty="0"/>
-          </a:p>
-          <a:p>
-            <a:endParaRPr lang="en-US" dirty="0"/>
-          </a:p>
-          <a:p>
-            <a:pPr marL="0" indent="0">
-              <a:buNone/>
-            </a:pPr>
-            <a:r>
-              <a:rPr lang="en-US" dirty="0">
-                <a:hlinkClick r:id="rId2"/>
-              </a:rPr>
-              <a:t>https://react-redux.js.org/api/connect#pure-boolean</a:t>
-            </a:r>
-            <a:endParaRPr lang="ru-RU" dirty="0"/>
-          </a:p>
-        </p:txBody>
-      </p:sp>
-      <p:sp>
-        <p:nvSpPr>
-          <p:cNvPr id="4" name="Номер слайда 3">
-            <a:extLst>
-              <a:ext uri="{FF2B5EF4-FFF2-40B4-BE49-F238E27FC236}">
-                <a16:creationId xmlns:a16="http://schemas.microsoft.com/office/drawing/2014/main" id="{55AD9978-D828-411C-80A8-CF9D76BFA05E}"/>
-              </a:ext>
-            </a:extLst>
-          </p:cNvPr>
-          <p:cNvSpPr>
-            <a:spLocks noGrp="1"/>
-          </p:cNvSpPr>
-          <p:nvPr>
-            <p:ph type="sldNum" sz="quarter" idx="12"/>
-          </p:nvPr>
-        </p:nvSpPr>
-        <p:spPr/>
-        <p:txBody>
-          <a:bodyPr/>
-          <a:lstStyle/>
-          <a:p>
-            <a:fld id="{2AA06E25-3985-4D43-9B6C-C0B92CD594CF}" type="slidenum">
-              <a:rPr lang="en-US" smtClean="0"/>
-              <a:t>39</a:t>
-            </a:fld>
-            <a:endParaRPr lang="en-US"/>
-          </a:p>
-        </p:txBody>
-      </p:sp>
-    </p:spTree>
-    <p:extLst>
-      <p:ext uri="{BB962C8B-B14F-4D97-AF65-F5344CB8AC3E}">
-        <p14:creationId xmlns:p14="http://schemas.microsoft.com/office/powerpoint/2010/main" val="3935702428"/>
-      </p:ext>
-    </p:extLst>
-  </p:cSld>
-  <p:clrMapOvr>
-    <a:masterClrMapping/>
-  </p:clrMapOvr>
-</p:sld>
-</file>
-
 <file path=ppt/slides/slide4.xml><?xml version="1.0" encoding="utf-8"?>
 <p:sld xmlns:a="http://schemas.openxmlformats.org/drawingml/2006/main" xmlns:r="http://schemas.openxmlformats.org/officeDocument/2006/relationships" xmlns:p="http://schemas.openxmlformats.org/presentationml/2006/main">
   <p:cSld>
@@ -17026,7 +16891,7 @@
           <p:cNvPr id="2" name="Заголовок 1">
             <a:extLst>
               <a:ext uri="{FF2B5EF4-FFF2-40B4-BE49-F238E27FC236}">
-                <a16:creationId xmlns:a16="http://schemas.microsoft.com/office/drawing/2014/main" id="{207B9884-F3ED-4073-9958-49B53CF20EB1}"/>
+                <a16:creationId xmlns:a16="http://schemas.microsoft.com/office/drawing/2014/main" id="{F719A5FA-C40C-47AD-9601-69AE5EACC471}"/>
               </a:ext>
             </a:extLst>
           </p:cNvPr>
@@ -17043,8 +16908,12 @@
           <a:lstStyle/>
           <a:p>
             <a:r>
-              <a:rPr lang="ru-RU" dirty="0"/>
-              <a:t>ВЫВОД</a:t>
+              <a:rPr lang="en-US" dirty="0"/>
+              <a:t>Connect</a:t>
+            </a:r>
+            <a:r>
+              <a:rPr lang="ru-RU" dirty="0"/>
+              <a:t> и оптимизация</a:t>
             </a:r>
           </a:p>
         </p:txBody>
@@ -17054,7 +16923,7 @@
           <p:cNvPr id="3" name="Объект 2">
             <a:extLst>
               <a:ext uri="{FF2B5EF4-FFF2-40B4-BE49-F238E27FC236}">
-                <a16:creationId xmlns:a16="http://schemas.microsoft.com/office/drawing/2014/main" id="{F952C990-63F9-4596-B8EF-126A2461AF0C}"/>
+                <a16:creationId xmlns:a16="http://schemas.microsoft.com/office/drawing/2014/main" id="{85F7722D-AF57-4125-A9F2-72298F3DED37}"/>
               </a:ext>
             </a:extLst>
           </p:cNvPr>
@@ -17067,8 +16936,8 @@
         </p:nvSpPr>
         <p:spPr>
           <a:xfrm>
-            <a:off x="1251678" y="2286001"/>
-            <a:ext cx="10178322" cy="4189614"/>
+            <a:off x="1251678" y="2139519"/>
+            <a:ext cx="10178322" cy="4145872"/>
           </a:xfrm>
         </p:spPr>
         <p:txBody>
@@ -17078,12 +16947,83 @@
           <a:lstStyle/>
           <a:p>
             <a:r>
-              <a:rPr lang="en-US" dirty="0" err="1"/>
-              <a:t>React.memo</a:t>
+              <a:rPr lang="ru-RU" dirty="0"/>
+              <a:t>У обертки </a:t>
+            </a:r>
+            <a:r>
+              <a:rPr lang="en-US" dirty="0"/>
+              <a:t>connect </a:t>
+            </a:r>
+            <a:r>
+              <a:rPr lang="ru-RU" dirty="0"/>
+              <a:t>в </a:t>
+            </a:r>
+            <a:r>
+              <a:rPr lang="en-US" dirty="0"/>
+              <a:t>options</a:t>
+            </a:r>
+            <a:r>
+              <a:rPr lang="ru-RU" dirty="0"/>
+              <a:t> по</a:t>
+            </a:r>
+            <a:r>
+              <a:rPr lang="en-US" dirty="0"/>
+              <a:t> </a:t>
+            </a:r>
+            <a:r>
+              <a:rPr lang="ru-RU" dirty="0"/>
+              <a:t>умолчанию стоит свойство </a:t>
+            </a:r>
+            <a:r>
+              <a:rPr lang="en-US" dirty="0"/>
+              <a:t>{ pure: true }</a:t>
+            </a:r>
+            <a:r>
+              <a:rPr lang="ru-RU" dirty="0"/>
+              <a:t>, при наличии которого </a:t>
+            </a:r>
+            <a:r>
+              <a:rPr lang="en-US" dirty="0"/>
+              <a:t>connect</a:t>
+            </a:r>
+            <a:r>
+              <a:rPr lang="ru-RU" dirty="0"/>
+              <a:t> поверхностно сравнивает прошлые и текущие значения у </a:t>
+            </a:r>
+            <a:r>
+              <a:rPr lang="en-US" dirty="0"/>
+              <a:t>props (</a:t>
+            </a:r>
+            <a:r>
+              <a:rPr lang="ru-RU" dirty="0"/>
+              <a:t>и не только </a:t>
+            </a:r>
+            <a:r>
+              <a:rPr lang="en-US" dirty="0"/>
+              <a:t>props)</a:t>
+            </a:r>
+            <a:r>
+              <a:rPr lang="ru-RU" dirty="0"/>
+              <a:t>.</a:t>
+            </a:r>
+            <a:endParaRPr lang="en-US" dirty="0"/>
+          </a:p>
+          <a:p>
+            <a:r>
+              <a:rPr lang="ru-RU" dirty="0"/>
+              <a:t>Одновременное использование </a:t>
+            </a:r>
+            <a:r>
+              <a:rPr lang="en-US" dirty="0"/>
+              <a:t>connect</a:t>
             </a:r>
             <a:r>
               <a:rPr lang="ru-RU" dirty="0"/>
               <a:t> и </a:t>
+            </a:r>
+            <a:r>
+              <a:rPr lang="en-US" dirty="0"/>
+              <a:t>memo/</a:t>
             </a:r>
             <a:r>
               <a:rPr lang="en-US" dirty="0" err="1"/>
@@ -17091,54 +17031,11 @@
             </a:r>
             <a:r>
               <a:rPr lang="ru-RU" dirty="0"/>
-              <a:t> одинаково хорошо оптимизируют компоненты.</a:t>
-            </a:r>
-          </a:p>
-          <a:p>
-            <a:r>
-              <a:rPr lang="ru-RU" dirty="0"/>
-              <a:t>В </a:t>
-            </a:r>
-            <a:r>
-              <a:rPr lang="en-US" dirty="0" err="1"/>
-              <a:t>React.memo</a:t>
-            </a:r>
-            <a:r>
-              <a:rPr lang="ru-RU" dirty="0"/>
-              <a:t> следует хранить ссылки на функции между итерациями (особенности функциональных компонентов) для того, чтобы избежать лишних вызовов </a:t>
-            </a:r>
-            <a:r>
-              <a:rPr lang="en-US" dirty="0"/>
-              <a:t>render()</a:t>
-            </a:r>
-            <a:r>
-              <a:rPr lang="ru-RU" dirty="0"/>
-              <a:t> в дочерних компонентах.</a:t>
-            </a:r>
-            <a:endParaRPr lang="en-US" dirty="0"/>
-          </a:p>
-          <a:p>
-            <a:r>
-              <a:rPr lang="ru-RU" dirty="0"/>
-              <a:t>Лишний вызов </a:t>
-            </a:r>
-            <a:r>
-              <a:rPr lang="en-US" dirty="0"/>
-              <a:t>render()</a:t>
-            </a:r>
-            <a:r>
-              <a:rPr lang="ru-RU" dirty="0"/>
-              <a:t> у дочерних компонентов критичен в случае, когда дочерние компоненты тяжелые.</a:t>
-            </a:r>
-          </a:p>
-          <a:p>
-            <a:r>
-              <a:rPr lang="ru-RU" dirty="0"/>
-              <a:t>Нет необходимости в одновременном использовании обертки </a:t>
-            </a:r>
-            <a:r>
-              <a:rPr lang="en-US" dirty="0"/>
-              <a:t>connect</a:t>
+              <a:t> излишне, дважды будут проделываться одинаковые проверки (</a:t>
+            </a:r>
+            <a:r>
+              <a:rPr lang="en-US" dirty="0"/>
+              <a:t>props</a:t>
             </a:r>
             <a:r>
               <a:rPr lang="ru-RU" dirty="0"/>
@@ -17146,15 +17043,37 @@
             </a:r>
             <a:r>
               <a:rPr lang="en-US" dirty="0"/>
-              <a:t>memo/</a:t>
+              <a:t>state</a:t>
+            </a:r>
+            <a:r>
+              <a:rPr lang="ru-RU" dirty="0"/>
+              <a:t> для </a:t>
             </a:r>
             <a:r>
               <a:rPr lang="en-US" dirty="0" err="1"/>
               <a:t>PureComponent</a:t>
             </a:r>
             <a:r>
-              <a:rPr lang="ru-RU" dirty="0"/>
-              <a:t>. При одновременном наличии </a:t>
+              <a:rPr lang="en-US" dirty="0"/>
+              <a:t>, props</a:t>
+            </a:r>
+            <a:r>
+              <a:rPr lang="ru-RU" dirty="0"/>
+              <a:t> для </a:t>
+            </a:r>
+            <a:r>
+              <a:rPr lang="en-US" dirty="0"/>
+              <a:t>memo)</a:t>
+            </a:r>
+            <a:r>
+              <a:rPr lang="ru-RU" dirty="0"/>
+              <a:t>.</a:t>
+            </a:r>
+          </a:p>
+          <a:p>
+            <a:r>
+              <a:rPr lang="ru-RU" dirty="0"/>
+              <a:t>Обертку </a:t>
             </a:r>
             <a:r>
               <a:rPr lang="en-US" dirty="0"/>
@@ -17162,44 +17081,32 @@
             </a:r>
             <a:r>
               <a:rPr lang="ru-RU" dirty="0"/>
-              <a:t> и </a:t>
-            </a:r>
-            <a:r>
-              <a:rPr lang="en-US" dirty="0"/>
-              <a:t>memo/</a:t>
-            </a:r>
-            <a:r>
-              <a:rPr lang="en-US" dirty="0" err="1"/>
-              <a:t>PureComponent</a:t>
-            </a:r>
-            <a:r>
-              <a:rPr lang="ru-RU" dirty="0"/>
-              <a:t> у нас будут происходить лишние перерасчеты (сначала в </a:t>
-            </a:r>
-            <a:r>
-              <a:rPr lang="en-US" dirty="0"/>
-              <a:t>connect</a:t>
-            </a:r>
-            <a:r>
-              <a:rPr lang="ru-RU" dirty="0"/>
-              <a:t>, а потом в </a:t>
-            </a:r>
-            <a:r>
-              <a:rPr lang="en-US" dirty="0"/>
-              <a:t>memo/</a:t>
-            </a:r>
-            <a:r>
-              <a:rPr lang="en-US" dirty="0" err="1"/>
-              <a:t>PureComponent</a:t>
-            </a:r>
-            <a:r>
-              <a:rPr lang="en-US" dirty="0"/>
-              <a:t>)</a:t>
-            </a:r>
-            <a:r>
-              <a:rPr lang="ru-RU" dirty="0"/>
-              <a:t>.</a:t>
-            </a:r>
+              <a:t> следует использовать вокруг </a:t>
+            </a:r>
+            <a:r>
+              <a:rPr lang="en-US" dirty="0"/>
+              <a:t>Component/Functional Component</a:t>
+            </a:r>
+            <a:r>
+              <a:rPr lang="ru-RU" dirty="0"/>
+              <a:t> (без оптимизаций).</a:t>
+            </a:r>
+            <a:endParaRPr lang="en-US" dirty="0"/>
+          </a:p>
+          <a:p>
+            <a:endParaRPr lang="en-US" dirty="0"/>
+          </a:p>
+          <a:p>
+            <a:pPr marL="0" indent="0">
+              <a:buNone/>
+            </a:pPr>
+            <a:r>
+              <a:rPr lang="en-US" dirty="0">
+                <a:hlinkClick r:id="rId2"/>
+              </a:rPr>
+              <a:t>https://react-redux.js.org/api/connect#pure-boolean</a:t>
+            </a:r>
+            <a:endParaRPr lang="ru-RU" dirty="0"/>
           </a:p>
         </p:txBody>
       </p:sp>
@@ -17208,7 +17115,7 @@
           <p:cNvPr id="4" name="Номер слайда 3">
             <a:extLst>
               <a:ext uri="{FF2B5EF4-FFF2-40B4-BE49-F238E27FC236}">
-                <a16:creationId xmlns:a16="http://schemas.microsoft.com/office/drawing/2014/main" id="{11D0F1AA-5CC7-4C8B-AC0B-2C2B0699050F}"/>
+                <a16:creationId xmlns:a16="http://schemas.microsoft.com/office/drawing/2014/main" id="{55AD9978-D828-411C-80A8-CF9D76BFA05E}"/>
               </a:ext>
             </a:extLst>
           </p:cNvPr>
@@ -17235,7 +17142,7 @@
     </p:spTree>
     <p:extLst>
       <p:ext uri="{BB962C8B-B14F-4D97-AF65-F5344CB8AC3E}">
-        <p14:creationId xmlns:p14="http://schemas.microsoft.com/office/powerpoint/2010/main" val="1410031772"/>
+        <p14:creationId xmlns:p14="http://schemas.microsoft.com/office/powerpoint/2010/main" val="3935702428"/>
       </p:ext>
     </p:extLst>
   </p:cSld>
@@ -17267,7 +17174,7 @@
           <p:cNvPr id="2" name="Заголовок 1">
             <a:extLst>
               <a:ext uri="{FF2B5EF4-FFF2-40B4-BE49-F238E27FC236}">
-                <a16:creationId xmlns:a16="http://schemas.microsoft.com/office/drawing/2014/main" id="{3A522856-C4E0-402C-92AD-D03D563A443F}"/>
+                <a16:creationId xmlns:a16="http://schemas.microsoft.com/office/drawing/2014/main" id="{207B9884-F3ED-4073-9958-49B53CF20EB1}"/>
               </a:ext>
             </a:extLst>
           </p:cNvPr>
@@ -17285,7 +17192,7 @@
           <a:p>
             <a:r>
               <a:rPr lang="ru-RU" dirty="0"/>
-              <a:t>Полезные ссылки</a:t>
+              <a:t>ВЫВОД</a:t>
             </a:r>
           </a:p>
         </p:txBody>
@@ -17295,7 +17202,7 @@
           <p:cNvPr id="3" name="Объект 2">
             <a:extLst>
               <a:ext uri="{FF2B5EF4-FFF2-40B4-BE49-F238E27FC236}">
-                <a16:creationId xmlns:a16="http://schemas.microsoft.com/office/drawing/2014/main" id="{D3C3D9D3-4628-4E29-8D2B-CB5FAB60E73D}"/>
+                <a16:creationId xmlns:a16="http://schemas.microsoft.com/office/drawing/2014/main" id="{F952C990-63F9-4596-B8EF-126A2461AF0C}"/>
               </a:ext>
             </a:extLst>
           </p:cNvPr>
@@ -17306,20 +17213,140 @@
             <p:ph idx="1"/>
           </p:nvPr>
         </p:nvSpPr>
-        <p:spPr/>
-        <p:txBody>
-          <a:bodyPr/>
-          <a:lstStyle/>
-          <a:p>
-            <a:r>
-              <a:rPr lang="en-US" dirty="0">
-                <a:hlinkClick r:id="rId2"/>
-              </a:rPr>
-              <a:t>https://github.com/artem-gorokhovskii/PureComponent-VS-memo</a:t>
-            </a:r>
-            <a:r>
-              <a:rPr lang="ru-RU" dirty="0"/>
-              <a:t> – репозиторий с приложением, которое рассматривали в данном разделе.</a:t>
+        <p:spPr>
+          <a:xfrm>
+            <a:off x="1251678" y="2286001"/>
+            <a:ext cx="10178322" cy="4189614"/>
+          </a:xfrm>
+        </p:spPr>
+        <p:txBody>
+          <a:bodyPr>
+            <a:normAutofit/>
+          </a:bodyPr>
+          <a:lstStyle/>
+          <a:p>
+            <a:r>
+              <a:rPr lang="en-US" dirty="0" err="1"/>
+              <a:t>React.memo</a:t>
+            </a:r>
+            <a:r>
+              <a:rPr lang="ru-RU" dirty="0"/>
+              <a:t> и </a:t>
+            </a:r>
+            <a:r>
+              <a:rPr lang="en-US" dirty="0" err="1"/>
+              <a:t>PureComponent</a:t>
+            </a:r>
+            <a:r>
+              <a:rPr lang="ru-RU" dirty="0"/>
+              <a:t> одинаково хорошо оптимизируют компоненты.</a:t>
+            </a:r>
+          </a:p>
+          <a:p>
+            <a:r>
+              <a:rPr lang="ru-RU" dirty="0"/>
+              <a:t>В </a:t>
+            </a:r>
+            <a:r>
+              <a:rPr lang="en-US" dirty="0" err="1"/>
+              <a:t>React.memo</a:t>
+            </a:r>
+            <a:r>
+              <a:rPr lang="ru-RU" dirty="0"/>
+              <a:t> следует хранить ссылки на функции между итерациями (особенности функциональных компонентов) для того, чтобы избежать лишних вызовов </a:t>
+            </a:r>
+            <a:r>
+              <a:rPr lang="en-US" dirty="0"/>
+              <a:t>render()</a:t>
+            </a:r>
+            <a:r>
+              <a:rPr lang="ru-RU" dirty="0"/>
+              <a:t> в дочерних компонентах.</a:t>
+            </a:r>
+            <a:endParaRPr lang="en-US" dirty="0"/>
+          </a:p>
+          <a:p>
+            <a:r>
+              <a:rPr lang="ru-RU" dirty="0"/>
+              <a:t>Лишний вызов </a:t>
+            </a:r>
+            <a:r>
+              <a:rPr lang="en-US" dirty="0"/>
+              <a:t>render()</a:t>
+            </a:r>
+            <a:r>
+              <a:rPr lang="ru-RU" dirty="0"/>
+              <a:t> у дочерних компонентов критичен в случае, когда дочерние компоненты тяжелые.</a:t>
+            </a:r>
+          </a:p>
+          <a:p>
+            <a:r>
+              <a:rPr lang="ru-RU" dirty="0"/>
+              <a:t>Нет необходимости в одновременном использовании обертки </a:t>
+            </a:r>
+            <a:r>
+              <a:rPr lang="en-US" dirty="0"/>
+              <a:t>connect</a:t>
+            </a:r>
+            <a:r>
+              <a:rPr lang="ru-RU" dirty="0"/>
+              <a:t> и </a:t>
+            </a:r>
+            <a:r>
+              <a:rPr lang="en-US" dirty="0"/>
+              <a:t>memo/</a:t>
+            </a:r>
+            <a:r>
+              <a:rPr lang="en-US" dirty="0" err="1"/>
+              <a:t>PureComponent</a:t>
+            </a:r>
+            <a:r>
+              <a:rPr lang="ru-RU" dirty="0"/>
+              <a:t>. При одновременном наличии </a:t>
+            </a:r>
+            <a:r>
+              <a:rPr lang="en-US" dirty="0"/>
+              <a:t>connect</a:t>
+            </a:r>
+            <a:r>
+              <a:rPr lang="ru-RU" dirty="0"/>
+              <a:t> и </a:t>
+            </a:r>
+            <a:r>
+              <a:rPr lang="en-US" dirty="0"/>
+              <a:t>memo/</a:t>
+            </a:r>
+            <a:r>
+              <a:rPr lang="en-US" dirty="0" err="1"/>
+              <a:t>PureComponent</a:t>
+            </a:r>
+            <a:r>
+              <a:rPr lang="ru-RU" dirty="0"/>
+              <a:t> у нас будут происходить лишние перерасчеты (сначала в </a:t>
+            </a:r>
+            <a:r>
+              <a:rPr lang="en-US" dirty="0"/>
+              <a:t>connect</a:t>
+            </a:r>
+            <a:r>
+              <a:rPr lang="ru-RU" dirty="0"/>
+              <a:t>, а потом в </a:t>
+            </a:r>
+            <a:r>
+              <a:rPr lang="en-US" dirty="0"/>
+              <a:t>memo/</a:t>
+            </a:r>
+            <a:r>
+              <a:rPr lang="en-US" dirty="0" err="1"/>
+              <a:t>PureComponent</a:t>
+            </a:r>
+            <a:r>
+              <a:rPr lang="en-US" dirty="0"/>
+              <a:t>)</a:t>
+            </a:r>
+            <a:r>
+              <a:rPr lang="ru-RU" dirty="0"/>
+              <a:t>.</a:t>
             </a:r>
           </a:p>
         </p:txBody>
@@ -17329,7 +17356,7 @@
           <p:cNvPr id="4" name="Номер слайда 3">
             <a:extLst>
               <a:ext uri="{FF2B5EF4-FFF2-40B4-BE49-F238E27FC236}">
-                <a16:creationId xmlns:a16="http://schemas.microsoft.com/office/drawing/2014/main" id="{5041A5FC-B3AE-408A-8866-156C52909513}"/>
+                <a16:creationId xmlns:a16="http://schemas.microsoft.com/office/drawing/2014/main" id="{11D0F1AA-5CC7-4C8B-AC0B-2C2B0699050F}"/>
               </a:ext>
             </a:extLst>
           </p:cNvPr>
@@ -17348,6 +17375,127 @@
             <a:fld id="{2AA06E25-3985-4D43-9B6C-C0B92CD594CF}" type="slidenum">
               <a:rPr lang="en-US" smtClean="0"/>
               <a:t>41</a:t>
+            </a:fld>
+            <a:endParaRPr lang="en-US"/>
+          </a:p>
+        </p:txBody>
+      </p:sp>
+    </p:spTree>
+    <p:extLst>
+      <p:ext uri="{BB962C8B-B14F-4D97-AF65-F5344CB8AC3E}">
+        <p14:creationId xmlns:p14="http://schemas.microsoft.com/office/powerpoint/2010/main" val="1410031772"/>
+      </p:ext>
+    </p:extLst>
+  </p:cSld>
+  <p:clrMapOvr>
+    <a:masterClrMapping/>
+  </p:clrMapOvr>
+</p:sld>
+</file>
+
+<file path=ppt/slides/slide42.xml><?xml version="1.0" encoding="utf-8"?>
+<p:sld xmlns:a="http://schemas.openxmlformats.org/drawingml/2006/main" xmlns:r="http://schemas.openxmlformats.org/officeDocument/2006/relationships" xmlns:p="http://schemas.openxmlformats.org/presentationml/2006/main">
+  <p:cSld>
+    <p:spTree>
+      <p:nvGrpSpPr>
+        <p:cNvPr id="1" name=""/>
+        <p:cNvGrpSpPr/>
+        <p:nvPr/>
+      </p:nvGrpSpPr>
+      <p:grpSpPr>
+        <a:xfrm>
+          <a:off x="0" y="0"/>
+          <a:ext cx="0" cy="0"/>
+          <a:chOff x="0" y="0"/>
+          <a:chExt cx="0" cy="0"/>
+        </a:xfrm>
+      </p:grpSpPr>
+      <p:sp>
+        <p:nvSpPr>
+          <p:cNvPr id="2" name="Заголовок 1">
+            <a:extLst>
+              <a:ext uri="{FF2B5EF4-FFF2-40B4-BE49-F238E27FC236}">
+                <a16:creationId xmlns:a16="http://schemas.microsoft.com/office/drawing/2014/main" id="{3A522856-C4E0-402C-92AD-D03D563A443F}"/>
+              </a:ext>
+            </a:extLst>
+          </p:cNvPr>
+          <p:cNvSpPr>
+            <a:spLocks noGrp="1"/>
+          </p:cNvSpPr>
+          <p:nvPr>
+            <p:ph type="title"/>
+          </p:nvPr>
+        </p:nvSpPr>
+        <p:spPr/>
+        <p:txBody>
+          <a:bodyPr/>
+          <a:lstStyle/>
+          <a:p>
+            <a:r>
+              <a:rPr lang="ru-RU" dirty="0"/>
+              <a:t>Полезные ссылки</a:t>
+            </a:r>
+          </a:p>
+        </p:txBody>
+      </p:sp>
+      <p:sp>
+        <p:nvSpPr>
+          <p:cNvPr id="3" name="Объект 2">
+            <a:extLst>
+              <a:ext uri="{FF2B5EF4-FFF2-40B4-BE49-F238E27FC236}">
+                <a16:creationId xmlns:a16="http://schemas.microsoft.com/office/drawing/2014/main" id="{D3C3D9D3-4628-4E29-8D2B-CB5FAB60E73D}"/>
+              </a:ext>
+            </a:extLst>
+          </p:cNvPr>
+          <p:cNvSpPr>
+            <a:spLocks noGrp="1"/>
+          </p:cNvSpPr>
+          <p:nvPr>
+            <p:ph idx="1"/>
+          </p:nvPr>
+        </p:nvSpPr>
+        <p:spPr/>
+        <p:txBody>
+          <a:bodyPr/>
+          <a:lstStyle/>
+          <a:p>
+            <a:r>
+              <a:rPr lang="en-US" dirty="0">
+                <a:hlinkClick r:id="rId2"/>
+              </a:rPr>
+              <a:t>https://github.com/artem-gorokhovskii/PureComponent-VS-memo</a:t>
+            </a:r>
+            <a:r>
+              <a:rPr lang="ru-RU" dirty="0"/>
+              <a:t> – репозиторий с приложением, которое рассматривали в данном разделе.</a:t>
+            </a:r>
+          </a:p>
+        </p:txBody>
+      </p:sp>
+      <p:sp>
+        <p:nvSpPr>
+          <p:cNvPr id="4" name="Номер слайда 3">
+            <a:extLst>
+              <a:ext uri="{FF2B5EF4-FFF2-40B4-BE49-F238E27FC236}">
+                <a16:creationId xmlns:a16="http://schemas.microsoft.com/office/drawing/2014/main" id="{5041A5FC-B3AE-408A-8866-156C52909513}"/>
+              </a:ext>
+            </a:extLst>
+          </p:cNvPr>
+          <p:cNvSpPr>
+            <a:spLocks noGrp="1"/>
+          </p:cNvSpPr>
+          <p:nvPr>
+            <p:ph type="sldNum" sz="quarter" idx="12"/>
+          </p:nvPr>
+        </p:nvSpPr>
+        <p:spPr/>
+        <p:txBody>
+          <a:bodyPr/>
+          <a:lstStyle/>
+          <a:p>
+            <a:fld id="{2AA06E25-3985-4D43-9B6C-C0B92CD594CF}" type="slidenum">
+              <a:rPr lang="en-US" smtClean="0"/>
+              <a:t>42</a:t>
             </a:fld>
             <a:endParaRPr lang="en-US"/>
           </a:p>
@@ -17366,7 +17514,7 @@
 </p:sld>
 </file>
 
-<file path=ppt/slides/slide42.xml><?xml version="1.0" encoding="utf-8"?>
+<file path=ppt/slides/slide43.xml><?xml version="1.0" encoding="utf-8"?>
 <p:sld xmlns:a="http://schemas.openxmlformats.org/drawingml/2006/main" xmlns:r="http://schemas.openxmlformats.org/officeDocument/2006/relationships" xmlns:p="http://schemas.openxmlformats.org/presentationml/2006/main">
   <p:cSld>
     <p:bg>
@@ -17457,7 +17605,7 @@
           <a:p>
             <a:fld id="{2AA06E25-3985-4D43-9B6C-C0B92CD594CF}" type="slidenum">
               <a:rPr lang="en-US" smtClean="0"/>
-              <a:t>42</a:t>
+              <a:t>43</a:t>
             </a:fld>
             <a:endParaRPr lang="en-US"/>
           </a:p>
